--- a/Research/_____Writing ISSTA 26/Fig_VRAgent.pptx
+++ b/Research/_____Writing ISSTA 26/Fig_VRAgent.pptx
@@ -104,6 +104,11 @@
       </a:defRPr>
     </a:lvl9pPr>
   </p:defaultTextStyle>
+  <p:extLst>
+    <p:ext uri="{EFAFB233-063F-42B5-8137-9DF3F51BA10A}">
+      <p15:sldGuideLst xmlns:p15="http://schemas.microsoft.com/office/powerpoint/2012/main"/>
+    </p:ext>
+  </p:extLst>
 </p:presentation>
 </file>
 
@@ -238,7 +243,7 @@
           <a:p>
             <a:fld id="{B3702B35-EFD2-4092-A369-A03DF3F0D025}" type="datetimeFigureOut">
               <a:rPr lang="zh-CN" altLang="en-US" smtClean="0"/>
-              <a:t>2025/11/7</a:t>
+              <a:t>2025/12/2</a:t>
             </a:fld>
             <a:endParaRPr lang="zh-CN" altLang="en-US"/>
           </a:p>
@@ -408,7 +413,7 @@
           <a:p>
             <a:fld id="{B3702B35-EFD2-4092-A369-A03DF3F0D025}" type="datetimeFigureOut">
               <a:rPr lang="zh-CN" altLang="en-US" smtClean="0"/>
-              <a:t>2025/11/7</a:t>
+              <a:t>2025/12/2</a:t>
             </a:fld>
             <a:endParaRPr lang="zh-CN" altLang="en-US"/>
           </a:p>
@@ -588,7 +593,7 @@
           <a:p>
             <a:fld id="{B3702B35-EFD2-4092-A369-A03DF3F0D025}" type="datetimeFigureOut">
               <a:rPr lang="zh-CN" altLang="en-US" smtClean="0"/>
-              <a:t>2025/11/7</a:t>
+              <a:t>2025/12/2</a:t>
             </a:fld>
             <a:endParaRPr lang="zh-CN" altLang="en-US"/>
           </a:p>
@@ -758,7 +763,7 @@
           <a:p>
             <a:fld id="{B3702B35-EFD2-4092-A369-A03DF3F0D025}" type="datetimeFigureOut">
               <a:rPr lang="zh-CN" altLang="en-US" smtClean="0"/>
-              <a:t>2025/11/7</a:t>
+              <a:t>2025/12/2</a:t>
             </a:fld>
             <a:endParaRPr lang="zh-CN" altLang="en-US"/>
           </a:p>
@@ -1004,7 +1009,7 @@
           <a:p>
             <a:fld id="{B3702B35-EFD2-4092-A369-A03DF3F0D025}" type="datetimeFigureOut">
               <a:rPr lang="zh-CN" altLang="en-US" smtClean="0"/>
-              <a:t>2025/11/7</a:t>
+              <a:t>2025/12/2</a:t>
             </a:fld>
             <a:endParaRPr lang="zh-CN" altLang="en-US"/>
           </a:p>
@@ -1236,7 +1241,7 @@
           <a:p>
             <a:fld id="{B3702B35-EFD2-4092-A369-A03DF3F0D025}" type="datetimeFigureOut">
               <a:rPr lang="zh-CN" altLang="en-US" smtClean="0"/>
-              <a:t>2025/11/7</a:t>
+              <a:t>2025/12/2</a:t>
             </a:fld>
             <a:endParaRPr lang="zh-CN" altLang="en-US"/>
           </a:p>
@@ -1603,7 +1608,7 @@
           <a:p>
             <a:fld id="{B3702B35-EFD2-4092-A369-A03DF3F0D025}" type="datetimeFigureOut">
               <a:rPr lang="zh-CN" altLang="en-US" smtClean="0"/>
-              <a:t>2025/11/7</a:t>
+              <a:t>2025/12/2</a:t>
             </a:fld>
             <a:endParaRPr lang="zh-CN" altLang="en-US"/>
           </a:p>
@@ -1721,7 +1726,7 @@
           <a:p>
             <a:fld id="{B3702B35-EFD2-4092-A369-A03DF3F0D025}" type="datetimeFigureOut">
               <a:rPr lang="zh-CN" altLang="en-US" smtClean="0"/>
-              <a:t>2025/11/7</a:t>
+              <a:t>2025/12/2</a:t>
             </a:fld>
             <a:endParaRPr lang="zh-CN" altLang="en-US"/>
           </a:p>
@@ -1816,7 +1821,7 @@
           <a:p>
             <a:fld id="{B3702B35-EFD2-4092-A369-A03DF3F0D025}" type="datetimeFigureOut">
               <a:rPr lang="zh-CN" altLang="en-US" smtClean="0"/>
-              <a:t>2025/11/7</a:t>
+              <a:t>2025/12/2</a:t>
             </a:fld>
             <a:endParaRPr lang="zh-CN" altLang="en-US"/>
           </a:p>
@@ -2093,7 +2098,7 @@
           <a:p>
             <a:fld id="{B3702B35-EFD2-4092-A369-A03DF3F0D025}" type="datetimeFigureOut">
               <a:rPr lang="zh-CN" altLang="en-US" smtClean="0"/>
-              <a:t>2025/11/7</a:t>
+              <a:t>2025/12/2</a:t>
             </a:fld>
             <a:endParaRPr lang="zh-CN" altLang="en-US"/>
           </a:p>
@@ -2350,7 +2355,7 @@
           <a:p>
             <a:fld id="{B3702B35-EFD2-4092-A369-A03DF3F0D025}" type="datetimeFigureOut">
               <a:rPr lang="zh-CN" altLang="en-US" smtClean="0"/>
-              <a:t>2025/11/7</a:t>
+              <a:t>2025/12/2</a:t>
             </a:fld>
             <a:endParaRPr lang="zh-CN" altLang="en-US"/>
           </a:p>
@@ -2563,7 +2568,7 @@
           <a:p>
             <a:fld id="{B3702B35-EFD2-4092-A369-A03DF3F0D025}" type="datetimeFigureOut">
               <a:rPr lang="zh-CN" altLang="en-US" smtClean="0"/>
-              <a:t>2025/11/7</a:t>
+              <a:t>2025/12/2</a:t>
             </a:fld>
             <a:endParaRPr lang="zh-CN" altLang="en-US"/>
           </a:p>
@@ -2982,8 +2987,8 @@
         </p:nvSpPr>
         <p:spPr>
           <a:xfrm>
-            <a:off x="167223" y="147691"/>
-            <a:ext cx="8665092" cy="2885440"/>
+            <a:off x="57786" y="66112"/>
+            <a:ext cx="8096150" cy="2809662"/>
           </a:xfrm>
           <a:prstGeom prst="rect">
             <a:avLst/>
@@ -3046,7 +3051,7 @@
         </p:nvSpPr>
         <p:spPr>
           <a:xfrm>
-            <a:off x="321239" y="2341459"/>
+            <a:off x="168271" y="2259880"/>
             <a:ext cx="1694645" cy="520947"/>
           </a:xfrm>
           <a:prstGeom prst="rect">
@@ -3132,7 +3137,7 @@
         </p:nvSpPr>
         <p:spPr>
           <a:xfrm>
-            <a:off x="311081" y="488244"/>
+            <a:off x="158113" y="406665"/>
             <a:ext cx="2370720" cy="1560953"/>
           </a:xfrm>
           <a:prstGeom prst="rect">
@@ -3216,7 +3221,7 @@
         </p:nvSpPr>
         <p:spPr>
           <a:xfrm>
-            <a:off x="384905" y="787892"/>
+            <a:off x="231937" y="706313"/>
             <a:ext cx="2227185" cy="1131327"/>
           </a:xfrm>
           <a:prstGeom prst="roundRect">
@@ -3304,7 +3309,7 @@
         </p:nvSpPr>
         <p:spPr>
           <a:xfrm>
-            <a:off x="448387" y="1134608"/>
+            <a:off x="295419" y="1053029"/>
             <a:ext cx="1563037" cy="664870"/>
           </a:xfrm>
           <a:prstGeom prst="roundRect">
@@ -3392,7 +3397,7 @@
         </p:nvSpPr>
         <p:spPr>
           <a:xfrm>
-            <a:off x="2051339" y="1134608"/>
+            <a:off x="1898371" y="1053029"/>
             <a:ext cx="227444" cy="664870"/>
           </a:xfrm>
           <a:prstGeom prst="roundRect">
@@ -3472,7 +3477,7 @@
         </p:nvSpPr>
         <p:spPr>
           <a:xfrm>
-            <a:off x="2318936" y="1134608"/>
+            <a:off x="2165968" y="1053029"/>
             <a:ext cx="227444" cy="664870"/>
           </a:xfrm>
           <a:prstGeom prst="roundRect">
@@ -3552,7 +3557,7 @@
         </p:nvSpPr>
         <p:spPr>
           <a:xfrm>
-            <a:off x="506114" y="1426869"/>
+            <a:off x="353146" y="1345290"/>
             <a:ext cx="1067168" cy="288320"/>
           </a:xfrm>
           <a:prstGeom prst="roundRect">
@@ -3638,7 +3643,7 @@
         </p:nvSpPr>
         <p:spPr>
           <a:xfrm flipH="1">
-            <a:off x="1619458" y="1426869"/>
+            <a:off x="1466490" y="1345290"/>
             <a:ext cx="120311" cy="288320"/>
           </a:xfrm>
           <a:prstGeom prst="roundRect">
@@ -3716,7 +3721,7 @@
         </p:nvSpPr>
         <p:spPr>
           <a:xfrm>
-            <a:off x="656811" y="1729551"/>
+            <a:off x="503843" y="1647972"/>
             <a:ext cx="304394" cy="688315"/>
           </a:xfrm>
           <a:prstGeom prst="downArrow">
@@ -3783,7 +3788,7 @@
         </p:nvSpPr>
         <p:spPr>
           <a:xfrm flipH="1">
-            <a:off x="1773462" y="1426869"/>
+            <a:off x="1620494" y="1345290"/>
             <a:ext cx="120311" cy="288320"/>
           </a:xfrm>
           <a:prstGeom prst="roundRect">
@@ -3875,7 +3880,7 @@
         </p:blipFill>
         <p:spPr>
           <a:xfrm>
-            <a:off x="794049" y="821080"/>
+            <a:off x="641081" y="739501"/>
             <a:ext cx="295675" cy="298581"/>
           </a:xfrm>
           <a:prstGeom prst="rect">
@@ -3897,7 +3902,7 @@
         </p:nvSpPr>
         <p:spPr>
           <a:xfrm>
-            <a:off x="2775106" y="501976"/>
+            <a:off x="2622138" y="420397"/>
             <a:ext cx="1919768" cy="1820698"/>
           </a:xfrm>
           <a:prstGeom prst="rect">
@@ -3981,7 +3986,7 @@
         </p:nvSpPr>
         <p:spPr>
           <a:xfrm>
-            <a:off x="5005912" y="501977"/>
+            <a:off x="4852944" y="420398"/>
             <a:ext cx="3246979" cy="1820697"/>
           </a:xfrm>
           <a:prstGeom prst="rect">
@@ -4065,7 +4070,7 @@
         </p:nvSpPr>
         <p:spPr>
           <a:xfrm>
-            <a:off x="4348275" y="1913696"/>
+            <a:off x="4195307" y="1832117"/>
             <a:ext cx="1028533" cy="248250"/>
           </a:xfrm>
           <a:prstGeom prst="roundRect">
@@ -4074,9 +4079,7 @@
             </a:avLst>
           </a:prstGeom>
           <a:solidFill>
-            <a:sysClr val="window" lastClr="FFFFFF">
-              <a:lumMod val="85000"/>
-            </a:sysClr>
+            <a:srgbClr val="F8C100"/>
           </a:solidFill>
           <a:ln w="25400" cap="rnd" cmpd="sng" algn="ctr">
             <a:solidFill>
@@ -4131,7 +4134,7 @@
         </p:nvSpPr>
         <p:spPr>
           <a:xfrm>
-            <a:off x="2922490" y="929651"/>
+            <a:off x="2769522" y="848072"/>
             <a:ext cx="1463679" cy="1211819"/>
           </a:xfrm>
           <a:custGeom>
@@ -4359,7 +4362,7 @@
         </p:blipFill>
         <p:spPr>
           <a:xfrm>
-            <a:off x="3058852" y="1010715"/>
+            <a:off x="2905884" y="929136"/>
             <a:ext cx="534420" cy="534420"/>
           </a:xfrm>
           <a:prstGeom prst="rect">
@@ -4381,7 +4384,7 @@
         </p:nvGrpSpPr>
         <p:grpSpPr>
           <a:xfrm>
-            <a:off x="3728522" y="1373308"/>
+            <a:off x="3575554" y="1291729"/>
             <a:ext cx="436207" cy="438424"/>
             <a:chOff x="7079832" y="2188987"/>
             <a:chExt cx="667891" cy="707548"/>
@@ -4488,7 +4491,7 @@
         </p:blipFill>
         <p:spPr>
           <a:xfrm>
-            <a:off x="3333345" y="1632332"/>
+            <a:off x="3180377" y="1550753"/>
             <a:ext cx="410725" cy="410725"/>
           </a:xfrm>
           <a:prstGeom prst="rect">
@@ -4510,7 +4513,7 @@
         </p:nvGrpSpPr>
         <p:grpSpPr>
           <a:xfrm>
-            <a:off x="5984684" y="1268720"/>
+            <a:off x="5831716" y="1187141"/>
             <a:ext cx="436207" cy="438424"/>
             <a:chOff x="7079832" y="2188987"/>
             <a:chExt cx="667891" cy="707548"/>
@@ -4617,7 +4620,7 @@
         </p:blipFill>
         <p:spPr>
           <a:xfrm>
-            <a:off x="5589507" y="1527744"/>
+            <a:off x="5436539" y="1446165"/>
             <a:ext cx="410725" cy="410725"/>
           </a:xfrm>
           <a:prstGeom prst="rect">
@@ -4653,7 +4656,7 @@
         </p:blipFill>
         <p:spPr>
           <a:xfrm>
-            <a:off x="5259433" y="946905"/>
+            <a:off x="5106465" y="865326"/>
             <a:ext cx="590507" cy="590507"/>
           </a:xfrm>
           <a:prstGeom prst="rect">
@@ -4689,7 +4692,7 @@
         </p:blipFill>
         <p:spPr>
           <a:xfrm>
-            <a:off x="5757952" y="524687"/>
+            <a:off x="5604984" y="443108"/>
             <a:ext cx="334416" cy="334416"/>
           </a:xfrm>
           <a:prstGeom prst="rect">
@@ -4711,7 +4714,7 @@
         </p:nvSpPr>
         <p:spPr>
           <a:xfrm>
-            <a:off x="1936386" y="2191912"/>
+            <a:off x="1783418" y="2110333"/>
             <a:ext cx="2848892" cy="410936"/>
           </a:xfrm>
           <a:prstGeom prst="bentUpArrow">
@@ -4768,7 +4771,7 @@
         </p:nvSpPr>
         <p:spPr>
           <a:xfrm>
-            <a:off x="1936386" y="2049196"/>
+            <a:off x="1783418" y="1967617"/>
             <a:ext cx="5873062" cy="699978"/>
           </a:xfrm>
           <a:prstGeom prst="bentUpArrow">
@@ -4825,7 +4828,7 @@
         </p:nvSpPr>
         <p:spPr>
           <a:xfrm>
-            <a:off x="2278783" y="2383759"/>
+            <a:off x="2125815" y="2302180"/>
             <a:ext cx="976854" cy="427096"/>
           </a:xfrm>
           <a:prstGeom prst="roundRect">
@@ -4834,9 +4837,7 @@
             </a:avLst>
           </a:prstGeom>
           <a:solidFill>
-            <a:sysClr val="window" lastClr="FFFFFF">
-              <a:lumMod val="85000"/>
-            </a:sysClr>
+            <a:srgbClr val="FFC000"/>
           </a:solidFill>
           <a:ln w="25400" cap="rnd" cmpd="sng" algn="ctr">
             <a:solidFill>
@@ -4894,7 +4895,7 @@
         </p:nvGrpSpPr>
         <p:grpSpPr>
           <a:xfrm>
-            <a:off x="4815426" y="2057079"/>
+            <a:off x="4662458" y="1975500"/>
             <a:ext cx="2697761" cy="545128"/>
             <a:chOff x="4351210" y="4175737"/>
             <a:chExt cx="4025020" cy="583570"/>
@@ -5031,7 +5032,7 @@
         </p:nvSpPr>
         <p:spPr>
           <a:xfrm flipH="1">
-            <a:off x="751269" y="2440327"/>
+            <a:off x="598301" y="2358748"/>
             <a:ext cx="130009" cy="334666"/>
           </a:xfrm>
           <a:prstGeom prst="roundRect">
@@ -5113,7 +5114,7 @@
         </p:nvSpPr>
         <p:spPr>
           <a:xfrm flipH="1">
-            <a:off x="906478" y="2440327"/>
+            <a:off x="753510" y="2358748"/>
             <a:ext cx="130009" cy="334666"/>
           </a:xfrm>
           <a:prstGeom prst="roundRect">
@@ -5195,7 +5196,7 @@
         </p:nvSpPr>
         <p:spPr>
           <a:xfrm flipH="1">
-            <a:off x="1061687" y="2440327"/>
+            <a:off x="908719" y="2358748"/>
             <a:ext cx="130009" cy="334666"/>
           </a:xfrm>
           <a:prstGeom prst="roundRect">
@@ -5277,7 +5278,7 @@
         </p:nvSpPr>
         <p:spPr>
           <a:xfrm flipH="1">
-            <a:off x="1216896" y="2440327"/>
+            <a:off x="1063928" y="2358748"/>
             <a:ext cx="130009" cy="334666"/>
           </a:xfrm>
           <a:prstGeom prst="roundRect">
@@ -5359,7 +5360,7 @@
         </p:nvSpPr>
         <p:spPr>
           <a:xfrm flipH="1">
-            <a:off x="1372106" y="2440327"/>
+            <a:off x="1219138" y="2358748"/>
             <a:ext cx="130009" cy="334666"/>
           </a:xfrm>
           <a:prstGeom prst="roundRect">
@@ -5441,7 +5442,7 @@
         </p:nvSpPr>
         <p:spPr>
           <a:xfrm flipH="1">
-            <a:off x="1527315" y="2440327"/>
+            <a:off x="1374347" y="2358748"/>
             <a:ext cx="130009" cy="334666"/>
           </a:xfrm>
           <a:prstGeom prst="roundRect">
@@ -5523,7 +5524,7 @@
         </p:nvSpPr>
         <p:spPr>
           <a:xfrm flipH="1">
-            <a:off x="1682524" y="2440327"/>
+            <a:off x="1529556" y="2358748"/>
             <a:ext cx="130009" cy="334666"/>
           </a:xfrm>
           <a:prstGeom prst="roundRect">
@@ -5605,7 +5606,7 @@
         </p:nvSpPr>
         <p:spPr>
           <a:xfrm flipH="1">
-            <a:off x="1837733" y="2440327"/>
+            <a:off x="1684765" y="2358748"/>
             <a:ext cx="130009" cy="334666"/>
           </a:xfrm>
           <a:prstGeom prst="roundRect">
@@ -5687,7 +5688,7 @@
         </p:nvSpPr>
         <p:spPr>
           <a:xfrm>
-            <a:off x="6208870" y="880856"/>
+            <a:off x="6055902" y="799277"/>
             <a:ext cx="1124986" cy="316995"/>
           </a:xfrm>
           <a:prstGeom prst="leftRightArrow">
@@ -5750,7 +5751,7 @@
         </p:nvSpPr>
         <p:spPr>
           <a:xfrm>
-            <a:off x="5043576" y="905695"/>
+            <a:off x="4890608" y="824116"/>
             <a:ext cx="1535009" cy="1231414"/>
           </a:xfrm>
           <a:custGeom>
@@ -5954,7 +5955,7 @@
         </p:nvSpPr>
         <p:spPr>
           <a:xfrm>
-            <a:off x="3575296" y="1047416"/>
+            <a:off x="3422328" y="965837"/>
             <a:ext cx="1703392" cy="377731"/>
           </a:xfrm>
           <a:prstGeom prst="rightArrow">
@@ -6007,7 +6008,7 @@
         </p:nvSpPr>
         <p:spPr>
           <a:xfrm>
-            <a:off x="4377367" y="1590412"/>
+            <a:off x="4224399" y="1508833"/>
             <a:ext cx="1044472" cy="316995"/>
           </a:xfrm>
           <a:prstGeom prst="leftRightArrow">
@@ -6067,7 +6068,7 @@
         </p:nvSpPr>
         <p:spPr>
           <a:xfrm rot="5400000" flipH="1">
-            <a:off x="5685923" y="1304796"/>
+            <a:off x="5532955" y="1223217"/>
             <a:ext cx="104584" cy="249196"/>
           </a:xfrm>
           <a:prstGeom prst="roundRect">
@@ -6149,7 +6150,7 @@
         </p:nvSpPr>
         <p:spPr>
           <a:xfrm rot="5400000">
-            <a:off x="6530498" y="1322375"/>
+            <a:off x="6377530" y="1240796"/>
             <a:ext cx="275898" cy="1183451"/>
           </a:xfrm>
           <a:prstGeom prst="downArrow">
@@ -6216,7 +6217,7 @@
         </p:nvSpPr>
         <p:spPr>
           <a:xfrm>
-            <a:off x="6591460" y="1346622"/>
+            <a:off x="6438492" y="1265043"/>
             <a:ext cx="827465" cy="253926"/>
           </a:xfrm>
           <a:prstGeom prst="rightArrow">
@@ -6283,7 +6284,7 @@
         </p:nvSpPr>
         <p:spPr>
           <a:xfrm>
-            <a:off x="7132544" y="1725445"/>
+            <a:off x="6979576" y="1643866"/>
             <a:ext cx="987941" cy="340181"/>
           </a:xfrm>
           <a:prstGeom prst="roundRect">
@@ -6292,9 +6293,7 @@
             </a:avLst>
           </a:prstGeom>
           <a:solidFill>
-            <a:sysClr val="window" lastClr="FFFFFF">
-              <a:lumMod val="85000"/>
-            </a:sysClr>
+            <a:srgbClr val="69AB3C"/>
           </a:solidFill>
           <a:ln w="22225" cap="rnd" cmpd="sng" algn="ctr">
             <a:solidFill>
@@ -6352,7 +6351,7 @@
         </p:nvGrpSpPr>
         <p:grpSpPr>
           <a:xfrm>
-            <a:off x="7392944" y="854060"/>
+            <a:off x="7239976" y="772481"/>
             <a:ext cx="599688" cy="633921"/>
             <a:chOff x="7088031" y="6351077"/>
             <a:chExt cx="599688" cy="633921"/>
@@ -6381,9 +6380,7 @@
               </a:avLst>
             </a:prstGeom>
             <a:solidFill>
-              <a:sysClr val="window" lastClr="FFFFFF">
-                <a:lumMod val="85000"/>
-              </a:sysClr>
+              <a:schemeClr val="accent6"/>
             </a:solidFill>
             <a:ln w="25400" cap="rnd" cmpd="sng" algn="ctr">
               <a:solidFill>
@@ -6475,7 +6472,7 @@
         </p:nvSpPr>
         <p:spPr>
           <a:xfrm rot="5400000" flipH="1">
-            <a:off x="5915478" y="1726862"/>
+            <a:off x="5762510" y="1645283"/>
             <a:ext cx="104584" cy="249196"/>
           </a:xfrm>
           <a:prstGeom prst="roundRect">
@@ -6557,7 +6554,7 @@
         </p:nvSpPr>
         <p:spPr>
           <a:xfrm rot="5400000" flipH="1">
-            <a:off x="6336801" y="1346890"/>
+            <a:off x="6183833" y="1265311"/>
             <a:ext cx="104584" cy="249196"/>
           </a:xfrm>
           <a:prstGeom prst="roundRect">
@@ -6653,7 +6650,7 @@
         </p:blipFill>
         <p:spPr>
           <a:xfrm>
-            <a:off x="2941360" y="533531"/>
+            <a:off x="2788392" y="451952"/>
             <a:ext cx="334416" cy="334416"/>
           </a:xfrm>
           <a:prstGeom prst="rect">
@@ -6661,6 +6658,197 @@
           </a:prstGeom>
         </p:spPr>
       </p:pic>
+      <p:sp>
+        <p:nvSpPr>
+          <p:cNvPr id="17" name="矩形: 圆角 16">
+            <a:extLst>
+              <a:ext uri="{FF2B5EF4-FFF2-40B4-BE49-F238E27FC236}">
+                <a16:creationId xmlns:a16="http://schemas.microsoft.com/office/drawing/2014/main" id="{37061D0E-C046-2856-0BBC-B93FE53C3076}"/>
+              </a:ext>
+            </a:extLst>
+          </p:cNvPr>
+          <p:cNvSpPr/>
+          <p:nvPr/>
+        </p:nvSpPr>
+        <p:spPr>
+          <a:xfrm>
+            <a:off x="5763235" y="142509"/>
+            <a:ext cx="272329" cy="177901"/>
+          </a:xfrm>
+          <a:prstGeom prst="roundRect">
+            <a:avLst>
+              <a:gd name="adj" fmla="val 0"/>
+            </a:avLst>
+          </a:prstGeom>
+          <a:solidFill>
+            <a:srgbClr val="F8C100"/>
+          </a:solidFill>
+          <a:ln w="12700" cap="flat" cmpd="sng" algn="ctr">
+            <a:noFill/>
+            <a:prstDash val="solid"/>
+            <a:miter lim="800000"/>
+          </a:ln>
+          <a:effectLst/>
+        </p:spPr>
+        <p:style>
+          <a:lnRef idx="2">
+            <a:schemeClr val="accent1">
+              <a:shade val="15000"/>
+            </a:schemeClr>
+          </a:lnRef>
+          <a:fillRef idx="1">
+            <a:schemeClr val="accent1"/>
+          </a:fillRef>
+          <a:effectRef idx="0">
+            <a:schemeClr val="accent1"/>
+          </a:effectRef>
+          <a:fontRef idx="minor">
+            <a:schemeClr val="lt1"/>
+          </a:fontRef>
+        </p:style>
+        <p:txBody>
+          <a:bodyPr rtlCol="0" anchor="ctr"/>
+          <a:lstStyle/>
+          <a:p>
+            <a:endParaRPr lang="en-US" altLang="zh-CN" sz="800" dirty="0"/>
+          </a:p>
+        </p:txBody>
+      </p:sp>
+      <p:sp>
+        <p:nvSpPr>
+          <p:cNvPr id="20" name="文本框 19">
+            <a:extLst>
+              <a:ext uri="{FF2B5EF4-FFF2-40B4-BE49-F238E27FC236}">
+                <a16:creationId xmlns:a16="http://schemas.microsoft.com/office/drawing/2014/main" id="{015DB43F-8460-FE2C-B74A-6CE366AD2ACE}"/>
+              </a:ext>
+            </a:extLst>
+          </p:cNvPr>
+          <p:cNvSpPr txBox="1"/>
+          <p:nvPr/>
+        </p:nvSpPr>
+        <p:spPr>
+          <a:xfrm>
+            <a:off x="5967972" y="68092"/>
+            <a:ext cx="1269369" cy="338554"/>
+          </a:xfrm>
+          <a:prstGeom prst="rect">
+            <a:avLst/>
+          </a:prstGeom>
+          <a:noFill/>
+        </p:spPr>
+        <p:txBody>
+          <a:bodyPr wrap="square" rtlCol="0">
+            <a:spAutoFit/>
+          </a:bodyPr>
+          <a:lstStyle/>
+          <a:p>
+            <a:r>
+              <a:rPr lang="en-US" altLang="zh-CN" sz="800" dirty="0">
+                <a:latin typeface="Arial" panose="020B0604020202020204" pitchFamily="34" charset="0"/>
+                <a:cs typeface="Arial" panose="020B0604020202020204" pitchFamily="34" charset="0"/>
+              </a:rPr>
+              <a:t>LLM-generated Test Plan Transformation</a:t>
+            </a:r>
+            <a:endParaRPr lang="en-US" altLang="zh-CN" sz="800" dirty="0"/>
+          </a:p>
+        </p:txBody>
+      </p:sp>
+      <p:sp>
+        <p:nvSpPr>
+          <p:cNvPr id="21" name="矩形: 圆角 20">
+            <a:extLst>
+              <a:ext uri="{FF2B5EF4-FFF2-40B4-BE49-F238E27FC236}">
+                <a16:creationId xmlns:a16="http://schemas.microsoft.com/office/drawing/2014/main" id="{C475841D-4225-D893-EE54-81EFFD27CC57}"/>
+              </a:ext>
+            </a:extLst>
+          </p:cNvPr>
+          <p:cNvSpPr/>
+          <p:nvPr/>
+        </p:nvSpPr>
+        <p:spPr>
+          <a:xfrm>
+            <a:off x="7034391" y="156822"/>
+            <a:ext cx="272329" cy="177901"/>
+          </a:xfrm>
+          <a:prstGeom prst="roundRect">
+            <a:avLst>
+              <a:gd name="adj" fmla="val 0"/>
+            </a:avLst>
+          </a:prstGeom>
+          <a:solidFill>
+            <a:srgbClr val="69AB3C"/>
+          </a:solidFill>
+          <a:ln w="12700" cap="flat" cmpd="sng" algn="ctr">
+            <a:noFill/>
+            <a:prstDash val="solid"/>
+            <a:miter lim="800000"/>
+          </a:ln>
+          <a:effectLst/>
+        </p:spPr>
+        <p:style>
+          <a:lnRef idx="2">
+            <a:schemeClr val="accent1">
+              <a:shade val="15000"/>
+            </a:schemeClr>
+          </a:lnRef>
+          <a:fillRef idx="1">
+            <a:schemeClr val="accent1"/>
+          </a:fillRef>
+          <a:effectRef idx="0">
+            <a:schemeClr val="accent1"/>
+          </a:effectRef>
+          <a:fontRef idx="minor">
+            <a:schemeClr val="lt1"/>
+          </a:fontRef>
+        </p:style>
+        <p:txBody>
+          <a:bodyPr rtlCol="0" anchor="ctr"/>
+          <a:lstStyle/>
+          <a:p>
+            <a:endParaRPr lang="en-US" altLang="zh-CN" sz="800" dirty="0"/>
+          </a:p>
+        </p:txBody>
+      </p:sp>
+      <p:sp>
+        <p:nvSpPr>
+          <p:cNvPr id="22" name="文本框 21">
+            <a:extLst>
+              <a:ext uri="{FF2B5EF4-FFF2-40B4-BE49-F238E27FC236}">
+                <a16:creationId xmlns:a16="http://schemas.microsoft.com/office/drawing/2014/main" id="{844EC390-109D-F7DD-2A87-05EDB85F6971}"/>
+              </a:ext>
+            </a:extLst>
+          </p:cNvPr>
+          <p:cNvSpPr txBox="1"/>
+          <p:nvPr/>
+        </p:nvSpPr>
+        <p:spPr>
+          <a:xfrm>
+            <a:off x="7239976" y="93310"/>
+            <a:ext cx="913960" cy="324769"/>
+          </a:xfrm>
+          <a:prstGeom prst="rect">
+            <a:avLst/>
+          </a:prstGeom>
+          <a:noFill/>
+        </p:spPr>
+        <p:txBody>
+          <a:bodyPr wrap="square" rtlCol="0">
+            <a:spAutoFit/>
+          </a:bodyPr>
+          <a:lstStyle/>
+          <a:p>
+            <a:pPr>
+              <a:lnSpc>
+                <a:spcPts val="900"/>
+              </a:lnSpc>
+            </a:pPr>
+            <a:r>
+              <a:rPr lang="en-US" altLang="zh-CN" sz="900" dirty="0"/>
+              <a:t>VRAgent: Test Plan Execution</a:t>
+            </a:r>
+          </a:p>
+        </p:txBody>
+      </p:sp>
     </p:spTree>
     <p:extLst>
       <p:ext uri="{BB962C8B-B14F-4D97-AF65-F5344CB8AC3E}">

--- a/Research/_____Writing ISSTA 26/Fig_VRAgent.pptx
+++ b/Research/_____Writing ISSTA 26/Fig_VRAgent.pptx
@@ -2,12 +2,12 @@
 <file path=ppt/presentation.xml><?xml version="1.0" encoding="utf-8"?>
 <p:presentation xmlns:a="http://schemas.openxmlformats.org/drawingml/2006/main" xmlns:r="http://schemas.openxmlformats.org/officeDocument/2006/relationships" xmlns:p="http://schemas.openxmlformats.org/presentationml/2006/main" saveSubsetFonts="1">
   <p:sldMasterIdLst>
-    <p:sldMasterId id="2147483672" r:id="rId1"/>
+    <p:sldMasterId id="2147483684" r:id="rId1"/>
   </p:sldMasterIdLst>
   <p:sldIdLst>
     <p:sldId id="257" r:id="rId2"/>
   </p:sldIdLst>
-  <p:sldSz cx="8999538" cy="3240088"/>
+  <p:sldSz cx="8459788" cy="2987675"/>
   <p:notesSz cx="6858000" cy="9144000"/>
   <p:defaultTextStyle>
     <a:defPPr>
@@ -141,15 +141,15 @@
         </p:nvSpPr>
         <p:spPr>
           <a:xfrm>
-            <a:off x="1124942" y="530264"/>
-            <a:ext cx="6749654" cy="1128031"/>
+            <a:off x="1057474" y="488955"/>
+            <a:ext cx="6344841" cy="1040154"/>
           </a:xfrm>
         </p:spPr>
         <p:txBody>
           <a:bodyPr anchor="b"/>
           <a:lstStyle>
             <a:lvl1pPr algn="ctr">
-              <a:defRPr sz="2835"/>
+              <a:defRPr sz="2614"/>
             </a:lvl1pPr>
           </a:lstStyle>
           <a:p>
@@ -173,8 +173,8 @@
         </p:nvSpPr>
         <p:spPr>
           <a:xfrm>
-            <a:off x="1124942" y="1701796"/>
-            <a:ext cx="6749654" cy="782271"/>
+            <a:off x="1057474" y="1569221"/>
+            <a:ext cx="6344841" cy="721330"/>
           </a:xfrm>
         </p:spPr>
         <p:txBody>
@@ -182,39 +182,39 @@
           <a:lstStyle>
             <a:lvl1pPr marL="0" indent="0" algn="ctr">
               <a:buNone/>
-              <a:defRPr sz="1134"/>
+              <a:defRPr sz="1045"/>
             </a:lvl1pPr>
-            <a:lvl2pPr marL="216027" indent="0" algn="ctr">
+            <a:lvl2pPr marL="199156" indent="0" algn="ctr">
               <a:buNone/>
-              <a:defRPr sz="945"/>
+              <a:defRPr sz="871"/>
             </a:lvl2pPr>
-            <a:lvl3pPr marL="432054" indent="0" algn="ctr">
+            <a:lvl3pPr marL="398313" indent="0" algn="ctr">
               <a:buNone/>
-              <a:defRPr sz="851"/>
+              <a:defRPr sz="784"/>
             </a:lvl3pPr>
-            <a:lvl4pPr marL="648081" indent="0" algn="ctr">
+            <a:lvl4pPr marL="597469" indent="0" algn="ctr">
               <a:buNone/>
-              <a:defRPr sz="756"/>
+              <a:defRPr sz="697"/>
             </a:lvl4pPr>
-            <a:lvl5pPr marL="864108" indent="0" algn="ctr">
+            <a:lvl5pPr marL="796625" indent="0" algn="ctr">
               <a:buNone/>
-              <a:defRPr sz="756"/>
+              <a:defRPr sz="697"/>
             </a:lvl5pPr>
-            <a:lvl6pPr marL="1080135" indent="0" algn="ctr">
+            <a:lvl6pPr marL="995782" indent="0" algn="ctr">
               <a:buNone/>
-              <a:defRPr sz="756"/>
+              <a:defRPr sz="697"/>
             </a:lvl6pPr>
-            <a:lvl7pPr marL="1296162" indent="0" algn="ctr">
+            <a:lvl7pPr marL="1194938" indent="0" algn="ctr">
               <a:buNone/>
-              <a:defRPr sz="756"/>
+              <a:defRPr sz="697"/>
             </a:lvl7pPr>
-            <a:lvl8pPr marL="1512189" indent="0" algn="ctr">
+            <a:lvl8pPr marL="1394094" indent="0" algn="ctr">
               <a:buNone/>
-              <a:defRPr sz="756"/>
+              <a:defRPr sz="697"/>
             </a:lvl8pPr>
-            <a:lvl9pPr marL="1728216" indent="0" algn="ctr">
+            <a:lvl9pPr marL="1593251" indent="0" algn="ctr">
               <a:buNone/>
-              <a:defRPr sz="756"/>
+              <a:defRPr sz="697"/>
             </a:lvl9pPr>
           </a:lstStyle>
           <a:p>
@@ -294,7 +294,7 @@
     </p:spTree>
     <p:extLst>
       <p:ext uri="{BB962C8B-B14F-4D97-AF65-F5344CB8AC3E}">
-        <p14:creationId xmlns:p14="http://schemas.microsoft.com/office/powerpoint/2010/main" val="1401846398"/>
+        <p14:creationId xmlns:p14="http://schemas.microsoft.com/office/powerpoint/2010/main" val="315223734"/>
       </p:ext>
     </p:extLst>
   </p:cSld>
@@ -464,7 +464,7 @@
     </p:spTree>
     <p:extLst>
       <p:ext uri="{BB962C8B-B14F-4D97-AF65-F5344CB8AC3E}">
-        <p14:creationId xmlns:p14="http://schemas.microsoft.com/office/powerpoint/2010/main" val="4129327452"/>
+        <p14:creationId xmlns:p14="http://schemas.microsoft.com/office/powerpoint/2010/main" val="1306836221"/>
       </p:ext>
     </p:extLst>
   </p:cSld>
@@ -503,8 +503,8 @@
         </p:nvSpPr>
         <p:spPr>
           <a:xfrm>
-            <a:off x="6440295" y="172505"/>
-            <a:ext cx="1940525" cy="2745825"/>
+            <a:off x="6054036" y="159066"/>
+            <a:ext cx="1824142" cy="2531916"/>
           </a:xfrm>
         </p:spPr>
         <p:txBody>
@@ -531,8 +531,8 @@
         </p:nvSpPr>
         <p:spPr>
           <a:xfrm>
-            <a:off x="618718" y="172505"/>
-            <a:ext cx="5709082" cy="2745825"/>
+            <a:off x="581610" y="159066"/>
+            <a:ext cx="5366678" cy="2531916"/>
           </a:xfrm>
         </p:spPr>
         <p:txBody>
@@ -644,7 +644,7 @@
     </p:spTree>
     <p:extLst>
       <p:ext uri="{BB962C8B-B14F-4D97-AF65-F5344CB8AC3E}">
-        <p14:creationId xmlns:p14="http://schemas.microsoft.com/office/powerpoint/2010/main" val="2314434729"/>
+        <p14:creationId xmlns:p14="http://schemas.microsoft.com/office/powerpoint/2010/main" val="2400672799"/>
       </p:ext>
     </p:extLst>
   </p:cSld>
@@ -814,7 +814,7 @@
     </p:spTree>
     <p:extLst>
       <p:ext uri="{BB962C8B-B14F-4D97-AF65-F5344CB8AC3E}">
-        <p14:creationId xmlns:p14="http://schemas.microsoft.com/office/powerpoint/2010/main" val="1710635067"/>
+        <p14:creationId xmlns:p14="http://schemas.microsoft.com/office/powerpoint/2010/main" val="2373887167"/>
       </p:ext>
     </p:extLst>
   </p:cSld>
@@ -853,15 +853,15 @@
         </p:nvSpPr>
         <p:spPr>
           <a:xfrm>
-            <a:off x="614031" y="807773"/>
-            <a:ext cx="7762102" cy="1347786"/>
+            <a:off x="577204" y="744844"/>
+            <a:ext cx="7296567" cy="1242790"/>
           </a:xfrm>
         </p:spPr>
         <p:txBody>
           <a:bodyPr anchor="b"/>
           <a:lstStyle>
             <a:lvl1pPr>
-              <a:defRPr sz="2835"/>
+              <a:defRPr sz="2614"/>
             </a:lvl1pPr>
           </a:lstStyle>
           <a:p>
@@ -885,8 +885,8 @@
         </p:nvSpPr>
         <p:spPr>
           <a:xfrm>
-            <a:off x="614031" y="2168309"/>
-            <a:ext cx="7762102" cy="708769"/>
+            <a:off x="577204" y="1999391"/>
+            <a:ext cx="7296567" cy="653554"/>
           </a:xfrm>
         </p:spPr>
         <p:txBody>
@@ -894,7 +894,7 @@
           <a:lstStyle>
             <a:lvl1pPr marL="0" indent="0">
               <a:buNone/>
-              <a:defRPr sz="1134">
+              <a:defRPr sz="1045">
                 <a:solidFill>
                   <a:schemeClr val="tx1">
                     <a:tint val="75000"/>
@@ -902,9 +902,9 @@
                 </a:solidFill>
               </a:defRPr>
             </a:lvl1pPr>
-            <a:lvl2pPr marL="216027" indent="0">
+            <a:lvl2pPr marL="199156" indent="0">
               <a:buNone/>
-              <a:defRPr sz="945">
+              <a:defRPr sz="871">
                 <a:solidFill>
                   <a:schemeClr val="tx1">
                     <a:tint val="75000"/>
@@ -912,9 +912,9 @@
                 </a:solidFill>
               </a:defRPr>
             </a:lvl2pPr>
-            <a:lvl3pPr marL="432054" indent="0">
+            <a:lvl3pPr marL="398313" indent="0">
               <a:buNone/>
-              <a:defRPr sz="851">
+              <a:defRPr sz="784">
                 <a:solidFill>
                   <a:schemeClr val="tx1">
                     <a:tint val="75000"/>
@@ -922,9 +922,9 @@
                 </a:solidFill>
               </a:defRPr>
             </a:lvl3pPr>
-            <a:lvl4pPr marL="648081" indent="0">
+            <a:lvl4pPr marL="597469" indent="0">
               <a:buNone/>
-              <a:defRPr sz="756">
+              <a:defRPr sz="697">
                 <a:solidFill>
                   <a:schemeClr val="tx1">
                     <a:tint val="75000"/>
@@ -932,9 +932,9 @@
                 </a:solidFill>
               </a:defRPr>
             </a:lvl4pPr>
-            <a:lvl5pPr marL="864108" indent="0">
+            <a:lvl5pPr marL="796625" indent="0">
               <a:buNone/>
-              <a:defRPr sz="756">
+              <a:defRPr sz="697">
                 <a:solidFill>
                   <a:schemeClr val="tx1">
                     <a:tint val="75000"/>
@@ -942,9 +942,9 @@
                 </a:solidFill>
               </a:defRPr>
             </a:lvl5pPr>
-            <a:lvl6pPr marL="1080135" indent="0">
+            <a:lvl6pPr marL="995782" indent="0">
               <a:buNone/>
-              <a:defRPr sz="756">
+              <a:defRPr sz="697">
                 <a:solidFill>
                   <a:schemeClr val="tx1">
                     <a:tint val="75000"/>
@@ -952,9 +952,9 @@
                 </a:solidFill>
               </a:defRPr>
             </a:lvl6pPr>
-            <a:lvl7pPr marL="1296162" indent="0">
+            <a:lvl7pPr marL="1194938" indent="0">
               <a:buNone/>
-              <a:defRPr sz="756">
+              <a:defRPr sz="697">
                 <a:solidFill>
                   <a:schemeClr val="tx1">
                     <a:tint val="75000"/>
@@ -962,9 +962,9 @@
                 </a:solidFill>
               </a:defRPr>
             </a:lvl7pPr>
-            <a:lvl8pPr marL="1512189" indent="0">
+            <a:lvl8pPr marL="1394094" indent="0">
               <a:buNone/>
-              <a:defRPr sz="756">
+              <a:defRPr sz="697">
                 <a:solidFill>
                   <a:schemeClr val="tx1">
                     <a:tint val="75000"/>
@@ -972,9 +972,9 @@
                 </a:solidFill>
               </a:defRPr>
             </a:lvl8pPr>
-            <a:lvl9pPr marL="1728216" indent="0">
+            <a:lvl9pPr marL="1593251" indent="0">
               <a:buNone/>
-              <a:defRPr sz="756">
+              <a:defRPr sz="697">
                 <a:solidFill>
                   <a:schemeClr val="tx1">
                     <a:tint val="75000"/>
@@ -1060,7 +1060,7 @@
     </p:spTree>
     <p:extLst>
       <p:ext uri="{BB962C8B-B14F-4D97-AF65-F5344CB8AC3E}">
-        <p14:creationId xmlns:p14="http://schemas.microsoft.com/office/powerpoint/2010/main" val="2863663749"/>
+        <p14:creationId xmlns:p14="http://schemas.microsoft.com/office/powerpoint/2010/main" val="914921691"/>
       </p:ext>
     </p:extLst>
   </p:cSld>
@@ -1122,8 +1122,8 @@
         </p:nvSpPr>
         <p:spPr>
           <a:xfrm>
-            <a:off x="618718" y="862523"/>
-            <a:ext cx="3824804" cy="2055806"/>
+            <a:off x="581610" y="795330"/>
+            <a:ext cx="3595410" cy="1895652"/>
           </a:xfrm>
         </p:spPr>
         <p:txBody>
@@ -1179,8 +1179,8 @@
         </p:nvSpPr>
         <p:spPr>
           <a:xfrm>
-            <a:off x="4556016" y="862523"/>
-            <a:ext cx="3824804" cy="2055806"/>
+            <a:off x="4282768" y="795330"/>
+            <a:ext cx="3595410" cy="1895652"/>
           </a:xfrm>
         </p:spPr>
         <p:txBody>
@@ -1292,7 +1292,7 @@
     </p:spTree>
     <p:extLst>
       <p:ext uri="{BB962C8B-B14F-4D97-AF65-F5344CB8AC3E}">
-        <p14:creationId xmlns:p14="http://schemas.microsoft.com/office/powerpoint/2010/main" val="4277113843"/>
+        <p14:creationId xmlns:p14="http://schemas.microsoft.com/office/powerpoint/2010/main" val="1200557781"/>
       </p:ext>
     </p:extLst>
   </p:cSld>
@@ -1331,8 +1331,8 @@
         </p:nvSpPr>
         <p:spPr>
           <a:xfrm>
-            <a:off x="619890" y="172505"/>
-            <a:ext cx="7762102" cy="626267"/>
+            <a:off x="582712" y="159066"/>
+            <a:ext cx="7296567" cy="577479"/>
           </a:xfrm>
         </p:spPr>
         <p:txBody>
@@ -1359,8 +1359,8 @@
         </p:nvSpPr>
         <p:spPr>
           <a:xfrm>
-            <a:off x="619891" y="794272"/>
-            <a:ext cx="3807226" cy="389260"/>
+            <a:off x="582712" y="732395"/>
+            <a:ext cx="3578887" cy="358936"/>
           </a:xfrm>
         </p:spPr>
         <p:txBody>
@@ -1368,39 +1368,39 @@
           <a:lstStyle>
             <a:lvl1pPr marL="0" indent="0">
               <a:buNone/>
-              <a:defRPr sz="1134" b="1"/>
+              <a:defRPr sz="1045" b="1"/>
             </a:lvl1pPr>
-            <a:lvl2pPr marL="216027" indent="0">
+            <a:lvl2pPr marL="199156" indent="0">
               <a:buNone/>
-              <a:defRPr sz="945" b="1"/>
+              <a:defRPr sz="871" b="1"/>
             </a:lvl2pPr>
-            <a:lvl3pPr marL="432054" indent="0">
+            <a:lvl3pPr marL="398313" indent="0">
               <a:buNone/>
-              <a:defRPr sz="851" b="1"/>
+              <a:defRPr sz="784" b="1"/>
             </a:lvl3pPr>
-            <a:lvl4pPr marL="648081" indent="0">
+            <a:lvl4pPr marL="597469" indent="0">
               <a:buNone/>
-              <a:defRPr sz="756" b="1"/>
+              <a:defRPr sz="697" b="1"/>
             </a:lvl4pPr>
-            <a:lvl5pPr marL="864108" indent="0">
+            <a:lvl5pPr marL="796625" indent="0">
               <a:buNone/>
-              <a:defRPr sz="756" b="1"/>
+              <a:defRPr sz="697" b="1"/>
             </a:lvl5pPr>
-            <a:lvl6pPr marL="1080135" indent="0">
+            <a:lvl6pPr marL="995782" indent="0">
               <a:buNone/>
-              <a:defRPr sz="756" b="1"/>
+              <a:defRPr sz="697" b="1"/>
             </a:lvl6pPr>
-            <a:lvl7pPr marL="1296162" indent="0">
+            <a:lvl7pPr marL="1194938" indent="0">
               <a:buNone/>
-              <a:defRPr sz="756" b="1"/>
+              <a:defRPr sz="697" b="1"/>
             </a:lvl7pPr>
-            <a:lvl8pPr marL="1512189" indent="0">
+            <a:lvl8pPr marL="1394094" indent="0">
               <a:buNone/>
-              <a:defRPr sz="756" b="1"/>
+              <a:defRPr sz="697" b="1"/>
             </a:lvl8pPr>
-            <a:lvl9pPr marL="1728216" indent="0">
+            <a:lvl9pPr marL="1593251" indent="0">
               <a:buNone/>
-              <a:defRPr sz="756" b="1"/>
+              <a:defRPr sz="697" b="1"/>
             </a:lvl9pPr>
           </a:lstStyle>
           <a:p>
@@ -1424,8 +1424,8 @@
         </p:nvSpPr>
         <p:spPr>
           <a:xfrm>
-            <a:off x="619891" y="1183532"/>
-            <a:ext cx="3807226" cy="1740798"/>
+            <a:off x="582712" y="1091331"/>
+            <a:ext cx="3578887" cy="1605184"/>
           </a:xfrm>
         </p:spPr>
         <p:txBody>
@@ -1481,8 +1481,8 @@
         </p:nvSpPr>
         <p:spPr>
           <a:xfrm>
-            <a:off x="4556016" y="794272"/>
-            <a:ext cx="3825976" cy="389260"/>
+            <a:off x="4282768" y="732395"/>
+            <a:ext cx="3596512" cy="358936"/>
           </a:xfrm>
         </p:spPr>
         <p:txBody>
@@ -1490,39 +1490,39 @@
           <a:lstStyle>
             <a:lvl1pPr marL="0" indent="0">
               <a:buNone/>
-              <a:defRPr sz="1134" b="1"/>
+              <a:defRPr sz="1045" b="1"/>
             </a:lvl1pPr>
-            <a:lvl2pPr marL="216027" indent="0">
+            <a:lvl2pPr marL="199156" indent="0">
               <a:buNone/>
-              <a:defRPr sz="945" b="1"/>
+              <a:defRPr sz="871" b="1"/>
             </a:lvl2pPr>
-            <a:lvl3pPr marL="432054" indent="0">
+            <a:lvl3pPr marL="398313" indent="0">
               <a:buNone/>
-              <a:defRPr sz="851" b="1"/>
+              <a:defRPr sz="784" b="1"/>
             </a:lvl3pPr>
-            <a:lvl4pPr marL="648081" indent="0">
+            <a:lvl4pPr marL="597469" indent="0">
               <a:buNone/>
-              <a:defRPr sz="756" b="1"/>
+              <a:defRPr sz="697" b="1"/>
             </a:lvl4pPr>
-            <a:lvl5pPr marL="864108" indent="0">
+            <a:lvl5pPr marL="796625" indent="0">
               <a:buNone/>
-              <a:defRPr sz="756" b="1"/>
+              <a:defRPr sz="697" b="1"/>
             </a:lvl5pPr>
-            <a:lvl6pPr marL="1080135" indent="0">
+            <a:lvl6pPr marL="995782" indent="0">
               <a:buNone/>
-              <a:defRPr sz="756" b="1"/>
+              <a:defRPr sz="697" b="1"/>
             </a:lvl6pPr>
-            <a:lvl7pPr marL="1296162" indent="0">
+            <a:lvl7pPr marL="1194938" indent="0">
               <a:buNone/>
-              <a:defRPr sz="756" b="1"/>
+              <a:defRPr sz="697" b="1"/>
             </a:lvl7pPr>
-            <a:lvl8pPr marL="1512189" indent="0">
+            <a:lvl8pPr marL="1394094" indent="0">
               <a:buNone/>
-              <a:defRPr sz="756" b="1"/>
+              <a:defRPr sz="697" b="1"/>
             </a:lvl8pPr>
-            <a:lvl9pPr marL="1728216" indent="0">
+            <a:lvl9pPr marL="1593251" indent="0">
               <a:buNone/>
-              <a:defRPr sz="756" b="1"/>
+              <a:defRPr sz="697" b="1"/>
             </a:lvl9pPr>
           </a:lstStyle>
           <a:p>
@@ -1546,8 +1546,8 @@
         </p:nvSpPr>
         <p:spPr>
           <a:xfrm>
-            <a:off x="4556016" y="1183532"/>
-            <a:ext cx="3825976" cy="1740798"/>
+            <a:off x="4282768" y="1091331"/>
+            <a:ext cx="3596512" cy="1605184"/>
           </a:xfrm>
         </p:spPr>
         <p:txBody>
@@ -1659,7 +1659,7 @@
     </p:spTree>
     <p:extLst>
       <p:ext uri="{BB962C8B-B14F-4D97-AF65-F5344CB8AC3E}">
-        <p14:creationId xmlns:p14="http://schemas.microsoft.com/office/powerpoint/2010/main" val="319565921"/>
+        <p14:creationId xmlns:p14="http://schemas.microsoft.com/office/powerpoint/2010/main" val="3175503679"/>
       </p:ext>
     </p:extLst>
   </p:cSld>
@@ -1777,7 +1777,7 @@
     </p:spTree>
     <p:extLst>
       <p:ext uri="{BB962C8B-B14F-4D97-AF65-F5344CB8AC3E}">
-        <p14:creationId xmlns:p14="http://schemas.microsoft.com/office/powerpoint/2010/main" val="3638416669"/>
+        <p14:creationId xmlns:p14="http://schemas.microsoft.com/office/powerpoint/2010/main" val="2062046609"/>
       </p:ext>
     </p:extLst>
   </p:cSld>
@@ -1872,7 +1872,7 @@
     </p:spTree>
     <p:extLst>
       <p:ext uri="{BB962C8B-B14F-4D97-AF65-F5344CB8AC3E}">
-        <p14:creationId xmlns:p14="http://schemas.microsoft.com/office/powerpoint/2010/main" val="3581004079"/>
+        <p14:creationId xmlns:p14="http://schemas.microsoft.com/office/powerpoint/2010/main" val="1248739398"/>
       </p:ext>
     </p:extLst>
   </p:cSld>
@@ -1911,15 +1911,15 @@
         </p:nvSpPr>
         <p:spPr>
           <a:xfrm>
-            <a:off x="619891" y="216006"/>
-            <a:ext cx="2902585" cy="756021"/>
+            <a:off x="582712" y="199178"/>
+            <a:ext cx="2728502" cy="697124"/>
           </a:xfrm>
         </p:spPr>
         <p:txBody>
           <a:bodyPr anchor="b"/>
           <a:lstStyle>
             <a:lvl1pPr>
-              <a:defRPr sz="1512"/>
+              <a:defRPr sz="1394"/>
             </a:lvl1pPr>
           </a:lstStyle>
           <a:p>
@@ -1943,39 +1943,39 @@
         </p:nvSpPr>
         <p:spPr>
           <a:xfrm>
-            <a:off x="3825976" y="466513"/>
-            <a:ext cx="4556016" cy="2302563"/>
+            <a:off x="3596512" y="430170"/>
+            <a:ext cx="4282768" cy="2123186"/>
           </a:xfrm>
         </p:spPr>
         <p:txBody>
           <a:bodyPr/>
           <a:lstStyle>
             <a:lvl1pPr>
-              <a:defRPr sz="1512"/>
+              <a:defRPr sz="1394"/>
             </a:lvl1pPr>
             <a:lvl2pPr>
-              <a:defRPr sz="1323"/>
+              <a:defRPr sz="1220"/>
             </a:lvl2pPr>
             <a:lvl3pPr>
-              <a:defRPr sz="1134"/>
+              <a:defRPr sz="1045"/>
             </a:lvl3pPr>
             <a:lvl4pPr>
-              <a:defRPr sz="945"/>
+              <a:defRPr sz="871"/>
             </a:lvl4pPr>
             <a:lvl5pPr>
-              <a:defRPr sz="945"/>
+              <a:defRPr sz="871"/>
             </a:lvl5pPr>
             <a:lvl6pPr>
-              <a:defRPr sz="945"/>
+              <a:defRPr sz="871"/>
             </a:lvl6pPr>
             <a:lvl7pPr>
-              <a:defRPr sz="945"/>
+              <a:defRPr sz="871"/>
             </a:lvl7pPr>
             <a:lvl8pPr>
-              <a:defRPr sz="945"/>
+              <a:defRPr sz="871"/>
             </a:lvl8pPr>
             <a:lvl9pPr>
-              <a:defRPr sz="945"/>
+              <a:defRPr sz="871"/>
             </a:lvl9pPr>
           </a:lstStyle>
           <a:p>
@@ -2028,8 +2028,8 @@
         </p:nvSpPr>
         <p:spPr>
           <a:xfrm>
-            <a:off x="619891" y="972026"/>
-            <a:ext cx="2902585" cy="1800799"/>
+            <a:off x="582712" y="896303"/>
+            <a:ext cx="2728502" cy="1660511"/>
           </a:xfrm>
         </p:spPr>
         <p:txBody>
@@ -2037,39 +2037,39 @@
           <a:lstStyle>
             <a:lvl1pPr marL="0" indent="0">
               <a:buNone/>
-              <a:defRPr sz="756"/>
+              <a:defRPr sz="697"/>
             </a:lvl1pPr>
-            <a:lvl2pPr marL="216027" indent="0">
+            <a:lvl2pPr marL="199156" indent="0">
               <a:buNone/>
-              <a:defRPr sz="662"/>
+              <a:defRPr sz="610"/>
             </a:lvl2pPr>
-            <a:lvl3pPr marL="432054" indent="0">
+            <a:lvl3pPr marL="398313" indent="0">
               <a:buNone/>
-              <a:defRPr sz="567"/>
+              <a:defRPr sz="523"/>
             </a:lvl3pPr>
-            <a:lvl4pPr marL="648081" indent="0">
+            <a:lvl4pPr marL="597469" indent="0">
               <a:buNone/>
-              <a:defRPr sz="472"/>
+              <a:defRPr sz="436"/>
             </a:lvl4pPr>
-            <a:lvl5pPr marL="864108" indent="0">
+            <a:lvl5pPr marL="796625" indent="0">
               <a:buNone/>
-              <a:defRPr sz="472"/>
+              <a:defRPr sz="436"/>
             </a:lvl5pPr>
-            <a:lvl6pPr marL="1080135" indent="0">
+            <a:lvl6pPr marL="995782" indent="0">
               <a:buNone/>
-              <a:defRPr sz="472"/>
+              <a:defRPr sz="436"/>
             </a:lvl6pPr>
-            <a:lvl7pPr marL="1296162" indent="0">
+            <a:lvl7pPr marL="1194938" indent="0">
               <a:buNone/>
-              <a:defRPr sz="472"/>
+              <a:defRPr sz="436"/>
             </a:lvl7pPr>
-            <a:lvl8pPr marL="1512189" indent="0">
+            <a:lvl8pPr marL="1394094" indent="0">
               <a:buNone/>
-              <a:defRPr sz="472"/>
+              <a:defRPr sz="436"/>
             </a:lvl8pPr>
-            <a:lvl9pPr marL="1728216" indent="0">
+            <a:lvl9pPr marL="1593251" indent="0">
               <a:buNone/>
-              <a:defRPr sz="472"/>
+              <a:defRPr sz="436"/>
             </a:lvl9pPr>
           </a:lstStyle>
           <a:p>
@@ -2149,7 +2149,7 @@
     </p:spTree>
     <p:extLst>
       <p:ext uri="{BB962C8B-B14F-4D97-AF65-F5344CB8AC3E}">
-        <p14:creationId xmlns:p14="http://schemas.microsoft.com/office/powerpoint/2010/main" val="1747226144"/>
+        <p14:creationId xmlns:p14="http://schemas.microsoft.com/office/powerpoint/2010/main" val="911254958"/>
       </p:ext>
     </p:extLst>
   </p:cSld>
@@ -2188,15 +2188,15 @@
         </p:nvSpPr>
         <p:spPr>
           <a:xfrm>
-            <a:off x="619891" y="216006"/>
-            <a:ext cx="2902585" cy="756021"/>
+            <a:off x="582712" y="199178"/>
+            <a:ext cx="2728502" cy="697124"/>
           </a:xfrm>
         </p:spPr>
         <p:txBody>
           <a:bodyPr anchor="b"/>
           <a:lstStyle>
             <a:lvl1pPr>
-              <a:defRPr sz="1512"/>
+              <a:defRPr sz="1394"/>
             </a:lvl1pPr>
           </a:lstStyle>
           <a:p>
@@ -2220,8 +2220,8 @@
         </p:nvSpPr>
         <p:spPr>
           <a:xfrm>
-            <a:off x="3825976" y="466513"/>
-            <a:ext cx="4556016" cy="2302563"/>
+            <a:off x="3596512" y="430170"/>
+            <a:ext cx="4282768" cy="2123186"/>
           </a:xfrm>
         </p:spPr>
         <p:txBody>
@@ -2229,39 +2229,39 @@
           <a:lstStyle>
             <a:lvl1pPr marL="0" indent="0">
               <a:buNone/>
-              <a:defRPr sz="1512"/>
+              <a:defRPr sz="1394"/>
             </a:lvl1pPr>
-            <a:lvl2pPr marL="216027" indent="0">
+            <a:lvl2pPr marL="199156" indent="0">
               <a:buNone/>
-              <a:defRPr sz="1323"/>
+              <a:defRPr sz="1220"/>
             </a:lvl2pPr>
-            <a:lvl3pPr marL="432054" indent="0">
+            <a:lvl3pPr marL="398313" indent="0">
               <a:buNone/>
-              <a:defRPr sz="1134"/>
+              <a:defRPr sz="1045"/>
             </a:lvl3pPr>
-            <a:lvl4pPr marL="648081" indent="0">
+            <a:lvl4pPr marL="597469" indent="0">
               <a:buNone/>
-              <a:defRPr sz="945"/>
+              <a:defRPr sz="871"/>
             </a:lvl4pPr>
-            <a:lvl5pPr marL="864108" indent="0">
+            <a:lvl5pPr marL="796625" indent="0">
               <a:buNone/>
-              <a:defRPr sz="945"/>
+              <a:defRPr sz="871"/>
             </a:lvl5pPr>
-            <a:lvl6pPr marL="1080135" indent="0">
+            <a:lvl6pPr marL="995782" indent="0">
               <a:buNone/>
-              <a:defRPr sz="945"/>
+              <a:defRPr sz="871"/>
             </a:lvl6pPr>
-            <a:lvl7pPr marL="1296162" indent="0">
+            <a:lvl7pPr marL="1194938" indent="0">
               <a:buNone/>
-              <a:defRPr sz="945"/>
+              <a:defRPr sz="871"/>
             </a:lvl7pPr>
-            <a:lvl8pPr marL="1512189" indent="0">
+            <a:lvl8pPr marL="1394094" indent="0">
               <a:buNone/>
-              <a:defRPr sz="945"/>
+              <a:defRPr sz="871"/>
             </a:lvl8pPr>
-            <a:lvl9pPr marL="1728216" indent="0">
+            <a:lvl9pPr marL="1593251" indent="0">
               <a:buNone/>
-              <a:defRPr sz="945"/>
+              <a:defRPr sz="871"/>
             </a:lvl9pPr>
           </a:lstStyle>
           <a:p>
@@ -2285,8 +2285,8 @@
         </p:nvSpPr>
         <p:spPr>
           <a:xfrm>
-            <a:off x="619891" y="972026"/>
-            <a:ext cx="2902585" cy="1800799"/>
+            <a:off x="582712" y="896303"/>
+            <a:ext cx="2728502" cy="1660511"/>
           </a:xfrm>
         </p:spPr>
         <p:txBody>
@@ -2294,39 +2294,39 @@
           <a:lstStyle>
             <a:lvl1pPr marL="0" indent="0">
               <a:buNone/>
-              <a:defRPr sz="756"/>
+              <a:defRPr sz="697"/>
             </a:lvl1pPr>
-            <a:lvl2pPr marL="216027" indent="0">
+            <a:lvl2pPr marL="199156" indent="0">
               <a:buNone/>
-              <a:defRPr sz="662"/>
+              <a:defRPr sz="610"/>
             </a:lvl2pPr>
-            <a:lvl3pPr marL="432054" indent="0">
+            <a:lvl3pPr marL="398313" indent="0">
               <a:buNone/>
-              <a:defRPr sz="567"/>
+              <a:defRPr sz="523"/>
             </a:lvl3pPr>
-            <a:lvl4pPr marL="648081" indent="0">
+            <a:lvl4pPr marL="597469" indent="0">
               <a:buNone/>
-              <a:defRPr sz="472"/>
+              <a:defRPr sz="436"/>
             </a:lvl4pPr>
-            <a:lvl5pPr marL="864108" indent="0">
+            <a:lvl5pPr marL="796625" indent="0">
               <a:buNone/>
-              <a:defRPr sz="472"/>
+              <a:defRPr sz="436"/>
             </a:lvl5pPr>
-            <a:lvl6pPr marL="1080135" indent="0">
+            <a:lvl6pPr marL="995782" indent="0">
               <a:buNone/>
-              <a:defRPr sz="472"/>
+              <a:defRPr sz="436"/>
             </a:lvl6pPr>
-            <a:lvl7pPr marL="1296162" indent="0">
+            <a:lvl7pPr marL="1194938" indent="0">
               <a:buNone/>
-              <a:defRPr sz="472"/>
+              <a:defRPr sz="436"/>
             </a:lvl7pPr>
-            <a:lvl8pPr marL="1512189" indent="0">
+            <a:lvl8pPr marL="1394094" indent="0">
               <a:buNone/>
-              <a:defRPr sz="472"/>
+              <a:defRPr sz="436"/>
             </a:lvl8pPr>
-            <a:lvl9pPr marL="1728216" indent="0">
+            <a:lvl9pPr marL="1593251" indent="0">
               <a:buNone/>
-              <a:defRPr sz="472"/>
+              <a:defRPr sz="436"/>
             </a:lvl9pPr>
           </a:lstStyle>
           <a:p>
@@ -2406,7 +2406,7 @@
     </p:spTree>
     <p:extLst>
       <p:ext uri="{BB962C8B-B14F-4D97-AF65-F5344CB8AC3E}">
-        <p14:creationId xmlns:p14="http://schemas.microsoft.com/office/powerpoint/2010/main" val="3552900012"/>
+        <p14:creationId xmlns:p14="http://schemas.microsoft.com/office/powerpoint/2010/main" val="1625536473"/>
       </p:ext>
     </p:extLst>
   </p:cSld>
@@ -2450,8 +2450,8 @@
         </p:nvSpPr>
         <p:spPr>
           <a:xfrm>
-            <a:off x="618718" y="172505"/>
-            <a:ext cx="7762102" cy="626267"/>
+            <a:off x="581611" y="159066"/>
+            <a:ext cx="7296567" cy="577479"/>
           </a:xfrm>
           <a:prstGeom prst="rect">
             <a:avLst/>
@@ -2483,8 +2483,8 @@
         </p:nvSpPr>
         <p:spPr>
           <a:xfrm>
-            <a:off x="618718" y="862523"/>
-            <a:ext cx="7762102" cy="2055806"/>
+            <a:off x="581611" y="795330"/>
+            <a:ext cx="7296567" cy="1895652"/>
           </a:xfrm>
           <a:prstGeom prst="rect">
             <a:avLst/>
@@ -2545,8 +2545,8 @@
         </p:nvSpPr>
         <p:spPr>
           <a:xfrm>
-            <a:off x="618718" y="3003082"/>
-            <a:ext cx="2024896" cy="172505"/>
+            <a:off x="581611" y="2769132"/>
+            <a:ext cx="1903452" cy="159066"/>
           </a:xfrm>
           <a:prstGeom prst="rect">
             <a:avLst/>
@@ -2556,7 +2556,7 @@
           <a:bodyPr vert="horz" lIns="91440" tIns="45720" rIns="91440" bIns="45720" rtlCol="0" anchor="ctr"/>
           <a:lstStyle>
             <a:lvl1pPr algn="l">
-              <a:defRPr sz="567">
+              <a:defRPr sz="523">
                 <a:solidFill>
                   <a:schemeClr val="tx1">
                     <a:tint val="75000"/>
@@ -2586,8 +2586,8 @@
         </p:nvSpPr>
         <p:spPr>
           <a:xfrm>
-            <a:off x="2981097" y="3003082"/>
-            <a:ext cx="3037344" cy="172505"/>
+            <a:off x="2802305" y="2769132"/>
+            <a:ext cx="2855178" cy="159066"/>
           </a:xfrm>
           <a:prstGeom prst="rect">
             <a:avLst/>
@@ -2597,7 +2597,7 @@
           <a:bodyPr vert="horz" lIns="91440" tIns="45720" rIns="91440" bIns="45720" rtlCol="0" anchor="ctr"/>
           <a:lstStyle>
             <a:lvl1pPr algn="ctr">
-              <a:defRPr sz="567">
+              <a:defRPr sz="523">
                 <a:solidFill>
                   <a:schemeClr val="tx1">
                     <a:tint val="75000"/>
@@ -2623,8 +2623,8 @@
         </p:nvSpPr>
         <p:spPr>
           <a:xfrm>
-            <a:off x="6355924" y="3003082"/>
-            <a:ext cx="2024896" cy="172505"/>
+            <a:off x="5974725" y="2769132"/>
+            <a:ext cx="1903452" cy="159066"/>
           </a:xfrm>
           <a:prstGeom prst="rect">
             <a:avLst/>
@@ -2634,7 +2634,7 @@
           <a:bodyPr vert="horz" lIns="91440" tIns="45720" rIns="91440" bIns="45720" rtlCol="0" anchor="ctr"/>
           <a:lstStyle>
             <a:lvl1pPr algn="r">
-              <a:defRPr sz="567">
+              <a:defRPr sz="523">
                 <a:solidFill>
                   <a:schemeClr val="tx1">
                     <a:tint val="75000"/>
@@ -2655,27 +2655,27 @@
     </p:spTree>
     <p:extLst>
       <p:ext uri="{BB962C8B-B14F-4D97-AF65-F5344CB8AC3E}">
-        <p14:creationId xmlns:p14="http://schemas.microsoft.com/office/powerpoint/2010/main" val="493031736"/>
+        <p14:creationId xmlns:p14="http://schemas.microsoft.com/office/powerpoint/2010/main" val="2508987908"/>
       </p:ext>
     </p:extLst>
   </p:cSld>
   <p:clrMap bg1="lt1" tx1="dk1" bg2="lt2" tx2="dk2" accent1="accent1" accent2="accent2" accent3="accent3" accent4="accent4" accent5="accent5" accent6="accent6" hlink="hlink" folHlink="folHlink"/>
   <p:sldLayoutIdLst>
-    <p:sldLayoutId id="2147483673" r:id="rId1"/>
-    <p:sldLayoutId id="2147483674" r:id="rId2"/>
-    <p:sldLayoutId id="2147483675" r:id="rId3"/>
-    <p:sldLayoutId id="2147483676" r:id="rId4"/>
-    <p:sldLayoutId id="2147483677" r:id="rId5"/>
-    <p:sldLayoutId id="2147483678" r:id="rId6"/>
-    <p:sldLayoutId id="2147483679" r:id="rId7"/>
-    <p:sldLayoutId id="2147483680" r:id="rId8"/>
-    <p:sldLayoutId id="2147483681" r:id="rId9"/>
-    <p:sldLayoutId id="2147483682" r:id="rId10"/>
-    <p:sldLayoutId id="2147483683" r:id="rId11"/>
+    <p:sldLayoutId id="2147483685" r:id="rId1"/>
+    <p:sldLayoutId id="2147483686" r:id="rId2"/>
+    <p:sldLayoutId id="2147483687" r:id="rId3"/>
+    <p:sldLayoutId id="2147483688" r:id="rId4"/>
+    <p:sldLayoutId id="2147483689" r:id="rId5"/>
+    <p:sldLayoutId id="2147483690" r:id="rId6"/>
+    <p:sldLayoutId id="2147483691" r:id="rId7"/>
+    <p:sldLayoutId id="2147483692" r:id="rId8"/>
+    <p:sldLayoutId id="2147483693" r:id="rId9"/>
+    <p:sldLayoutId id="2147483694" r:id="rId10"/>
+    <p:sldLayoutId id="2147483695" r:id="rId11"/>
   </p:sldLayoutIdLst>
   <p:txStyles>
     <p:titleStyle>
-      <a:lvl1pPr algn="l" defTabSz="432054" rtl="0" eaLnBrk="1" latinLnBrk="0" hangingPunct="1">
+      <a:lvl1pPr algn="l" defTabSz="398313" rtl="0" eaLnBrk="1" latinLnBrk="0" hangingPunct="1">
         <a:lnSpc>
           <a:spcPct val="90000"/>
         </a:lnSpc>
@@ -2683,7 +2683,7 @@
           <a:spcPct val="0"/>
         </a:spcBef>
         <a:buNone/>
-        <a:defRPr sz="2079" kern="1200">
+        <a:defRPr sz="1917" kern="1200">
           <a:solidFill>
             <a:schemeClr val="tx1"/>
           </a:solidFill>
@@ -2694,16 +2694,16 @@
       </a:lvl1pPr>
     </p:titleStyle>
     <p:bodyStyle>
-      <a:lvl1pPr marL="108014" indent="-108014" algn="l" defTabSz="432054" rtl="0" eaLnBrk="1" latinLnBrk="0" hangingPunct="1">
+      <a:lvl1pPr marL="99578" indent="-99578" algn="l" defTabSz="398313" rtl="0" eaLnBrk="1" latinLnBrk="0" hangingPunct="1">
         <a:lnSpc>
           <a:spcPct val="90000"/>
         </a:lnSpc>
         <a:spcBef>
-          <a:spcPts val="472"/>
+          <a:spcPts val="436"/>
         </a:spcBef>
         <a:buFont typeface="Arial" panose="020B0604020202020204" pitchFamily="34" charset="0"/>
         <a:buChar char="•"/>
-        <a:defRPr sz="1323" kern="1200">
+        <a:defRPr sz="1220" kern="1200">
           <a:solidFill>
             <a:schemeClr val="tx1"/>
           </a:solidFill>
@@ -2712,16 +2712,16 @@
           <a:cs typeface="+mn-cs"/>
         </a:defRPr>
       </a:lvl1pPr>
-      <a:lvl2pPr marL="324041" indent="-108014" algn="l" defTabSz="432054" rtl="0" eaLnBrk="1" latinLnBrk="0" hangingPunct="1">
+      <a:lvl2pPr marL="298734" indent="-99578" algn="l" defTabSz="398313" rtl="0" eaLnBrk="1" latinLnBrk="0" hangingPunct="1">
         <a:lnSpc>
           <a:spcPct val="90000"/>
         </a:lnSpc>
         <a:spcBef>
-          <a:spcPts val="236"/>
+          <a:spcPts val="218"/>
         </a:spcBef>
         <a:buFont typeface="Arial" panose="020B0604020202020204" pitchFamily="34" charset="0"/>
         <a:buChar char="•"/>
-        <a:defRPr sz="1134" kern="1200">
+        <a:defRPr sz="1045" kern="1200">
           <a:solidFill>
             <a:schemeClr val="tx1"/>
           </a:solidFill>
@@ -2730,16 +2730,16 @@
           <a:cs typeface="+mn-cs"/>
         </a:defRPr>
       </a:lvl2pPr>
-      <a:lvl3pPr marL="540068" indent="-108014" algn="l" defTabSz="432054" rtl="0" eaLnBrk="1" latinLnBrk="0" hangingPunct="1">
+      <a:lvl3pPr marL="497891" indent="-99578" algn="l" defTabSz="398313" rtl="0" eaLnBrk="1" latinLnBrk="0" hangingPunct="1">
         <a:lnSpc>
           <a:spcPct val="90000"/>
         </a:lnSpc>
         <a:spcBef>
-          <a:spcPts val="236"/>
+          <a:spcPts val="218"/>
         </a:spcBef>
         <a:buFont typeface="Arial" panose="020B0604020202020204" pitchFamily="34" charset="0"/>
         <a:buChar char="•"/>
-        <a:defRPr sz="945" kern="1200">
+        <a:defRPr sz="871" kern="1200">
           <a:solidFill>
             <a:schemeClr val="tx1"/>
           </a:solidFill>
@@ -2748,16 +2748,16 @@
           <a:cs typeface="+mn-cs"/>
         </a:defRPr>
       </a:lvl3pPr>
-      <a:lvl4pPr marL="756095" indent="-108014" algn="l" defTabSz="432054" rtl="0" eaLnBrk="1" latinLnBrk="0" hangingPunct="1">
+      <a:lvl4pPr marL="697047" indent="-99578" algn="l" defTabSz="398313" rtl="0" eaLnBrk="1" latinLnBrk="0" hangingPunct="1">
         <a:lnSpc>
           <a:spcPct val="90000"/>
         </a:lnSpc>
         <a:spcBef>
-          <a:spcPts val="236"/>
+          <a:spcPts val="218"/>
         </a:spcBef>
         <a:buFont typeface="Arial" panose="020B0604020202020204" pitchFamily="34" charset="0"/>
         <a:buChar char="•"/>
-        <a:defRPr sz="851" kern="1200">
+        <a:defRPr sz="784" kern="1200">
           <a:solidFill>
             <a:schemeClr val="tx1"/>
           </a:solidFill>
@@ -2766,16 +2766,16 @@
           <a:cs typeface="+mn-cs"/>
         </a:defRPr>
       </a:lvl4pPr>
-      <a:lvl5pPr marL="972122" indent="-108014" algn="l" defTabSz="432054" rtl="0" eaLnBrk="1" latinLnBrk="0" hangingPunct="1">
+      <a:lvl5pPr marL="896203" indent="-99578" algn="l" defTabSz="398313" rtl="0" eaLnBrk="1" latinLnBrk="0" hangingPunct="1">
         <a:lnSpc>
           <a:spcPct val="90000"/>
         </a:lnSpc>
         <a:spcBef>
-          <a:spcPts val="236"/>
+          <a:spcPts val="218"/>
         </a:spcBef>
         <a:buFont typeface="Arial" panose="020B0604020202020204" pitchFamily="34" charset="0"/>
         <a:buChar char="•"/>
-        <a:defRPr sz="851" kern="1200">
+        <a:defRPr sz="784" kern="1200">
           <a:solidFill>
             <a:schemeClr val="tx1"/>
           </a:solidFill>
@@ -2784,16 +2784,16 @@
           <a:cs typeface="+mn-cs"/>
         </a:defRPr>
       </a:lvl5pPr>
-      <a:lvl6pPr marL="1188149" indent="-108014" algn="l" defTabSz="432054" rtl="0" eaLnBrk="1" latinLnBrk="0" hangingPunct="1">
+      <a:lvl6pPr marL="1095360" indent="-99578" algn="l" defTabSz="398313" rtl="0" eaLnBrk="1" latinLnBrk="0" hangingPunct="1">
         <a:lnSpc>
           <a:spcPct val="90000"/>
         </a:lnSpc>
         <a:spcBef>
-          <a:spcPts val="236"/>
+          <a:spcPts val="218"/>
         </a:spcBef>
         <a:buFont typeface="Arial" panose="020B0604020202020204" pitchFamily="34" charset="0"/>
         <a:buChar char="•"/>
-        <a:defRPr sz="851" kern="1200">
+        <a:defRPr sz="784" kern="1200">
           <a:solidFill>
             <a:schemeClr val="tx1"/>
           </a:solidFill>
@@ -2802,16 +2802,16 @@
           <a:cs typeface="+mn-cs"/>
         </a:defRPr>
       </a:lvl6pPr>
-      <a:lvl7pPr marL="1404176" indent="-108014" algn="l" defTabSz="432054" rtl="0" eaLnBrk="1" latinLnBrk="0" hangingPunct="1">
+      <a:lvl7pPr marL="1294516" indent="-99578" algn="l" defTabSz="398313" rtl="0" eaLnBrk="1" latinLnBrk="0" hangingPunct="1">
         <a:lnSpc>
           <a:spcPct val="90000"/>
         </a:lnSpc>
         <a:spcBef>
-          <a:spcPts val="236"/>
+          <a:spcPts val="218"/>
         </a:spcBef>
         <a:buFont typeface="Arial" panose="020B0604020202020204" pitchFamily="34" charset="0"/>
         <a:buChar char="•"/>
-        <a:defRPr sz="851" kern="1200">
+        <a:defRPr sz="784" kern="1200">
           <a:solidFill>
             <a:schemeClr val="tx1"/>
           </a:solidFill>
@@ -2820,16 +2820,16 @@
           <a:cs typeface="+mn-cs"/>
         </a:defRPr>
       </a:lvl7pPr>
-      <a:lvl8pPr marL="1620203" indent="-108014" algn="l" defTabSz="432054" rtl="0" eaLnBrk="1" latinLnBrk="0" hangingPunct="1">
+      <a:lvl8pPr marL="1493672" indent="-99578" algn="l" defTabSz="398313" rtl="0" eaLnBrk="1" latinLnBrk="0" hangingPunct="1">
         <a:lnSpc>
           <a:spcPct val="90000"/>
         </a:lnSpc>
         <a:spcBef>
-          <a:spcPts val="236"/>
+          <a:spcPts val="218"/>
         </a:spcBef>
         <a:buFont typeface="Arial" panose="020B0604020202020204" pitchFamily="34" charset="0"/>
         <a:buChar char="•"/>
-        <a:defRPr sz="851" kern="1200">
+        <a:defRPr sz="784" kern="1200">
           <a:solidFill>
             <a:schemeClr val="tx1"/>
           </a:solidFill>
@@ -2838,16 +2838,16 @@
           <a:cs typeface="+mn-cs"/>
         </a:defRPr>
       </a:lvl8pPr>
-      <a:lvl9pPr marL="1836230" indent="-108014" algn="l" defTabSz="432054" rtl="0" eaLnBrk="1" latinLnBrk="0" hangingPunct="1">
+      <a:lvl9pPr marL="1692829" indent="-99578" algn="l" defTabSz="398313" rtl="0" eaLnBrk="1" latinLnBrk="0" hangingPunct="1">
         <a:lnSpc>
           <a:spcPct val="90000"/>
         </a:lnSpc>
         <a:spcBef>
-          <a:spcPts val="236"/>
+          <a:spcPts val="218"/>
         </a:spcBef>
         <a:buFont typeface="Arial" panose="020B0604020202020204" pitchFamily="34" charset="0"/>
         <a:buChar char="•"/>
-        <a:defRPr sz="851" kern="1200">
+        <a:defRPr sz="784" kern="1200">
           <a:solidFill>
             <a:schemeClr val="tx1"/>
           </a:solidFill>
@@ -2861,8 +2861,8 @@
       <a:defPPr>
         <a:defRPr lang="en-US"/>
       </a:defPPr>
-      <a:lvl1pPr marL="0" algn="l" defTabSz="432054" rtl="0" eaLnBrk="1" latinLnBrk="0" hangingPunct="1">
-        <a:defRPr sz="851" kern="1200">
+      <a:lvl1pPr marL="0" algn="l" defTabSz="398313" rtl="0" eaLnBrk="1" latinLnBrk="0" hangingPunct="1">
+        <a:defRPr sz="784" kern="1200">
           <a:solidFill>
             <a:schemeClr val="tx1"/>
           </a:solidFill>
@@ -2871,8 +2871,8 @@
           <a:cs typeface="+mn-cs"/>
         </a:defRPr>
       </a:lvl1pPr>
-      <a:lvl2pPr marL="216027" algn="l" defTabSz="432054" rtl="0" eaLnBrk="1" latinLnBrk="0" hangingPunct="1">
-        <a:defRPr sz="851" kern="1200">
+      <a:lvl2pPr marL="199156" algn="l" defTabSz="398313" rtl="0" eaLnBrk="1" latinLnBrk="0" hangingPunct="1">
+        <a:defRPr sz="784" kern="1200">
           <a:solidFill>
             <a:schemeClr val="tx1"/>
           </a:solidFill>
@@ -2881,8 +2881,8 @@
           <a:cs typeface="+mn-cs"/>
         </a:defRPr>
       </a:lvl2pPr>
-      <a:lvl3pPr marL="432054" algn="l" defTabSz="432054" rtl="0" eaLnBrk="1" latinLnBrk="0" hangingPunct="1">
-        <a:defRPr sz="851" kern="1200">
+      <a:lvl3pPr marL="398313" algn="l" defTabSz="398313" rtl="0" eaLnBrk="1" latinLnBrk="0" hangingPunct="1">
+        <a:defRPr sz="784" kern="1200">
           <a:solidFill>
             <a:schemeClr val="tx1"/>
           </a:solidFill>
@@ -2891,8 +2891,8 @@
           <a:cs typeface="+mn-cs"/>
         </a:defRPr>
       </a:lvl3pPr>
-      <a:lvl4pPr marL="648081" algn="l" defTabSz="432054" rtl="0" eaLnBrk="1" latinLnBrk="0" hangingPunct="1">
-        <a:defRPr sz="851" kern="1200">
+      <a:lvl4pPr marL="597469" algn="l" defTabSz="398313" rtl="0" eaLnBrk="1" latinLnBrk="0" hangingPunct="1">
+        <a:defRPr sz="784" kern="1200">
           <a:solidFill>
             <a:schemeClr val="tx1"/>
           </a:solidFill>
@@ -2901,8 +2901,8 @@
           <a:cs typeface="+mn-cs"/>
         </a:defRPr>
       </a:lvl4pPr>
-      <a:lvl5pPr marL="864108" algn="l" defTabSz="432054" rtl="0" eaLnBrk="1" latinLnBrk="0" hangingPunct="1">
-        <a:defRPr sz="851" kern="1200">
+      <a:lvl5pPr marL="796625" algn="l" defTabSz="398313" rtl="0" eaLnBrk="1" latinLnBrk="0" hangingPunct="1">
+        <a:defRPr sz="784" kern="1200">
           <a:solidFill>
             <a:schemeClr val="tx1"/>
           </a:solidFill>
@@ -2911,8 +2911,8 @@
           <a:cs typeface="+mn-cs"/>
         </a:defRPr>
       </a:lvl5pPr>
-      <a:lvl6pPr marL="1080135" algn="l" defTabSz="432054" rtl="0" eaLnBrk="1" latinLnBrk="0" hangingPunct="1">
-        <a:defRPr sz="851" kern="1200">
+      <a:lvl6pPr marL="995782" algn="l" defTabSz="398313" rtl="0" eaLnBrk="1" latinLnBrk="0" hangingPunct="1">
+        <a:defRPr sz="784" kern="1200">
           <a:solidFill>
             <a:schemeClr val="tx1"/>
           </a:solidFill>
@@ -2921,8 +2921,8 @@
           <a:cs typeface="+mn-cs"/>
         </a:defRPr>
       </a:lvl6pPr>
-      <a:lvl7pPr marL="1296162" algn="l" defTabSz="432054" rtl="0" eaLnBrk="1" latinLnBrk="0" hangingPunct="1">
-        <a:defRPr sz="851" kern="1200">
+      <a:lvl7pPr marL="1194938" algn="l" defTabSz="398313" rtl="0" eaLnBrk="1" latinLnBrk="0" hangingPunct="1">
+        <a:defRPr sz="784" kern="1200">
           <a:solidFill>
             <a:schemeClr val="tx1"/>
           </a:solidFill>
@@ -2931,8 +2931,8 @@
           <a:cs typeface="+mn-cs"/>
         </a:defRPr>
       </a:lvl7pPr>
-      <a:lvl8pPr marL="1512189" algn="l" defTabSz="432054" rtl="0" eaLnBrk="1" latinLnBrk="0" hangingPunct="1">
-        <a:defRPr sz="851" kern="1200">
+      <a:lvl8pPr marL="1394094" algn="l" defTabSz="398313" rtl="0" eaLnBrk="1" latinLnBrk="0" hangingPunct="1">
+        <a:defRPr sz="784" kern="1200">
           <a:solidFill>
             <a:schemeClr val="tx1"/>
           </a:solidFill>
@@ -2941,8 +2941,8 @@
           <a:cs typeface="+mn-cs"/>
         </a:defRPr>
       </a:lvl8pPr>
-      <a:lvl9pPr marL="1728216" algn="l" defTabSz="432054" rtl="0" eaLnBrk="1" latinLnBrk="0" hangingPunct="1">
-        <a:defRPr sz="851" kern="1200">
+      <a:lvl9pPr marL="1593251" algn="l" defTabSz="398313" rtl="0" eaLnBrk="1" latinLnBrk="0" hangingPunct="1">
+        <a:defRPr sz="784" kern="1200">
           <a:solidFill>
             <a:schemeClr val="tx1"/>
           </a:solidFill>
@@ -2987,7 +2987,7 @@
         </p:nvSpPr>
         <p:spPr>
           <a:xfrm>
-            <a:off x="57786" y="66112"/>
+            <a:off x="223942" y="89006"/>
             <a:ext cx="8096150" cy="2809662"/>
           </a:xfrm>
           <a:prstGeom prst="rect">
@@ -3051,7 +3051,7 @@
         </p:nvSpPr>
         <p:spPr>
           <a:xfrm>
-            <a:off x="168271" y="2259880"/>
+            <a:off x="334427" y="2282775"/>
             <a:ext cx="1694645" cy="520947"/>
           </a:xfrm>
           <a:prstGeom prst="rect">
@@ -3137,7 +3137,7 @@
         </p:nvSpPr>
         <p:spPr>
           <a:xfrm>
-            <a:off x="158113" y="406665"/>
+            <a:off x="324269" y="429560"/>
             <a:ext cx="2370720" cy="1560953"/>
           </a:xfrm>
           <a:prstGeom prst="rect">
@@ -3221,7 +3221,7 @@
         </p:nvSpPr>
         <p:spPr>
           <a:xfrm>
-            <a:off x="231937" y="706313"/>
+            <a:off x="398093" y="729208"/>
             <a:ext cx="2227185" cy="1131327"/>
           </a:xfrm>
           <a:prstGeom prst="roundRect">
@@ -3309,7 +3309,7 @@
         </p:nvSpPr>
         <p:spPr>
           <a:xfrm>
-            <a:off x="295419" y="1053029"/>
+            <a:off x="461576" y="1075923"/>
             <a:ext cx="1563037" cy="664870"/>
           </a:xfrm>
           <a:prstGeom prst="roundRect">
@@ -3397,7 +3397,7 @@
         </p:nvSpPr>
         <p:spPr>
           <a:xfrm>
-            <a:off x="1898371" y="1053029"/>
+            <a:off x="2064527" y="1075923"/>
             <a:ext cx="227444" cy="664870"/>
           </a:xfrm>
           <a:prstGeom prst="roundRect">
@@ -3477,7 +3477,7 @@
         </p:nvSpPr>
         <p:spPr>
           <a:xfrm>
-            <a:off x="2165968" y="1053029"/>
+            <a:off x="2332124" y="1075923"/>
             <a:ext cx="227444" cy="664870"/>
           </a:xfrm>
           <a:prstGeom prst="roundRect">
@@ -3557,7 +3557,7 @@
         </p:nvSpPr>
         <p:spPr>
           <a:xfrm>
-            <a:off x="353146" y="1345290"/>
+            <a:off x="519302" y="1368184"/>
             <a:ext cx="1067168" cy="288320"/>
           </a:xfrm>
           <a:prstGeom prst="roundRect">
@@ -3643,7 +3643,7 @@
         </p:nvSpPr>
         <p:spPr>
           <a:xfrm flipH="1">
-            <a:off x="1466490" y="1345290"/>
+            <a:off x="1632647" y="1368184"/>
             <a:ext cx="120311" cy="288320"/>
           </a:xfrm>
           <a:prstGeom prst="roundRect">
@@ -3721,7 +3721,7 @@
         </p:nvSpPr>
         <p:spPr>
           <a:xfrm>
-            <a:off x="503843" y="1647972"/>
+            <a:off x="669999" y="1670867"/>
             <a:ext cx="304394" cy="688315"/>
           </a:xfrm>
           <a:prstGeom prst="downArrow">
@@ -3788,7 +3788,7 @@
         </p:nvSpPr>
         <p:spPr>
           <a:xfrm flipH="1">
-            <a:off x="1620494" y="1345290"/>
+            <a:off x="1786651" y="1368184"/>
             <a:ext cx="120311" cy="288320"/>
           </a:xfrm>
           <a:prstGeom prst="roundRect">
@@ -3880,7 +3880,7 @@
         </p:blipFill>
         <p:spPr>
           <a:xfrm>
-            <a:off x="641081" y="739501"/>
+            <a:off x="807238" y="762396"/>
             <a:ext cx="295675" cy="298581"/>
           </a:xfrm>
           <a:prstGeom prst="rect">
@@ -3902,7 +3902,7 @@
         </p:nvSpPr>
         <p:spPr>
           <a:xfrm>
-            <a:off x="2622138" y="420397"/>
+            <a:off x="2788294" y="443291"/>
             <a:ext cx="1919768" cy="1820698"/>
           </a:xfrm>
           <a:prstGeom prst="rect">
@@ -3986,7 +3986,7 @@
         </p:nvSpPr>
         <p:spPr>
           <a:xfrm>
-            <a:off x="4852944" y="420398"/>
+            <a:off x="5019101" y="443293"/>
             <a:ext cx="3246979" cy="1820697"/>
           </a:xfrm>
           <a:prstGeom prst="rect">
@@ -4070,7 +4070,7 @@
         </p:nvSpPr>
         <p:spPr>
           <a:xfrm>
-            <a:off x="4195307" y="1832117"/>
+            <a:off x="4361464" y="1855011"/>
             <a:ext cx="1028533" cy="248250"/>
           </a:xfrm>
           <a:prstGeom prst="roundRect">
@@ -4134,7 +4134,7 @@
         </p:nvSpPr>
         <p:spPr>
           <a:xfrm>
-            <a:off x="2769522" y="848072"/>
+            <a:off x="2935679" y="870967"/>
             <a:ext cx="1463679" cy="1211819"/>
           </a:xfrm>
           <a:custGeom>
@@ -4362,7 +4362,7 @@
         </p:blipFill>
         <p:spPr>
           <a:xfrm>
-            <a:off x="2905884" y="929136"/>
+            <a:off x="3072040" y="952030"/>
             <a:ext cx="534420" cy="534420"/>
           </a:xfrm>
           <a:prstGeom prst="rect">
@@ -4384,7 +4384,7 @@
         </p:nvGrpSpPr>
         <p:grpSpPr>
           <a:xfrm>
-            <a:off x="3575554" y="1291729"/>
+            <a:off x="3741711" y="1314623"/>
             <a:ext cx="436207" cy="438424"/>
             <a:chOff x="7079832" y="2188987"/>
             <a:chExt cx="667891" cy="707548"/>
@@ -4491,7 +4491,7 @@
         </p:blipFill>
         <p:spPr>
           <a:xfrm>
-            <a:off x="3180377" y="1550753"/>
+            <a:off x="3346534" y="1573648"/>
             <a:ext cx="410725" cy="410725"/>
           </a:xfrm>
           <a:prstGeom prst="rect">
@@ -4513,7 +4513,7 @@
         </p:nvGrpSpPr>
         <p:grpSpPr>
           <a:xfrm>
-            <a:off x="5831716" y="1187141"/>
+            <a:off x="5997873" y="1210035"/>
             <a:ext cx="436207" cy="438424"/>
             <a:chOff x="7079832" y="2188987"/>
             <a:chExt cx="667891" cy="707548"/>
@@ -4620,7 +4620,7 @@
         </p:blipFill>
         <p:spPr>
           <a:xfrm>
-            <a:off x="5436539" y="1446165"/>
+            <a:off x="5602696" y="1469060"/>
             <a:ext cx="410725" cy="410725"/>
           </a:xfrm>
           <a:prstGeom prst="rect">
@@ -4656,7 +4656,7 @@
         </p:blipFill>
         <p:spPr>
           <a:xfrm>
-            <a:off x="5106465" y="865326"/>
+            <a:off x="5272622" y="888221"/>
             <a:ext cx="590507" cy="590507"/>
           </a:xfrm>
           <a:prstGeom prst="rect">
@@ -4692,7 +4692,7 @@
         </p:blipFill>
         <p:spPr>
           <a:xfrm>
-            <a:off x="5604984" y="443108"/>
+            <a:off x="5771140" y="466002"/>
             <a:ext cx="334416" cy="334416"/>
           </a:xfrm>
           <a:prstGeom prst="rect">
@@ -4714,7 +4714,7 @@
         </p:nvSpPr>
         <p:spPr>
           <a:xfrm>
-            <a:off x="1783418" y="2110333"/>
+            <a:off x="1949574" y="2133227"/>
             <a:ext cx="2848892" cy="410936"/>
           </a:xfrm>
           <a:prstGeom prst="bentUpArrow">
@@ -4771,7 +4771,7 @@
         </p:nvSpPr>
         <p:spPr>
           <a:xfrm>
-            <a:off x="1783418" y="1967617"/>
+            <a:off x="1949574" y="1990511"/>
             <a:ext cx="5873062" cy="699978"/>
           </a:xfrm>
           <a:prstGeom prst="bentUpArrow">
@@ -4828,7 +4828,7 @@
         </p:nvSpPr>
         <p:spPr>
           <a:xfrm>
-            <a:off x="2125815" y="2302180"/>
+            <a:off x="2291971" y="2325074"/>
             <a:ext cx="976854" cy="427096"/>
           </a:xfrm>
           <a:prstGeom prst="roundRect">
@@ -4895,7 +4895,7 @@
         </p:nvGrpSpPr>
         <p:grpSpPr>
           <a:xfrm>
-            <a:off x="4662458" y="1975500"/>
+            <a:off x="4828615" y="1998394"/>
             <a:ext cx="2697761" cy="545128"/>
             <a:chOff x="4351210" y="4175737"/>
             <a:chExt cx="4025020" cy="583570"/>
@@ -5032,7 +5032,7 @@
         </p:nvSpPr>
         <p:spPr>
           <a:xfrm flipH="1">
-            <a:off x="598301" y="2358748"/>
+            <a:off x="764458" y="2381642"/>
             <a:ext cx="130009" cy="334666"/>
           </a:xfrm>
           <a:prstGeom prst="roundRect">
@@ -5114,7 +5114,7 @@
         </p:nvSpPr>
         <p:spPr>
           <a:xfrm flipH="1">
-            <a:off x="753510" y="2358748"/>
+            <a:off x="919667" y="2381642"/>
             <a:ext cx="130009" cy="334666"/>
           </a:xfrm>
           <a:prstGeom prst="roundRect">
@@ -5196,7 +5196,7 @@
         </p:nvSpPr>
         <p:spPr>
           <a:xfrm flipH="1">
-            <a:off x="908719" y="2358748"/>
+            <a:off x="1074876" y="2381642"/>
             <a:ext cx="130009" cy="334666"/>
           </a:xfrm>
           <a:prstGeom prst="roundRect">
@@ -5278,7 +5278,7 @@
         </p:nvSpPr>
         <p:spPr>
           <a:xfrm flipH="1">
-            <a:off x="1063928" y="2358748"/>
+            <a:off x="1230085" y="2381642"/>
             <a:ext cx="130009" cy="334666"/>
           </a:xfrm>
           <a:prstGeom prst="roundRect">
@@ -5360,7 +5360,7 @@
         </p:nvSpPr>
         <p:spPr>
           <a:xfrm flipH="1">
-            <a:off x="1219138" y="2358748"/>
+            <a:off x="1385295" y="2381642"/>
             <a:ext cx="130009" cy="334666"/>
           </a:xfrm>
           <a:prstGeom prst="roundRect">
@@ -5442,7 +5442,7 @@
         </p:nvSpPr>
         <p:spPr>
           <a:xfrm flipH="1">
-            <a:off x="1374347" y="2358748"/>
+            <a:off x="1540504" y="2381642"/>
             <a:ext cx="130009" cy="334666"/>
           </a:xfrm>
           <a:prstGeom prst="roundRect">
@@ -5524,7 +5524,7 @@
         </p:nvSpPr>
         <p:spPr>
           <a:xfrm flipH="1">
-            <a:off x="1529556" y="2358748"/>
+            <a:off x="1695713" y="2381642"/>
             <a:ext cx="130009" cy="334666"/>
           </a:xfrm>
           <a:prstGeom prst="roundRect">
@@ -5606,7 +5606,7 @@
         </p:nvSpPr>
         <p:spPr>
           <a:xfrm flipH="1">
-            <a:off x="1684765" y="2358748"/>
+            <a:off x="1850922" y="2381642"/>
             <a:ext cx="130009" cy="334666"/>
           </a:xfrm>
           <a:prstGeom prst="roundRect">
@@ -5688,7 +5688,7 @@
         </p:nvSpPr>
         <p:spPr>
           <a:xfrm>
-            <a:off x="6055902" y="799277"/>
+            <a:off x="6222058" y="822172"/>
             <a:ext cx="1124986" cy="316995"/>
           </a:xfrm>
           <a:prstGeom prst="leftRightArrow">
@@ -5751,7 +5751,7 @@
         </p:nvSpPr>
         <p:spPr>
           <a:xfrm>
-            <a:off x="4890608" y="824116"/>
+            <a:off x="5056765" y="847010"/>
             <a:ext cx="1535009" cy="1231414"/>
           </a:xfrm>
           <a:custGeom>
@@ -5955,7 +5955,7 @@
         </p:nvSpPr>
         <p:spPr>
           <a:xfrm>
-            <a:off x="3422328" y="965837"/>
+            <a:off x="3588484" y="988732"/>
             <a:ext cx="1703392" cy="377731"/>
           </a:xfrm>
           <a:prstGeom prst="rightArrow">
@@ -6008,7 +6008,7 @@
         </p:nvSpPr>
         <p:spPr>
           <a:xfrm>
-            <a:off x="4224399" y="1508833"/>
+            <a:off x="4390555" y="1531728"/>
             <a:ext cx="1044472" cy="316995"/>
           </a:xfrm>
           <a:prstGeom prst="leftRightArrow">
@@ -6068,7 +6068,7 @@
         </p:nvSpPr>
         <p:spPr>
           <a:xfrm rot="5400000" flipH="1">
-            <a:off x="5532955" y="1223217"/>
+            <a:off x="5699111" y="1246111"/>
             <a:ext cx="104584" cy="249196"/>
           </a:xfrm>
           <a:prstGeom prst="roundRect">
@@ -6150,7 +6150,7 @@
         </p:nvSpPr>
         <p:spPr>
           <a:xfrm rot="5400000">
-            <a:off x="6377530" y="1240796"/>
+            <a:off x="6543686" y="1263691"/>
             <a:ext cx="275898" cy="1183451"/>
           </a:xfrm>
           <a:prstGeom prst="downArrow">
@@ -6217,7 +6217,7 @@
         </p:nvSpPr>
         <p:spPr>
           <a:xfrm>
-            <a:off x="6438492" y="1265043"/>
+            <a:off x="6604649" y="1287937"/>
             <a:ext cx="827465" cy="253926"/>
           </a:xfrm>
           <a:prstGeom prst="rightArrow">
@@ -6284,7 +6284,7 @@
         </p:nvSpPr>
         <p:spPr>
           <a:xfrm>
-            <a:off x="6979576" y="1643866"/>
+            <a:off x="7145733" y="1666761"/>
             <a:ext cx="987941" cy="340181"/>
           </a:xfrm>
           <a:prstGeom prst="roundRect">
@@ -6351,7 +6351,7 @@
         </p:nvGrpSpPr>
         <p:grpSpPr>
           <a:xfrm>
-            <a:off x="7239976" y="772481"/>
+            <a:off x="7406132" y="795376"/>
             <a:ext cx="599688" cy="633921"/>
             <a:chOff x="7088031" y="6351077"/>
             <a:chExt cx="599688" cy="633921"/>
@@ -6472,7 +6472,7 @@
         </p:nvSpPr>
         <p:spPr>
           <a:xfrm rot="5400000" flipH="1">
-            <a:off x="5762510" y="1645283"/>
+            <a:off x="5928666" y="1668177"/>
             <a:ext cx="104584" cy="249196"/>
           </a:xfrm>
           <a:prstGeom prst="roundRect">
@@ -6554,7 +6554,7 @@
         </p:nvSpPr>
         <p:spPr>
           <a:xfrm rot="5400000" flipH="1">
-            <a:off x="6183833" y="1265311"/>
+            <a:off x="6349989" y="1288205"/>
             <a:ext cx="104584" cy="249196"/>
           </a:xfrm>
           <a:prstGeom prst="roundRect">
@@ -6650,7 +6650,7 @@
         </p:blipFill>
         <p:spPr>
           <a:xfrm>
-            <a:off x="2788392" y="451952"/>
+            <a:off x="2954548" y="474846"/>
             <a:ext cx="334416" cy="334416"/>
           </a:xfrm>
           <a:prstGeom prst="rect">
@@ -6672,7 +6672,7 @@
         </p:nvSpPr>
         <p:spPr>
           <a:xfrm>
-            <a:off x="5763235" y="142509"/>
+            <a:off x="5929392" y="165404"/>
             <a:ext cx="272329" cy="177901"/>
           </a:xfrm>
           <a:prstGeom prst="roundRect">
@@ -6728,7 +6728,7 @@
         </p:nvSpPr>
         <p:spPr>
           <a:xfrm>
-            <a:off x="5967972" y="68092"/>
+            <a:off x="6134129" y="90986"/>
             <a:ext cx="1269369" cy="338554"/>
           </a:xfrm>
           <a:prstGeom prst="rect">
@@ -6767,7 +6767,7 @@
         </p:nvSpPr>
         <p:spPr>
           <a:xfrm>
-            <a:off x="7034391" y="156822"/>
+            <a:off x="7200548" y="179717"/>
             <a:ext cx="272329" cy="177901"/>
           </a:xfrm>
           <a:prstGeom prst="roundRect">
@@ -6823,7 +6823,7 @@
         </p:nvSpPr>
         <p:spPr>
           <a:xfrm>
-            <a:off x="7239976" y="93310"/>
+            <a:off x="7406132" y="116204"/>
             <a:ext cx="913960" cy="324769"/>
           </a:xfrm>
           <a:prstGeom prst="rect">

--- a/Research/_____Writing ISSTA 26/Fig_VRAgent.pptx
+++ b/Research/_____Writing ISSTA 26/Fig_VRAgent.pptx
@@ -6,6 +6,7 @@
   </p:sldMasterIdLst>
   <p:sldIdLst>
     <p:sldId id="257" r:id="rId2"/>
+    <p:sldId id="258" r:id="rId3"/>
   </p:sldIdLst>
   <p:sldSz cx="8459788" cy="2987675"/>
   <p:notesSz cx="6858000" cy="9144000"/>
@@ -243,7 +244,7 @@
           <a:p>
             <a:fld id="{B3702B35-EFD2-4092-A369-A03DF3F0D025}" type="datetimeFigureOut">
               <a:rPr lang="zh-CN" altLang="en-US" smtClean="0"/>
-              <a:t>2025/12/2</a:t>
+              <a:t>2025/12/8</a:t>
             </a:fld>
             <a:endParaRPr lang="zh-CN" altLang="en-US"/>
           </a:p>
@@ -413,7 +414,7 @@
           <a:p>
             <a:fld id="{B3702B35-EFD2-4092-A369-A03DF3F0D025}" type="datetimeFigureOut">
               <a:rPr lang="zh-CN" altLang="en-US" smtClean="0"/>
-              <a:t>2025/12/2</a:t>
+              <a:t>2025/12/8</a:t>
             </a:fld>
             <a:endParaRPr lang="zh-CN" altLang="en-US"/>
           </a:p>
@@ -593,7 +594,7 @@
           <a:p>
             <a:fld id="{B3702B35-EFD2-4092-A369-A03DF3F0D025}" type="datetimeFigureOut">
               <a:rPr lang="zh-CN" altLang="en-US" smtClean="0"/>
-              <a:t>2025/12/2</a:t>
+              <a:t>2025/12/8</a:t>
             </a:fld>
             <a:endParaRPr lang="zh-CN" altLang="en-US"/>
           </a:p>
@@ -763,7 +764,7 @@
           <a:p>
             <a:fld id="{B3702B35-EFD2-4092-A369-A03DF3F0D025}" type="datetimeFigureOut">
               <a:rPr lang="zh-CN" altLang="en-US" smtClean="0"/>
-              <a:t>2025/12/2</a:t>
+              <a:t>2025/12/8</a:t>
             </a:fld>
             <a:endParaRPr lang="zh-CN" altLang="en-US"/>
           </a:p>
@@ -1009,7 +1010,7 @@
           <a:p>
             <a:fld id="{B3702B35-EFD2-4092-A369-A03DF3F0D025}" type="datetimeFigureOut">
               <a:rPr lang="zh-CN" altLang="en-US" smtClean="0"/>
-              <a:t>2025/12/2</a:t>
+              <a:t>2025/12/8</a:t>
             </a:fld>
             <a:endParaRPr lang="zh-CN" altLang="en-US"/>
           </a:p>
@@ -1241,7 +1242,7 @@
           <a:p>
             <a:fld id="{B3702B35-EFD2-4092-A369-A03DF3F0D025}" type="datetimeFigureOut">
               <a:rPr lang="zh-CN" altLang="en-US" smtClean="0"/>
-              <a:t>2025/12/2</a:t>
+              <a:t>2025/12/8</a:t>
             </a:fld>
             <a:endParaRPr lang="zh-CN" altLang="en-US"/>
           </a:p>
@@ -1608,7 +1609,7 @@
           <a:p>
             <a:fld id="{B3702B35-EFD2-4092-A369-A03DF3F0D025}" type="datetimeFigureOut">
               <a:rPr lang="zh-CN" altLang="en-US" smtClean="0"/>
-              <a:t>2025/12/2</a:t>
+              <a:t>2025/12/8</a:t>
             </a:fld>
             <a:endParaRPr lang="zh-CN" altLang="en-US"/>
           </a:p>
@@ -1726,7 +1727,7 @@
           <a:p>
             <a:fld id="{B3702B35-EFD2-4092-A369-A03DF3F0D025}" type="datetimeFigureOut">
               <a:rPr lang="zh-CN" altLang="en-US" smtClean="0"/>
-              <a:t>2025/12/2</a:t>
+              <a:t>2025/12/8</a:t>
             </a:fld>
             <a:endParaRPr lang="zh-CN" altLang="en-US"/>
           </a:p>
@@ -1821,7 +1822,7 @@
           <a:p>
             <a:fld id="{B3702B35-EFD2-4092-A369-A03DF3F0D025}" type="datetimeFigureOut">
               <a:rPr lang="zh-CN" altLang="en-US" smtClean="0"/>
-              <a:t>2025/12/2</a:t>
+              <a:t>2025/12/8</a:t>
             </a:fld>
             <a:endParaRPr lang="zh-CN" altLang="en-US"/>
           </a:p>
@@ -2098,7 +2099,7 @@
           <a:p>
             <a:fld id="{B3702B35-EFD2-4092-A369-A03DF3F0D025}" type="datetimeFigureOut">
               <a:rPr lang="zh-CN" altLang="en-US" smtClean="0"/>
-              <a:t>2025/12/2</a:t>
+              <a:t>2025/12/8</a:t>
             </a:fld>
             <a:endParaRPr lang="zh-CN" altLang="en-US"/>
           </a:p>
@@ -2355,7 +2356,7 @@
           <a:p>
             <a:fld id="{B3702B35-EFD2-4092-A369-A03DF3F0D025}" type="datetimeFigureOut">
               <a:rPr lang="zh-CN" altLang="en-US" smtClean="0"/>
-              <a:t>2025/12/2</a:t>
+              <a:t>2025/12/8</a:t>
             </a:fld>
             <a:endParaRPr lang="zh-CN" altLang="en-US"/>
           </a:p>
@@ -2568,7 +2569,7 @@
           <a:p>
             <a:fld id="{B3702B35-EFD2-4092-A369-A03DF3F0D025}" type="datetimeFigureOut">
               <a:rPr lang="zh-CN" altLang="en-US" smtClean="0"/>
-              <a:t>2025/12/2</a:t>
+              <a:t>2025/12/8</a:t>
             </a:fld>
             <a:endParaRPr lang="zh-CN" altLang="en-US"/>
           </a:p>
@@ -6862,6 +6863,3390 @@
 </p:sld>
 </file>
 
+<file path=ppt/slides/slide2.xml><?xml version="1.0" encoding="utf-8"?>
+<p:sld xmlns:a="http://schemas.openxmlformats.org/drawingml/2006/main" xmlns:r="http://schemas.openxmlformats.org/officeDocument/2006/relationships" xmlns:p="http://schemas.openxmlformats.org/presentationml/2006/main">
+  <p:cSld>
+    <p:spTree>
+      <p:nvGrpSpPr>
+        <p:cNvPr id="1" name="">
+          <a:extLst>
+            <a:ext uri="{FF2B5EF4-FFF2-40B4-BE49-F238E27FC236}">
+              <a16:creationId xmlns:a16="http://schemas.microsoft.com/office/drawing/2014/main" id="{B2E30E3D-C8C9-281C-EF4C-C2BCF839B450}"/>
+            </a:ext>
+          </a:extLst>
+        </p:cNvPr>
+        <p:cNvGrpSpPr/>
+        <p:nvPr/>
+      </p:nvGrpSpPr>
+      <p:grpSpPr>
+        <a:xfrm>
+          <a:off x="0" y="0"/>
+          <a:ext cx="0" cy="0"/>
+          <a:chOff x="0" y="0"/>
+          <a:chExt cx="0" cy="0"/>
+        </a:xfrm>
+      </p:grpSpPr>
+      <p:sp>
+        <p:nvSpPr>
+          <p:cNvPr id="93" name="矩形 92">
+            <a:extLst>
+              <a:ext uri="{FF2B5EF4-FFF2-40B4-BE49-F238E27FC236}">
+                <a16:creationId xmlns:a16="http://schemas.microsoft.com/office/drawing/2014/main" id="{EC203734-891B-9E45-BBCD-36A6F1F5E1E5}"/>
+              </a:ext>
+            </a:extLst>
+          </p:cNvPr>
+          <p:cNvSpPr/>
+          <p:nvPr/>
+        </p:nvSpPr>
+        <p:spPr>
+          <a:xfrm>
+            <a:off x="237066" y="116204"/>
+            <a:ext cx="8083025" cy="2755267"/>
+          </a:xfrm>
+          <a:prstGeom prst="rect">
+            <a:avLst/>
+          </a:prstGeom>
+          <a:noFill/>
+          <a:ln w="19050" cap="flat" cmpd="sng" algn="ctr">
+            <a:solidFill>
+              <a:schemeClr val="bg1">
+                <a:lumMod val="50000"/>
+              </a:schemeClr>
+            </a:solidFill>
+            <a:prstDash val="dash"/>
+            <a:round/>
+            <a:headEnd type="none" w="med" len="med"/>
+            <a:tailEnd type="none" w="med" len="med"/>
+          </a:ln>
+        </p:spPr>
+        <p:style>
+          <a:lnRef idx="0">
+            <a:scrgbClr r="0" g="0" b="0"/>
+          </a:lnRef>
+          <a:fillRef idx="0">
+            <a:scrgbClr r="0" g="0" b="0"/>
+          </a:fillRef>
+          <a:effectRef idx="0">
+            <a:scrgbClr r="0" g="0" b="0"/>
+          </a:effectRef>
+          <a:fontRef idx="minor">
+            <a:schemeClr val="dk1"/>
+          </a:fontRef>
+        </p:style>
+        <p:txBody>
+          <a:bodyPr rtlCol="0" anchor="t"/>
+          <a:lstStyle/>
+          <a:p>
+            <a:pPr algn="ctr"/>
+            <a:r>
+              <a:rPr lang="en-US" altLang="zh-CN" b="1" dirty="0">
+                <a:latin typeface="Arial" panose="020B0604020202020204" pitchFamily="34" charset="0"/>
+                <a:cs typeface="Arial" panose="020B0604020202020204" pitchFamily="34" charset="0"/>
+              </a:rPr>
+              <a:t>VRAgent</a:t>
+            </a:r>
+            <a:endParaRPr lang="zh-CN" altLang="en-US" b="1" dirty="0">
+              <a:latin typeface="Arial" panose="020B0604020202020204" pitchFamily="34" charset="0"/>
+              <a:cs typeface="Arial" panose="020B0604020202020204" pitchFamily="34" charset="0"/>
+            </a:endParaRPr>
+          </a:p>
+        </p:txBody>
+      </p:sp>
+      <p:sp>
+        <p:nvSpPr>
+          <p:cNvPr id="43" name="矩形 42">
+            <a:extLst>
+              <a:ext uri="{FF2B5EF4-FFF2-40B4-BE49-F238E27FC236}">
+                <a16:creationId xmlns:a16="http://schemas.microsoft.com/office/drawing/2014/main" id="{99D512D6-9DA7-2AE0-47ED-1B7D5B6E2DD8}"/>
+              </a:ext>
+            </a:extLst>
+          </p:cNvPr>
+          <p:cNvSpPr/>
+          <p:nvPr/>
+        </p:nvSpPr>
+        <p:spPr>
+          <a:xfrm>
+            <a:off x="328765" y="2323417"/>
+            <a:ext cx="1694645" cy="469395"/>
+          </a:xfrm>
+          <a:prstGeom prst="rect">
+            <a:avLst/>
+          </a:prstGeom>
+          <a:noFill/>
+          <a:ln w="19050" cap="flat" cmpd="sng" algn="ctr">
+            <a:solidFill>
+              <a:schemeClr val="bg1">
+                <a:lumMod val="65000"/>
+              </a:schemeClr>
+            </a:solidFill>
+            <a:prstDash val="dash"/>
+            <a:round/>
+            <a:headEnd type="none" w="med" len="med"/>
+            <a:tailEnd type="none" w="med" len="med"/>
+          </a:ln>
+          <a:scene3d>
+            <a:camera prst="orthographicFront"/>
+            <a:lightRig rig="threePt" dir="t"/>
+          </a:scene3d>
+          <a:sp3d/>
+        </p:spPr>
+        <p:style>
+          <a:lnRef idx="0">
+            <a:scrgbClr r="0" g="0" b="0"/>
+          </a:lnRef>
+          <a:fillRef idx="0">
+            <a:scrgbClr r="0" g="0" b="0"/>
+          </a:fillRef>
+          <a:effectRef idx="0">
+            <a:scrgbClr r="0" g="0" b="0"/>
+          </a:effectRef>
+          <a:fontRef idx="minor">
+            <a:schemeClr val="dk1"/>
+          </a:fontRef>
+        </p:style>
+        <p:txBody>
+          <a:bodyPr vert="vert270" lIns="36000" tIns="0" bIns="0" rtlCol="0" anchor="t"/>
+          <a:lstStyle/>
+          <a:p>
+            <a:pPr algn="ctr">
+              <a:lnSpc>
+                <a:spcPts val="900"/>
+              </a:lnSpc>
+            </a:pPr>
+            <a:r>
+              <a:rPr lang="en-US" altLang="zh-CN" sz="900" b="1" dirty="0">
+                <a:latin typeface="Arial" panose="020B0604020202020204" pitchFamily="34" charset="0"/>
+                <a:cs typeface="Arial" panose="020B0604020202020204" pitchFamily="34" charset="0"/>
+              </a:rPr>
+              <a:t>Adapted Action</a:t>
+            </a:r>
+            <a:br>
+              <a:rPr lang="en-US" altLang="zh-CN" sz="900" b="1" dirty="0">
+                <a:latin typeface="Arial" panose="020B0604020202020204" pitchFamily="34" charset="0"/>
+                <a:cs typeface="Arial" panose="020B0604020202020204" pitchFamily="34" charset="0"/>
+              </a:rPr>
+            </a:br>
+            <a:r>
+              <a:rPr lang="en-US" altLang="zh-CN" sz="900" b="1" dirty="0">
+                <a:latin typeface="Arial" panose="020B0604020202020204" pitchFamily="34" charset="0"/>
+                <a:cs typeface="Arial" panose="020B0604020202020204" pitchFamily="34" charset="0"/>
+              </a:rPr>
+              <a:t>Units</a:t>
+            </a:r>
+            <a:endParaRPr lang="zh-CN" altLang="en-US" sz="900" b="1" dirty="0">
+              <a:latin typeface="Arial" panose="020B0604020202020204" pitchFamily="34" charset="0"/>
+              <a:cs typeface="Arial" panose="020B0604020202020204" pitchFamily="34" charset="0"/>
+            </a:endParaRPr>
+          </a:p>
+        </p:txBody>
+      </p:sp>
+      <p:sp>
+        <p:nvSpPr>
+          <p:cNvPr id="40" name="矩形 39">
+            <a:extLst>
+              <a:ext uri="{FF2B5EF4-FFF2-40B4-BE49-F238E27FC236}">
+                <a16:creationId xmlns:a16="http://schemas.microsoft.com/office/drawing/2014/main" id="{CBA951EF-58F0-11D7-B712-843DC2A15DB4}"/>
+              </a:ext>
+            </a:extLst>
+          </p:cNvPr>
+          <p:cNvSpPr/>
+          <p:nvPr/>
+        </p:nvSpPr>
+        <p:spPr>
+          <a:xfrm>
+            <a:off x="324269" y="429560"/>
+            <a:ext cx="2370720" cy="1560953"/>
+          </a:xfrm>
+          <a:prstGeom prst="rect">
+            <a:avLst/>
+          </a:prstGeom>
+          <a:solidFill>
+            <a:schemeClr val="bg1">
+              <a:lumMod val="95000"/>
+            </a:schemeClr>
+          </a:solidFill>
+          <a:ln w="15875">
+            <a:solidFill>
+              <a:schemeClr val="bg1">
+                <a:lumMod val="65000"/>
+              </a:schemeClr>
+            </a:solidFill>
+          </a:ln>
+        </p:spPr>
+        <p:style>
+          <a:lnRef idx="1">
+            <a:schemeClr val="accent3"/>
+          </a:lnRef>
+          <a:fillRef idx="2">
+            <a:schemeClr val="accent3"/>
+          </a:fillRef>
+          <a:effectRef idx="1">
+            <a:schemeClr val="accent3"/>
+          </a:effectRef>
+          <a:fontRef idx="minor">
+            <a:schemeClr val="dk1"/>
+          </a:fontRef>
+        </p:style>
+        <p:txBody>
+          <a:bodyPr rtlCol="0" anchor="t"/>
+          <a:lstStyle/>
+          <a:p>
+            <a:pPr algn="ctr"/>
+            <a:r>
+              <a:rPr lang="en-US" altLang="zh-CN" sz="1400" b="1" dirty="0">
+                <a:latin typeface="Arial" panose="020B0604020202020204" pitchFamily="34" charset="0"/>
+                <a:cs typeface="Arial" panose="020B0604020202020204" pitchFamily="34" charset="0"/>
+              </a:rPr>
+              <a:t>Disk Storage</a:t>
+            </a:r>
+            <a:endParaRPr lang="zh-CN" altLang="en-US" sz="1400" b="1" dirty="0">
+              <a:latin typeface="Arial" panose="020B0604020202020204" pitchFamily="34" charset="0"/>
+              <a:cs typeface="Arial" panose="020B0604020202020204" pitchFamily="34" charset="0"/>
+            </a:endParaRPr>
+          </a:p>
+        </p:txBody>
+      </p:sp>
+      <p:sp>
+        <p:nvSpPr>
+          <p:cNvPr id="26" name="矩形: 圆角 25">
+            <a:extLst>
+              <a:ext uri="{FF2B5EF4-FFF2-40B4-BE49-F238E27FC236}">
+                <a16:creationId xmlns:a16="http://schemas.microsoft.com/office/drawing/2014/main" id="{A46F8AC7-BDBE-53CF-AF25-7BEC28744A31}"/>
+              </a:ext>
+            </a:extLst>
+          </p:cNvPr>
+          <p:cNvSpPr/>
+          <p:nvPr/>
+        </p:nvSpPr>
+        <p:spPr>
+          <a:xfrm>
+            <a:off x="398093" y="729208"/>
+            <a:ext cx="2227185" cy="1131327"/>
+          </a:xfrm>
+          <a:prstGeom prst="roundRect">
+            <a:avLst>
+              <a:gd name="adj" fmla="val 0"/>
+            </a:avLst>
+          </a:prstGeom>
+          <a:solidFill>
+            <a:schemeClr val="accent6">
+              <a:lumMod val="20000"/>
+              <a:lumOff val="80000"/>
+            </a:schemeClr>
+          </a:solidFill>
+          <a:ln w="15875">
+            <a:solidFill>
+              <a:schemeClr val="accent6">
+                <a:lumMod val="75000"/>
+              </a:schemeClr>
+            </a:solidFill>
+          </a:ln>
+          <a:effectLst/>
+        </p:spPr>
+        <p:txBody>
+          <a:bodyPr vert="horz" rtlCol="0" anchor="t"/>
+          <a:lstStyle/>
+          <a:p>
+            <a:pPr algn="ctr" defTabSz="914400">
+              <a:defRPr/>
+            </a:pPr>
+            <a:r>
+              <a:rPr lang="en-US" altLang="zh-CN" sz="1600" kern="0" dirty="0">
+                <a:latin typeface="Arial" panose="020B0604020202020204" pitchFamily="34" charset="0"/>
+                <a:ea typeface="等线" panose="02010600030101010101" pitchFamily="2" charset="-122"/>
+                <a:cs typeface="Arial" panose="020B0604020202020204" pitchFamily="34" charset="0"/>
+              </a:rPr>
+              <a:t>Test Plan</a:t>
+            </a:r>
+            <a:endParaRPr lang="zh-CN" altLang="en-US" sz="1600" kern="0" dirty="0">
+              <a:latin typeface="Arial" panose="020B0604020202020204" pitchFamily="34" charset="0"/>
+              <a:ea typeface="等线" panose="02010600030101010101" pitchFamily="2" charset="-122"/>
+              <a:cs typeface="Arial" panose="020B0604020202020204" pitchFamily="34" charset="0"/>
+            </a:endParaRPr>
+          </a:p>
+        </p:txBody>
+      </p:sp>
+      <p:sp>
+        <p:nvSpPr>
+          <p:cNvPr id="27" name="矩形: 圆角 26">
+            <a:extLst>
+              <a:ext uri="{FF2B5EF4-FFF2-40B4-BE49-F238E27FC236}">
+                <a16:creationId xmlns:a16="http://schemas.microsoft.com/office/drawing/2014/main" id="{CFFE6AD6-3CD6-4CD8-85A8-29B8870F3826}"/>
+              </a:ext>
+            </a:extLst>
+          </p:cNvPr>
+          <p:cNvSpPr/>
+          <p:nvPr/>
+        </p:nvSpPr>
+        <p:spPr>
+          <a:xfrm>
+            <a:off x="461576" y="1075923"/>
+            <a:ext cx="1563037" cy="664870"/>
+          </a:xfrm>
+          <a:prstGeom prst="roundRect">
+            <a:avLst>
+              <a:gd name="adj" fmla="val 12000"/>
+            </a:avLst>
+          </a:prstGeom>
+          <a:solidFill>
+            <a:srgbClr val="39C1A1">
+              <a:alpha val="46000"/>
+            </a:srgbClr>
+          </a:solidFill>
+          <a:ln w="15875">
+            <a:solidFill>
+              <a:srgbClr val="30A287"/>
+            </a:solidFill>
+          </a:ln>
+          <a:effectLst/>
+        </p:spPr>
+        <p:txBody>
+          <a:bodyPr vert="horz" rtlCol="0" anchor="t"/>
+          <a:lstStyle/>
+          <a:p>
+            <a:pPr algn="ctr" defTabSz="914400">
+              <a:defRPr/>
+            </a:pPr>
+            <a:r>
+              <a:rPr lang="en-US" altLang="zh-CN" sz="1400" kern="0" dirty="0">
+                <a:latin typeface="Arial" panose="020B0604020202020204" pitchFamily="34" charset="0"/>
+                <a:ea typeface="等线" panose="02010600030101010101" pitchFamily="2" charset="-122"/>
+                <a:cs typeface="Arial" panose="020B0604020202020204" pitchFamily="34" charset="0"/>
+              </a:rPr>
+              <a:t>Task Unit</a:t>
+            </a:r>
+            <a:endParaRPr lang="zh-CN" altLang="en-US" sz="1400" kern="0" dirty="0">
+              <a:latin typeface="Arial" panose="020B0604020202020204" pitchFamily="34" charset="0"/>
+              <a:ea typeface="等线" panose="02010600030101010101" pitchFamily="2" charset="-122"/>
+              <a:cs typeface="Arial" panose="020B0604020202020204" pitchFamily="34" charset="0"/>
+            </a:endParaRPr>
+          </a:p>
+        </p:txBody>
+      </p:sp>
+      <p:sp>
+        <p:nvSpPr>
+          <p:cNvPr id="28" name="矩形: 圆角 27">
+            <a:extLst>
+              <a:ext uri="{FF2B5EF4-FFF2-40B4-BE49-F238E27FC236}">
+                <a16:creationId xmlns:a16="http://schemas.microsoft.com/office/drawing/2014/main" id="{6F87829F-D2DC-FCC0-07D4-5EF9B1BB8D57}"/>
+              </a:ext>
+            </a:extLst>
+          </p:cNvPr>
+          <p:cNvSpPr/>
+          <p:nvPr/>
+        </p:nvSpPr>
+        <p:spPr>
+          <a:xfrm>
+            <a:off x="2064527" y="1075923"/>
+            <a:ext cx="227444" cy="664870"/>
+          </a:xfrm>
+          <a:prstGeom prst="roundRect">
+            <a:avLst>
+              <a:gd name="adj" fmla="val 12000"/>
+            </a:avLst>
+          </a:prstGeom>
+          <a:solidFill>
+            <a:srgbClr val="39C1A1">
+              <a:alpha val="46000"/>
+            </a:srgbClr>
+          </a:solidFill>
+          <a:ln w="15875">
+            <a:solidFill>
+              <a:srgbClr val="30A287"/>
+            </a:solidFill>
+          </a:ln>
+          <a:effectLst/>
+        </p:spPr>
+        <p:txBody>
+          <a:bodyPr vert="horz" rtlCol="0" anchor="t"/>
+          <a:lstStyle/>
+          <a:p>
+            <a:pPr algn="ctr" defTabSz="914400">
+              <a:lnSpc>
+                <a:spcPts val="2000"/>
+              </a:lnSpc>
+              <a:defRPr/>
+            </a:pPr>
+            <a:endParaRPr lang="zh-CN" altLang="en-US" sz="1400" b="1" kern="0" dirty="0">
+              <a:solidFill>
+                <a:prstClr val="white"/>
+              </a:solidFill>
+              <a:latin typeface="Consolas" panose="020B0609020204030204" pitchFamily="49" charset="0"/>
+              <a:ea typeface="等线" panose="02010600030101010101" pitchFamily="2" charset="-122"/>
+              <a:cs typeface="Times New Roman" panose="02020603050405020304" pitchFamily="18" charset="0"/>
+            </a:endParaRPr>
+          </a:p>
+        </p:txBody>
+      </p:sp>
+      <p:sp>
+        <p:nvSpPr>
+          <p:cNvPr id="29" name="矩形: 圆角 28">
+            <a:extLst>
+              <a:ext uri="{FF2B5EF4-FFF2-40B4-BE49-F238E27FC236}">
+                <a16:creationId xmlns:a16="http://schemas.microsoft.com/office/drawing/2014/main" id="{806A4813-3CA3-B53D-FD1E-F96A545448EE}"/>
+              </a:ext>
+            </a:extLst>
+          </p:cNvPr>
+          <p:cNvSpPr/>
+          <p:nvPr/>
+        </p:nvSpPr>
+        <p:spPr>
+          <a:xfrm>
+            <a:off x="2332124" y="1075923"/>
+            <a:ext cx="227444" cy="664870"/>
+          </a:xfrm>
+          <a:prstGeom prst="roundRect">
+            <a:avLst>
+              <a:gd name="adj" fmla="val 12000"/>
+            </a:avLst>
+          </a:prstGeom>
+          <a:solidFill>
+            <a:srgbClr val="39C1A1">
+              <a:alpha val="46000"/>
+            </a:srgbClr>
+          </a:solidFill>
+          <a:ln w="15875">
+            <a:solidFill>
+              <a:srgbClr val="30A287"/>
+            </a:solidFill>
+          </a:ln>
+          <a:effectLst/>
+        </p:spPr>
+        <p:txBody>
+          <a:bodyPr vert="horz" rtlCol="0" anchor="t"/>
+          <a:lstStyle/>
+          <a:p>
+            <a:pPr algn="ctr" defTabSz="914400">
+              <a:lnSpc>
+                <a:spcPts val="2000"/>
+              </a:lnSpc>
+              <a:defRPr/>
+            </a:pPr>
+            <a:endParaRPr lang="zh-CN" altLang="en-US" sz="1400" b="1" kern="0" dirty="0">
+              <a:solidFill>
+                <a:prstClr val="white"/>
+              </a:solidFill>
+              <a:latin typeface="Consolas" panose="020B0609020204030204" pitchFamily="49" charset="0"/>
+              <a:ea typeface="等线" panose="02010600030101010101" pitchFamily="2" charset="-122"/>
+              <a:cs typeface="Times New Roman" panose="02020603050405020304" pitchFamily="18" charset="0"/>
+            </a:endParaRPr>
+          </a:p>
+        </p:txBody>
+      </p:sp>
+      <p:sp>
+        <p:nvSpPr>
+          <p:cNvPr id="32" name="矩形: 圆角 31">
+            <a:extLst>
+              <a:ext uri="{FF2B5EF4-FFF2-40B4-BE49-F238E27FC236}">
+                <a16:creationId xmlns:a16="http://schemas.microsoft.com/office/drawing/2014/main" id="{3DCFF94C-E6D3-9398-46BA-345A561A31EA}"/>
+              </a:ext>
+            </a:extLst>
+          </p:cNvPr>
+          <p:cNvSpPr/>
+          <p:nvPr/>
+        </p:nvSpPr>
+        <p:spPr>
+          <a:xfrm>
+            <a:off x="519302" y="1368184"/>
+            <a:ext cx="1067168" cy="288320"/>
+          </a:xfrm>
+          <a:prstGeom prst="roundRect">
+            <a:avLst/>
+          </a:prstGeom>
+          <a:solidFill>
+            <a:srgbClr val="BAE5F8">
+              <a:alpha val="86000"/>
+            </a:srgbClr>
+          </a:solidFill>
+          <a:ln w="22225">
+            <a:solidFill>
+              <a:srgbClr val="47C4FC"/>
+            </a:solidFill>
+          </a:ln>
+          <a:effectLst/>
+        </p:spPr>
+        <p:txBody>
+          <a:bodyPr vert="horz" rtlCol="0" anchor="t"/>
+          <a:lstStyle/>
+          <a:p>
+            <a:pPr algn="ctr" defTabSz="914400">
+              <a:defRPr/>
+            </a:pPr>
+            <a:r>
+              <a:rPr lang="en-US" altLang="zh-CN" sz="1100" kern="0" dirty="0">
+                <a:latin typeface="Arial" panose="020B0604020202020204" pitchFamily="34" charset="0"/>
+                <a:ea typeface="等线" panose="02010600030101010101" pitchFamily="2" charset="-122"/>
+                <a:cs typeface="Arial" panose="020B0604020202020204" pitchFamily="34" charset="0"/>
+              </a:rPr>
+              <a:t>Action Unit</a:t>
+            </a:r>
+            <a:endParaRPr lang="zh-CN" altLang="en-US" sz="1100" kern="0" dirty="0">
+              <a:latin typeface="Arial" panose="020B0604020202020204" pitchFamily="34" charset="0"/>
+              <a:ea typeface="等线" panose="02010600030101010101" pitchFamily="2" charset="-122"/>
+              <a:cs typeface="Arial" panose="020B0604020202020204" pitchFamily="34" charset="0"/>
+            </a:endParaRPr>
+          </a:p>
+        </p:txBody>
+      </p:sp>
+      <p:sp>
+        <p:nvSpPr>
+          <p:cNvPr id="33" name="矩形: 圆角 32">
+            <a:extLst>
+              <a:ext uri="{FF2B5EF4-FFF2-40B4-BE49-F238E27FC236}">
+                <a16:creationId xmlns:a16="http://schemas.microsoft.com/office/drawing/2014/main" id="{6ECEF7B5-6E3C-C4B3-5072-D0EE6D4BE72A}"/>
+              </a:ext>
+            </a:extLst>
+          </p:cNvPr>
+          <p:cNvSpPr/>
+          <p:nvPr/>
+        </p:nvSpPr>
+        <p:spPr>
+          <a:xfrm flipH="1">
+            <a:off x="1632647" y="1368184"/>
+            <a:ext cx="120311" cy="288320"/>
+          </a:xfrm>
+          <a:prstGeom prst="roundRect">
+            <a:avLst/>
+          </a:prstGeom>
+          <a:solidFill>
+            <a:srgbClr val="BAE5F8">
+              <a:alpha val="86000"/>
+            </a:srgbClr>
+          </a:solidFill>
+          <a:ln w="22225">
+            <a:solidFill>
+              <a:srgbClr val="47C4FC"/>
+            </a:solidFill>
+          </a:ln>
+          <a:effectLst/>
+        </p:spPr>
+        <p:txBody>
+          <a:bodyPr vert="horz" rtlCol="0" anchor="t"/>
+          <a:lstStyle/>
+          <a:p>
+            <a:pPr algn="ctr" defTabSz="914400">
+              <a:lnSpc>
+                <a:spcPts val="2000"/>
+              </a:lnSpc>
+              <a:defRPr/>
+            </a:pPr>
+            <a:endParaRPr lang="zh-CN" altLang="en-US" sz="1100" b="1" kern="0" dirty="0">
+              <a:solidFill>
+                <a:prstClr val="white"/>
+              </a:solidFill>
+              <a:latin typeface="Consolas" panose="020B0609020204030204" pitchFamily="49" charset="0"/>
+              <a:ea typeface="等线" panose="02010600030101010101" pitchFamily="2" charset="-122"/>
+              <a:cs typeface="Times New Roman" panose="02020603050405020304" pitchFamily="18" charset="0"/>
+            </a:endParaRPr>
+          </a:p>
+        </p:txBody>
+      </p:sp>
+      <p:sp>
+        <p:nvSpPr>
+          <p:cNvPr id="52" name="箭头: 下 51">
+            <a:extLst>
+              <a:ext uri="{FF2B5EF4-FFF2-40B4-BE49-F238E27FC236}">
+                <a16:creationId xmlns:a16="http://schemas.microsoft.com/office/drawing/2014/main" id="{A9B84178-1BA2-F4C5-1FC7-94594EBF378C}"/>
+              </a:ext>
+            </a:extLst>
+          </p:cNvPr>
+          <p:cNvSpPr/>
+          <p:nvPr/>
+        </p:nvSpPr>
+        <p:spPr>
+          <a:xfrm>
+            <a:off x="669999" y="1670867"/>
+            <a:ext cx="304394" cy="688315"/>
+          </a:xfrm>
+          <a:prstGeom prst="downArrow">
+            <a:avLst>
+              <a:gd name="adj1" fmla="val 69470"/>
+              <a:gd name="adj2" fmla="val 48837"/>
+            </a:avLst>
+          </a:prstGeom>
+        </p:spPr>
+        <p:style>
+          <a:lnRef idx="1">
+            <a:schemeClr val="accent4"/>
+          </a:lnRef>
+          <a:fillRef idx="3">
+            <a:schemeClr val="accent4"/>
+          </a:fillRef>
+          <a:effectRef idx="2">
+            <a:schemeClr val="accent4"/>
+          </a:effectRef>
+          <a:fontRef idx="minor">
+            <a:schemeClr val="lt1"/>
+          </a:fontRef>
+        </p:style>
+        <p:txBody>
+          <a:bodyPr vert="vert270" rtlCol="0" anchor="ctr"/>
+          <a:lstStyle/>
+          <a:p>
+            <a:pPr algn="ctr">
+              <a:lnSpc>
+                <a:spcPts val="700"/>
+              </a:lnSpc>
+            </a:pPr>
+            <a:r>
+              <a:rPr lang="en-US" altLang="zh-CN" sz="900" dirty="0">
+                <a:solidFill>
+                  <a:schemeClr val="tx1"/>
+                </a:solidFill>
+                <a:latin typeface="Arial" panose="020B0604020202020204" pitchFamily="34" charset="0"/>
+                <a:cs typeface="Arial" panose="020B0604020202020204" pitchFamily="34" charset="0"/>
+              </a:rPr>
+              <a:t>Json Reading</a:t>
+            </a:r>
+            <a:endParaRPr lang="zh-CN" altLang="en-US" sz="900" dirty="0">
+              <a:solidFill>
+                <a:schemeClr val="tx1"/>
+              </a:solidFill>
+              <a:latin typeface="Arial" panose="020B0604020202020204" pitchFamily="34" charset="0"/>
+              <a:cs typeface="Arial" panose="020B0604020202020204" pitchFamily="34" charset="0"/>
+            </a:endParaRPr>
+          </a:p>
+        </p:txBody>
+      </p:sp>
+      <p:sp>
+        <p:nvSpPr>
+          <p:cNvPr id="34" name="矩形: 圆角 33">
+            <a:extLst>
+              <a:ext uri="{FF2B5EF4-FFF2-40B4-BE49-F238E27FC236}">
+                <a16:creationId xmlns:a16="http://schemas.microsoft.com/office/drawing/2014/main" id="{5879E857-3663-E982-B4C2-D3A352B78E15}"/>
+              </a:ext>
+            </a:extLst>
+          </p:cNvPr>
+          <p:cNvSpPr/>
+          <p:nvPr/>
+        </p:nvSpPr>
+        <p:spPr>
+          <a:xfrm flipH="1">
+            <a:off x="1786651" y="1368184"/>
+            <a:ext cx="120311" cy="288320"/>
+          </a:xfrm>
+          <a:prstGeom prst="roundRect">
+            <a:avLst/>
+          </a:prstGeom>
+          <a:solidFill>
+            <a:srgbClr val="BAE5F8">
+              <a:alpha val="86000"/>
+            </a:srgbClr>
+          </a:solidFill>
+          <a:ln w="22225">
+            <a:solidFill>
+              <a:srgbClr val="47C4FC"/>
+            </a:solidFill>
+          </a:ln>
+          <a:effectLst/>
+        </p:spPr>
+        <p:txBody>
+          <a:bodyPr vert="horz" rtlCol="0" anchor="t"/>
+          <a:lstStyle/>
+          <a:p>
+            <a:pPr algn="ctr" defTabSz="914400">
+              <a:lnSpc>
+                <a:spcPts val="2000"/>
+              </a:lnSpc>
+              <a:defRPr/>
+            </a:pPr>
+            <a:endParaRPr lang="zh-CN" altLang="en-US" sz="1100" b="1" kern="0" dirty="0">
+              <a:solidFill>
+                <a:prstClr val="white"/>
+              </a:solidFill>
+              <a:latin typeface="Consolas" panose="020B0609020204030204" pitchFamily="49" charset="0"/>
+              <a:ea typeface="等线" panose="02010600030101010101" pitchFamily="2" charset="-122"/>
+              <a:cs typeface="Times New Roman" panose="02020603050405020304" pitchFamily="18" charset="0"/>
+            </a:endParaRPr>
+          </a:p>
+        </p:txBody>
+      </p:sp>
+      <p:pic>
+        <p:nvPicPr>
+          <p:cNvPr id="67" name="图片 66">
+            <a:extLst>
+              <a:ext uri="{FF2B5EF4-FFF2-40B4-BE49-F238E27FC236}">
+                <a16:creationId xmlns:a16="http://schemas.microsoft.com/office/drawing/2014/main" id="{364C6C30-B0C9-E0F5-7F65-05438FC7244C}"/>
+              </a:ext>
+            </a:extLst>
+          </p:cNvPr>
+          <p:cNvPicPr>
+            <a:picLocks noChangeAspect="1"/>
+          </p:cNvPicPr>
+          <p:nvPr/>
+        </p:nvPicPr>
+        <p:blipFill>
+          <a:blip r:embed="rId2">
+            <a:extLst>
+              <a:ext uri="{28A0092B-C50C-407E-A947-70E740481C1C}">
+                <a14:useLocalDpi xmlns:a14="http://schemas.microsoft.com/office/drawing/2010/main" val="0"/>
+              </a:ext>
+            </a:extLst>
+          </a:blip>
+          <a:stretch>
+            <a:fillRect/>
+          </a:stretch>
+        </p:blipFill>
+        <p:spPr>
+          <a:xfrm>
+            <a:off x="779201" y="762266"/>
+            <a:ext cx="295675" cy="298581"/>
+          </a:xfrm>
+          <a:prstGeom prst="rect">
+            <a:avLst/>
+          </a:prstGeom>
+        </p:spPr>
+      </p:pic>
+      <p:sp>
+        <p:nvSpPr>
+          <p:cNvPr id="37" name="矩形 36">
+            <a:extLst>
+              <a:ext uri="{FF2B5EF4-FFF2-40B4-BE49-F238E27FC236}">
+                <a16:creationId xmlns:a16="http://schemas.microsoft.com/office/drawing/2014/main" id="{2B41B20B-D498-C247-2BF9-21419E36E220}"/>
+              </a:ext>
+            </a:extLst>
+          </p:cNvPr>
+          <p:cNvSpPr/>
+          <p:nvPr/>
+        </p:nvSpPr>
+        <p:spPr>
+          <a:xfrm>
+            <a:off x="2797819" y="430591"/>
+            <a:ext cx="1919768" cy="1820698"/>
+          </a:xfrm>
+          <a:prstGeom prst="rect">
+            <a:avLst/>
+          </a:prstGeom>
+          <a:solidFill>
+            <a:schemeClr val="bg1">
+              <a:lumMod val="95000"/>
+            </a:schemeClr>
+          </a:solidFill>
+          <a:ln w="15875"/>
+        </p:spPr>
+        <p:style>
+          <a:lnRef idx="1">
+            <a:schemeClr val="accent3"/>
+          </a:lnRef>
+          <a:fillRef idx="2">
+            <a:schemeClr val="accent3"/>
+          </a:fillRef>
+          <a:effectRef idx="1">
+            <a:schemeClr val="accent3"/>
+          </a:effectRef>
+          <a:fontRef idx="minor">
+            <a:schemeClr val="dk1"/>
+          </a:fontRef>
+        </p:style>
+        <p:txBody>
+          <a:bodyPr rtlCol="0" anchor="t"/>
+          <a:lstStyle/>
+          <a:p>
+            <a:pPr algn="ctr"/>
+            <a:r>
+              <a:rPr lang="en-US" altLang="zh-CN" sz="1600" b="1" dirty="0">
+                <a:latin typeface="Arial" panose="020B0604020202020204" pitchFamily="34" charset="0"/>
+                <a:cs typeface="Arial" panose="020B0604020202020204" pitchFamily="34" charset="0"/>
+              </a:rPr>
+              <a:t>Edit-time</a:t>
+            </a:r>
+            <a:endParaRPr lang="zh-CN" altLang="en-US" sz="1600" b="1" dirty="0">
+              <a:latin typeface="Arial" panose="020B0604020202020204" pitchFamily="34" charset="0"/>
+              <a:cs typeface="Arial" panose="020B0604020202020204" pitchFamily="34" charset="0"/>
+            </a:endParaRPr>
+          </a:p>
+        </p:txBody>
+      </p:sp>
+      <p:sp>
+        <p:nvSpPr>
+          <p:cNvPr id="59" name="矩形 58">
+            <a:extLst>
+              <a:ext uri="{FF2B5EF4-FFF2-40B4-BE49-F238E27FC236}">
+                <a16:creationId xmlns:a16="http://schemas.microsoft.com/office/drawing/2014/main" id="{1563F1A7-A189-1214-E807-0DF66CE7553B}"/>
+              </a:ext>
+            </a:extLst>
+          </p:cNvPr>
+          <p:cNvSpPr/>
+          <p:nvPr/>
+        </p:nvSpPr>
+        <p:spPr>
+          <a:xfrm>
+            <a:off x="5028626" y="430593"/>
+            <a:ext cx="3246979" cy="1820697"/>
+          </a:xfrm>
+          <a:prstGeom prst="rect">
+            <a:avLst/>
+          </a:prstGeom>
+          <a:solidFill>
+            <a:schemeClr val="bg1">
+              <a:lumMod val="95000"/>
+            </a:schemeClr>
+          </a:solidFill>
+          <a:ln w="15875"/>
+        </p:spPr>
+        <p:style>
+          <a:lnRef idx="1">
+            <a:schemeClr val="accent3"/>
+          </a:lnRef>
+          <a:fillRef idx="2">
+            <a:schemeClr val="accent3"/>
+          </a:fillRef>
+          <a:effectRef idx="1">
+            <a:schemeClr val="accent3"/>
+          </a:effectRef>
+          <a:fontRef idx="minor">
+            <a:schemeClr val="dk1"/>
+          </a:fontRef>
+        </p:style>
+        <p:txBody>
+          <a:bodyPr rtlCol="0" anchor="t"/>
+          <a:lstStyle/>
+          <a:p>
+            <a:pPr algn="ctr"/>
+            <a:r>
+              <a:rPr lang="en-US" altLang="zh-CN" sz="1600" b="1" dirty="0">
+                <a:latin typeface="Arial" panose="020B0604020202020204" pitchFamily="34" charset="0"/>
+                <a:cs typeface="Arial" panose="020B0604020202020204" pitchFamily="34" charset="0"/>
+              </a:rPr>
+              <a:t>Run-time</a:t>
+            </a:r>
+            <a:endParaRPr lang="zh-CN" altLang="en-US" sz="1600" b="1" dirty="0">
+              <a:latin typeface="Arial" panose="020B0604020202020204" pitchFamily="34" charset="0"/>
+              <a:cs typeface="Arial" panose="020B0604020202020204" pitchFamily="34" charset="0"/>
+            </a:endParaRPr>
+          </a:p>
+        </p:txBody>
+      </p:sp>
+      <p:sp>
+        <p:nvSpPr>
+          <p:cNvPr id="60" name="Rectangle: Rounded Corners 169">
+            <a:extLst>
+              <a:ext uri="{FF2B5EF4-FFF2-40B4-BE49-F238E27FC236}">
+                <a16:creationId xmlns:a16="http://schemas.microsoft.com/office/drawing/2014/main" id="{7B1A4A3F-CD68-9FD8-0913-6E0503EF3AA1}"/>
+              </a:ext>
+            </a:extLst>
+          </p:cNvPr>
+          <p:cNvSpPr/>
+          <p:nvPr/>
+        </p:nvSpPr>
+        <p:spPr>
+          <a:xfrm>
+            <a:off x="4361464" y="1855011"/>
+            <a:ext cx="1028533" cy="248250"/>
+          </a:xfrm>
+          <a:prstGeom prst="roundRect">
+            <a:avLst>
+              <a:gd name="adj" fmla="val 29537"/>
+            </a:avLst>
+          </a:prstGeom>
+          <a:solidFill>
+            <a:srgbClr val="F8C100"/>
+          </a:solidFill>
+          <a:ln w="22225" cap="rnd" cmpd="sng" algn="ctr">
+            <a:solidFill>
+              <a:srgbClr val="156082">
+                <a:shade val="15000"/>
+              </a:srgbClr>
+            </a:solidFill>
+            <a:prstDash val="solid"/>
+            <a:miter lim="800000"/>
+          </a:ln>
+          <a:effectLst/>
+        </p:spPr>
+        <p:txBody>
+          <a:bodyPr lIns="91440" tIns="45720" rIns="91440" bIns="45720" rtlCol="0" anchor="ctr"/>
+          <a:lstStyle/>
+          <a:p>
+            <a:pPr algn="ctr" defTabSz="326532">
+              <a:defRPr/>
+            </a:pPr>
+            <a:r>
+              <a:rPr lang="en-US" altLang="zh-CN" sz="1200" b="1" kern="0" dirty="0">
+                <a:solidFill>
+                  <a:prstClr val="black"/>
+                </a:solidFill>
+                <a:latin typeface="Calibri"/>
+                <a:cs typeface="Calibri"/>
+              </a:rPr>
+              <a:t>ID Manager</a:t>
+            </a:r>
+            <a:endParaRPr lang="en-HK" altLang="zh-CN" sz="1200" b="1" kern="0" dirty="0">
+              <a:solidFill>
+                <a:prstClr val="black"/>
+              </a:solidFill>
+              <a:latin typeface="Calibri"/>
+              <a:ea typeface="等线"/>
+              <a:cs typeface="Calibri"/>
+            </a:endParaRPr>
+          </a:p>
+        </p:txBody>
+      </p:sp>
+      <p:sp>
+        <p:nvSpPr>
+          <p:cNvPr id="61" name="任意多边形: 形状 60">
+            <a:extLst>
+              <a:ext uri="{FF2B5EF4-FFF2-40B4-BE49-F238E27FC236}">
+                <a16:creationId xmlns:a16="http://schemas.microsoft.com/office/drawing/2014/main" id="{427A4F8C-987C-4B3B-B16B-8999409D6D85}"/>
+              </a:ext>
+            </a:extLst>
+          </p:cNvPr>
+          <p:cNvSpPr/>
+          <p:nvPr/>
+        </p:nvSpPr>
+        <p:spPr>
+          <a:xfrm>
+            <a:off x="2935679" y="870967"/>
+            <a:ext cx="1463679" cy="1211819"/>
+          </a:xfrm>
+          <a:custGeom>
+            <a:avLst/>
+            <a:gdLst>
+              <a:gd name="connsiteX0" fmla="*/ 574996 w 1742092"/>
+              <a:gd name="connsiteY0" fmla="*/ 775 h 1732694"/>
+              <a:gd name="connsiteX1" fmla="*/ 287129 w 1742092"/>
+              <a:gd name="connsiteY1" fmla="*/ 119308 h 1732694"/>
+              <a:gd name="connsiteX2" fmla="*/ 3496 w 1742092"/>
+              <a:gd name="connsiteY2" fmla="*/ 551108 h 1732694"/>
+              <a:gd name="connsiteX3" fmla="*/ 147429 w 1742092"/>
+              <a:gd name="connsiteY3" fmla="*/ 961742 h 1732694"/>
+              <a:gd name="connsiteX4" fmla="*/ 418363 w 1742092"/>
+              <a:gd name="connsiteY4" fmla="*/ 1152242 h 1732694"/>
+              <a:gd name="connsiteX5" fmla="*/ 431063 w 1742092"/>
+              <a:gd name="connsiteY5" fmla="*/ 1512075 h 1732694"/>
+              <a:gd name="connsiteX6" fmla="*/ 659663 w 1742092"/>
+              <a:gd name="connsiteY6" fmla="*/ 1719508 h 1732694"/>
+              <a:gd name="connsiteX7" fmla="*/ 1082996 w 1742092"/>
+              <a:gd name="connsiteY7" fmla="*/ 1677175 h 1732694"/>
+              <a:gd name="connsiteX8" fmla="*/ 1205763 w 1742092"/>
+              <a:gd name="connsiteY8" fmla="*/ 1397775 h 1732694"/>
+              <a:gd name="connsiteX9" fmla="*/ 1375096 w 1742092"/>
+              <a:gd name="connsiteY9" fmla="*/ 1351208 h 1732694"/>
+              <a:gd name="connsiteX10" fmla="*/ 1679896 w 1742092"/>
+              <a:gd name="connsiteY10" fmla="*/ 1181875 h 1732694"/>
+              <a:gd name="connsiteX11" fmla="*/ 1739163 w 1742092"/>
+              <a:gd name="connsiteY11" fmla="*/ 788175 h 1732694"/>
+              <a:gd name="connsiteX12" fmla="*/ 1629096 w 1742092"/>
+              <a:gd name="connsiteY12" fmla="*/ 309808 h 1732694"/>
+              <a:gd name="connsiteX13" fmla="*/ 1129563 w 1742092"/>
+              <a:gd name="connsiteY13" fmla="*/ 81208 h 1732694"/>
+              <a:gd name="connsiteX14" fmla="*/ 574996 w 1742092"/>
+              <a:gd name="connsiteY14" fmla="*/ 775 h 1732694"/>
+            </a:gdLst>
+            <a:ahLst/>
+            <a:cxnLst>
+              <a:cxn ang="0">
+                <a:pos x="connsiteX0" y="connsiteY0"/>
+              </a:cxn>
+              <a:cxn ang="0">
+                <a:pos x="connsiteX1" y="connsiteY1"/>
+              </a:cxn>
+              <a:cxn ang="0">
+                <a:pos x="connsiteX2" y="connsiteY2"/>
+              </a:cxn>
+              <a:cxn ang="0">
+                <a:pos x="connsiteX3" y="connsiteY3"/>
+              </a:cxn>
+              <a:cxn ang="0">
+                <a:pos x="connsiteX4" y="connsiteY4"/>
+              </a:cxn>
+              <a:cxn ang="0">
+                <a:pos x="connsiteX5" y="connsiteY5"/>
+              </a:cxn>
+              <a:cxn ang="0">
+                <a:pos x="connsiteX6" y="connsiteY6"/>
+              </a:cxn>
+              <a:cxn ang="0">
+                <a:pos x="connsiteX7" y="connsiteY7"/>
+              </a:cxn>
+              <a:cxn ang="0">
+                <a:pos x="connsiteX8" y="connsiteY8"/>
+              </a:cxn>
+              <a:cxn ang="0">
+                <a:pos x="connsiteX9" y="connsiteY9"/>
+              </a:cxn>
+              <a:cxn ang="0">
+                <a:pos x="connsiteX10" y="connsiteY10"/>
+              </a:cxn>
+              <a:cxn ang="0">
+                <a:pos x="connsiteX11" y="connsiteY11"/>
+              </a:cxn>
+              <a:cxn ang="0">
+                <a:pos x="connsiteX12" y="connsiteY12"/>
+              </a:cxn>
+              <a:cxn ang="0">
+                <a:pos x="connsiteX13" y="connsiteY13"/>
+              </a:cxn>
+              <a:cxn ang="0">
+                <a:pos x="connsiteX14" y="connsiteY14"/>
+              </a:cxn>
+            </a:cxnLst>
+            <a:rect l="l" t="t" r="r" b="b"/>
+            <a:pathLst>
+              <a:path w="1742092" h="1732694">
+                <a:moveTo>
+                  <a:pt x="574996" y="775"/>
+                </a:moveTo>
+                <a:cubicBezTo>
+                  <a:pt x="434590" y="7125"/>
+                  <a:pt x="382379" y="27586"/>
+                  <a:pt x="287129" y="119308"/>
+                </a:cubicBezTo>
+                <a:cubicBezTo>
+                  <a:pt x="191879" y="211030"/>
+                  <a:pt x="26779" y="410702"/>
+                  <a:pt x="3496" y="551108"/>
+                </a:cubicBezTo>
+                <a:cubicBezTo>
+                  <a:pt x="-19787" y="691514"/>
+                  <a:pt x="78285" y="861553"/>
+                  <a:pt x="147429" y="961742"/>
+                </a:cubicBezTo>
+                <a:cubicBezTo>
+                  <a:pt x="216573" y="1061931"/>
+                  <a:pt x="371091" y="1060520"/>
+                  <a:pt x="418363" y="1152242"/>
+                </a:cubicBezTo>
+                <a:cubicBezTo>
+                  <a:pt x="465635" y="1243964"/>
+                  <a:pt x="390846" y="1417531"/>
+                  <a:pt x="431063" y="1512075"/>
+                </a:cubicBezTo>
+                <a:cubicBezTo>
+                  <a:pt x="471280" y="1606619"/>
+                  <a:pt x="551008" y="1691991"/>
+                  <a:pt x="659663" y="1719508"/>
+                </a:cubicBezTo>
+                <a:cubicBezTo>
+                  <a:pt x="768318" y="1747025"/>
+                  <a:pt x="991979" y="1730797"/>
+                  <a:pt x="1082996" y="1677175"/>
+                </a:cubicBezTo>
+                <a:cubicBezTo>
+                  <a:pt x="1174013" y="1623553"/>
+                  <a:pt x="1157080" y="1452103"/>
+                  <a:pt x="1205763" y="1397775"/>
+                </a:cubicBezTo>
+                <a:cubicBezTo>
+                  <a:pt x="1254446" y="1343447"/>
+                  <a:pt x="1296074" y="1387191"/>
+                  <a:pt x="1375096" y="1351208"/>
+                </a:cubicBezTo>
+                <a:cubicBezTo>
+                  <a:pt x="1454118" y="1315225"/>
+                  <a:pt x="1619218" y="1275714"/>
+                  <a:pt x="1679896" y="1181875"/>
+                </a:cubicBezTo>
+                <a:cubicBezTo>
+                  <a:pt x="1740574" y="1088036"/>
+                  <a:pt x="1747630" y="933520"/>
+                  <a:pt x="1739163" y="788175"/>
+                </a:cubicBezTo>
+                <a:cubicBezTo>
+                  <a:pt x="1730696" y="642831"/>
+                  <a:pt x="1730696" y="427636"/>
+                  <a:pt x="1629096" y="309808"/>
+                </a:cubicBezTo>
+                <a:cubicBezTo>
+                  <a:pt x="1527496" y="191980"/>
+                  <a:pt x="1303835" y="134830"/>
+                  <a:pt x="1129563" y="81208"/>
+                </a:cubicBezTo>
+                <a:cubicBezTo>
+                  <a:pt x="955291" y="27586"/>
+                  <a:pt x="715402" y="-5575"/>
+                  <a:pt x="574996" y="775"/>
+                </a:cubicBezTo>
+                <a:close/>
+              </a:path>
+            </a:pathLst>
+          </a:custGeom>
+          <a:noFill/>
+          <a:ln w="22225">
+            <a:solidFill>
+              <a:schemeClr val="bg1">
+                <a:lumMod val="50000"/>
+              </a:schemeClr>
+            </a:solidFill>
+            <a:prstDash val="dash"/>
+          </a:ln>
+        </p:spPr>
+        <p:style>
+          <a:lnRef idx="2">
+            <a:schemeClr val="accent1">
+              <a:shade val="15000"/>
+            </a:schemeClr>
+          </a:lnRef>
+          <a:fillRef idx="1">
+            <a:schemeClr val="accent1"/>
+          </a:fillRef>
+          <a:effectRef idx="0">
+            <a:schemeClr val="accent1"/>
+          </a:effectRef>
+          <a:fontRef idx="minor">
+            <a:schemeClr val="lt1"/>
+          </a:fontRef>
+        </p:style>
+        <p:txBody>
+          <a:bodyPr rtlCol="0" anchor="ctr"/>
+          <a:lstStyle/>
+          <a:p>
+            <a:pPr algn="ctr"/>
+            <a:endParaRPr lang="zh-CN" altLang="en-US"/>
+          </a:p>
+        </p:txBody>
+      </p:sp>
+      <p:pic>
+        <p:nvPicPr>
+          <p:cNvPr id="7" name="图片 6">
+            <a:extLst>
+              <a:ext uri="{FF2B5EF4-FFF2-40B4-BE49-F238E27FC236}">
+                <a16:creationId xmlns:a16="http://schemas.microsoft.com/office/drawing/2014/main" id="{C851F23A-B212-6F61-45DB-1E133D065F70}"/>
+              </a:ext>
+            </a:extLst>
+          </p:cNvPr>
+          <p:cNvPicPr>
+            <a:picLocks noChangeAspect="1"/>
+          </p:cNvPicPr>
+          <p:nvPr/>
+        </p:nvPicPr>
+        <p:blipFill>
+          <a:blip r:embed="rId3">
+            <a:extLst>
+              <a:ext uri="{28A0092B-C50C-407E-A947-70E740481C1C}">
+                <a14:useLocalDpi xmlns:a14="http://schemas.microsoft.com/office/drawing/2010/main" val="0"/>
+              </a:ext>
+            </a:extLst>
+          </a:blip>
+          <a:stretch>
+            <a:fillRect/>
+          </a:stretch>
+        </p:blipFill>
+        <p:spPr>
+          <a:xfrm>
+            <a:off x="3072040" y="952030"/>
+            <a:ext cx="534420" cy="534420"/>
+          </a:xfrm>
+          <a:prstGeom prst="rect">
+            <a:avLst/>
+          </a:prstGeom>
+        </p:spPr>
+      </p:pic>
+      <p:grpSp>
+        <p:nvGrpSpPr>
+          <p:cNvPr id="9" name="组合 8">
+            <a:extLst>
+              <a:ext uri="{FF2B5EF4-FFF2-40B4-BE49-F238E27FC236}">
+                <a16:creationId xmlns:a16="http://schemas.microsoft.com/office/drawing/2014/main" id="{FD90DCD9-09EC-7091-7DCF-5078CFCC373E}"/>
+              </a:ext>
+            </a:extLst>
+          </p:cNvPr>
+          <p:cNvGrpSpPr/>
+          <p:nvPr/>
+        </p:nvGrpSpPr>
+        <p:grpSpPr>
+          <a:xfrm>
+            <a:off x="3741711" y="1314623"/>
+            <a:ext cx="436207" cy="438424"/>
+            <a:chOff x="7079832" y="2188987"/>
+            <a:chExt cx="667891" cy="707548"/>
+          </a:xfrm>
+        </p:grpSpPr>
+        <p:pic>
+          <p:nvPicPr>
+            <p:cNvPr id="8" name="图片 7">
+              <a:extLst>
+                <a:ext uri="{FF2B5EF4-FFF2-40B4-BE49-F238E27FC236}">
+                  <a16:creationId xmlns:a16="http://schemas.microsoft.com/office/drawing/2014/main" id="{BFB15308-1C95-913E-B5A2-C58F3554065C}"/>
+                </a:ext>
+              </a:extLst>
+            </p:cNvPr>
+            <p:cNvPicPr>
+              <a:picLocks noChangeAspect="1"/>
+            </p:cNvPicPr>
+            <p:nvPr/>
+          </p:nvPicPr>
+          <p:blipFill>
+            <a:blip r:embed="rId4">
+              <a:extLst>
+                <a:ext uri="{28A0092B-C50C-407E-A947-70E740481C1C}">
+                  <a14:useLocalDpi xmlns:a14="http://schemas.microsoft.com/office/drawing/2010/main" val="0"/>
+                </a:ext>
+              </a:extLst>
+            </a:blip>
+            <a:stretch>
+              <a:fillRect/>
+            </a:stretch>
+          </p:blipFill>
+          <p:spPr>
+            <a:xfrm>
+              <a:off x="7079832" y="2188987"/>
+              <a:ext cx="609600" cy="609600"/>
+            </a:xfrm>
+            <a:prstGeom prst="rect">
+              <a:avLst/>
+            </a:prstGeom>
+          </p:spPr>
+        </p:pic>
+        <p:pic>
+          <p:nvPicPr>
+            <p:cNvPr id="65" name="图片 64">
+              <a:extLst>
+                <a:ext uri="{FF2B5EF4-FFF2-40B4-BE49-F238E27FC236}">
+                  <a16:creationId xmlns:a16="http://schemas.microsoft.com/office/drawing/2014/main" id="{DF6B10AA-5573-2514-33DE-E32B0FD8088F}"/>
+                </a:ext>
+              </a:extLst>
+            </p:cNvPr>
+            <p:cNvPicPr>
+              <a:picLocks noChangeAspect="1"/>
+            </p:cNvPicPr>
+            <p:nvPr/>
+          </p:nvPicPr>
+          <p:blipFill>
+            <a:blip r:embed="rId5">
+              <a:extLst>
+                <a:ext uri="{28A0092B-C50C-407E-A947-70E740481C1C}">
+                  <a14:useLocalDpi xmlns:a14="http://schemas.microsoft.com/office/drawing/2010/main" val="0"/>
+                </a:ext>
+              </a:extLst>
+            </a:blip>
+            <a:stretch>
+              <a:fillRect/>
+            </a:stretch>
+          </p:blipFill>
+          <p:spPr>
+            <a:xfrm>
+              <a:off x="7423094" y="2571906"/>
+              <a:ext cx="324629" cy="324629"/>
+            </a:xfrm>
+            <a:prstGeom prst="rect">
+              <a:avLst/>
+            </a:prstGeom>
+          </p:spPr>
+        </p:pic>
+      </p:grpSp>
+      <p:pic>
+        <p:nvPicPr>
+          <p:cNvPr id="10" name="图片 9">
+            <a:extLst>
+              <a:ext uri="{FF2B5EF4-FFF2-40B4-BE49-F238E27FC236}">
+                <a16:creationId xmlns:a16="http://schemas.microsoft.com/office/drawing/2014/main" id="{58D2D5BB-BF13-1DAF-FC0C-7694F90F4C2A}"/>
+              </a:ext>
+            </a:extLst>
+          </p:cNvPr>
+          <p:cNvPicPr>
+            <a:picLocks noChangeAspect="1"/>
+          </p:cNvPicPr>
+          <p:nvPr/>
+        </p:nvPicPr>
+        <p:blipFill>
+          <a:blip r:embed="rId4">
+            <a:extLst>
+              <a:ext uri="{28A0092B-C50C-407E-A947-70E740481C1C}">
+                <a14:useLocalDpi xmlns:a14="http://schemas.microsoft.com/office/drawing/2010/main" val="0"/>
+              </a:ext>
+            </a:extLst>
+          </a:blip>
+          <a:stretch>
+            <a:fillRect/>
+          </a:stretch>
+        </p:blipFill>
+        <p:spPr>
+          <a:xfrm>
+            <a:off x="3346534" y="1573648"/>
+            <a:ext cx="410725" cy="410725"/>
+          </a:xfrm>
+          <a:prstGeom prst="rect">
+            <a:avLst/>
+          </a:prstGeom>
+        </p:spPr>
+      </p:pic>
+      <p:grpSp>
+        <p:nvGrpSpPr>
+          <p:cNvPr id="66" name="组合 65">
+            <a:extLst>
+              <a:ext uri="{FF2B5EF4-FFF2-40B4-BE49-F238E27FC236}">
+                <a16:creationId xmlns:a16="http://schemas.microsoft.com/office/drawing/2014/main" id="{84693A73-FF42-5796-33D3-784B72DEF7E2}"/>
+              </a:ext>
+            </a:extLst>
+          </p:cNvPr>
+          <p:cNvGrpSpPr/>
+          <p:nvPr/>
+        </p:nvGrpSpPr>
+        <p:grpSpPr>
+          <a:xfrm>
+            <a:off x="5997873" y="1210035"/>
+            <a:ext cx="436207" cy="438424"/>
+            <a:chOff x="7079832" y="2188987"/>
+            <a:chExt cx="667891" cy="707548"/>
+          </a:xfrm>
+        </p:grpSpPr>
+        <p:pic>
+          <p:nvPicPr>
+            <p:cNvPr id="69" name="图片 68">
+              <a:extLst>
+                <a:ext uri="{FF2B5EF4-FFF2-40B4-BE49-F238E27FC236}">
+                  <a16:creationId xmlns:a16="http://schemas.microsoft.com/office/drawing/2014/main" id="{00D793F1-3E8D-5D11-B4B2-218C2C461FD6}"/>
+                </a:ext>
+              </a:extLst>
+            </p:cNvPr>
+            <p:cNvPicPr>
+              <a:picLocks noChangeAspect="1"/>
+            </p:cNvPicPr>
+            <p:nvPr/>
+          </p:nvPicPr>
+          <p:blipFill>
+            <a:blip r:embed="rId4">
+              <a:extLst>
+                <a:ext uri="{28A0092B-C50C-407E-A947-70E740481C1C}">
+                  <a14:useLocalDpi xmlns:a14="http://schemas.microsoft.com/office/drawing/2010/main" val="0"/>
+                </a:ext>
+              </a:extLst>
+            </a:blip>
+            <a:stretch>
+              <a:fillRect/>
+            </a:stretch>
+          </p:blipFill>
+          <p:spPr>
+            <a:xfrm>
+              <a:off x="7079832" y="2188987"/>
+              <a:ext cx="609600" cy="609600"/>
+            </a:xfrm>
+            <a:prstGeom prst="rect">
+              <a:avLst/>
+            </a:prstGeom>
+          </p:spPr>
+        </p:pic>
+        <p:pic>
+          <p:nvPicPr>
+            <p:cNvPr id="70" name="图片 69">
+              <a:extLst>
+                <a:ext uri="{FF2B5EF4-FFF2-40B4-BE49-F238E27FC236}">
+                  <a16:creationId xmlns:a16="http://schemas.microsoft.com/office/drawing/2014/main" id="{617FD9A3-C753-A926-1C82-6EF1A232C29B}"/>
+                </a:ext>
+              </a:extLst>
+            </p:cNvPr>
+            <p:cNvPicPr>
+              <a:picLocks noChangeAspect="1"/>
+            </p:cNvPicPr>
+            <p:nvPr/>
+          </p:nvPicPr>
+          <p:blipFill>
+            <a:blip r:embed="rId5">
+              <a:extLst>
+                <a:ext uri="{28A0092B-C50C-407E-A947-70E740481C1C}">
+                  <a14:useLocalDpi xmlns:a14="http://schemas.microsoft.com/office/drawing/2010/main" val="0"/>
+                </a:ext>
+              </a:extLst>
+            </a:blip>
+            <a:stretch>
+              <a:fillRect/>
+            </a:stretch>
+          </p:blipFill>
+          <p:spPr>
+            <a:xfrm>
+              <a:off x="7423094" y="2571906"/>
+              <a:ext cx="324629" cy="324629"/>
+            </a:xfrm>
+            <a:prstGeom prst="rect">
+              <a:avLst/>
+            </a:prstGeom>
+          </p:spPr>
+        </p:pic>
+      </p:grpSp>
+      <p:pic>
+        <p:nvPicPr>
+          <p:cNvPr id="71" name="图片 70">
+            <a:extLst>
+              <a:ext uri="{FF2B5EF4-FFF2-40B4-BE49-F238E27FC236}">
+                <a16:creationId xmlns:a16="http://schemas.microsoft.com/office/drawing/2014/main" id="{C4D0253C-3131-F1A7-3743-08F8217A397F}"/>
+              </a:ext>
+            </a:extLst>
+          </p:cNvPr>
+          <p:cNvPicPr>
+            <a:picLocks noChangeAspect="1"/>
+          </p:cNvPicPr>
+          <p:nvPr/>
+        </p:nvPicPr>
+        <p:blipFill>
+          <a:blip r:embed="rId4">
+            <a:extLst>
+              <a:ext uri="{28A0092B-C50C-407E-A947-70E740481C1C}">
+                <a14:useLocalDpi xmlns:a14="http://schemas.microsoft.com/office/drawing/2010/main" val="0"/>
+              </a:ext>
+            </a:extLst>
+          </a:blip>
+          <a:stretch>
+            <a:fillRect/>
+          </a:stretch>
+        </p:blipFill>
+        <p:spPr>
+          <a:xfrm>
+            <a:off x="5602696" y="1469060"/>
+            <a:ext cx="410725" cy="410725"/>
+          </a:xfrm>
+          <a:prstGeom prst="rect">
+            <a:avLst/>
+          </a:prstGeom>
+        </p:spPr>
+      </p:pic>
+      <p:pic>
+        <p:nvPicPr>
+          <p:cNvPr id="72" name="图片 71">
+            <a:extLst>
+              <a:ext uri="{FF2B5EF4-FFF2-40B4-BE49-F238E27FC236}">
+                <a16:creationId xmlns:a16="http://schemas.microsoft.com/office/drawing/2014/main" id="{9F2FD329-0458-D723-29F1-49E8213E26AD}"/>
+              </a:ext>
+            </a:extLst>
+          </p:cNvPr>
+          <p:cNvPicPr>
+            <a:picLocks noChangeAspect="1"/>
+          </p:cNvPicPr>
+          <p:nvPr/>
+        </p:nvPicPr>
+        <p:blipFill>
+          <a:blip r:embed="rId4">
+            <a:extLst>
+              <a:ext uri="{28A0092B-C50C-407E-A947-70E740481C1C}">
+                <a14:useLocalDpi xmlns:a14="http://schemas.microsoft.com/office/drawing/2010/main" val="0"/>
+              </a:ext>
+            </a:extLst>
+          </a:blip>
+          <a:stretch>
+            <a:fillRect/>
+          </a:stretch>
+        </p:blipFill>
+        <p:spPr>
+          <a:xfrm>
+            <a:off x="5272622" y="888221"/>
+            <a:ext cx="590507" cy="590507"/>
+          </a:xfrm>
+          <a:prstGeom prst="rect">
+            <a:avLst/>
+          </a:prstGeom>
+        </p:spPr>
+      </p:pic>
+      <p:pic>
+        <p:nvPicPr>
+          <p:cNvPr id="74" name="图片 73">
+            <a:extLst>
+              <a:ext uri="{FF2B5EF4-FFF2-40B4-BE49-F238E27FC236}">
+                <a16:creationId xmlns:a16="http://schemas.microsoft.com/office/drawing/2014/main" id="{27A27905-B797-6B25-5081-85721414C157}"/>
+              </a:ext>
+            </a:extLst>
+          </p:cNvPr>
+          <p:cNvPicPr>
+            <a:picLocks noChangeAspect="1"/>
+          </p:cNvPicPr>
+          <p:nvPr/>
+        </p:nvPicPr>
+        <p:blipFill>
+          <a:blip r:embed="rId6">
+            <a:extLst>
+              <a:ext uri="{28A0092B-C50C-407E-A947-70E740481C1C}">
+                <a14:useLocalDpi xmlns:a14="http://schemas.microsoft.com/office/drawing/2010/main" val="0"/>
+              </a:ext>
+            </a:extLst>
+          </a:blip>
+          <a:stretch>
+            <a:fillRect/>
+          </a:stretch>
+        </p:blipFill>
+        <p:spPr>
+          <a:xfrm>
+            <a:off x="5923570" y="472199"/>
+            <a:ext cx="263054" cy="263054"/>
+          </a:xfrm>
+          <a:prstGeom prst="rect">
+            <a:avLst/>
+          </a:prstGeom>
+        </p:spPr>
+      </p:pic>
+      <p:sp>
+        <p:nvSpPr>
+          <p:cNvPr id="76" name="箭头: 直角上 75">
+            <a:extLst>
+              <a:ext uri="{FF2B5EF4-FFF2-40B4-BE49-F238E27FC236}">
+                <a16:creationId xmlns:a16="http://schemas.microsoft.com/office/drawing/2014/main" id="{A067C79C-4D99-D329-68A8-CA136DADAF56}"/>
+              </a:ext>
+            </a:extLst>
+          </p:cNvPr>
+          <p:cNvSpPr/>
+          <p:nvPr/>
+        </p:nvSpPr>
+        <p:spPr>
+          <a:xfrm>
+            <a:off x="1949574" y="2133227"/>
+            <a:ext cx="2848892" cy="410936"/>
+          </a:xfrm>
+          <a:prstGeom prst="bentUpArrow">
+            <a:avLst>
+              <a:gd name="adj1" fmla="val 26040"/>
+              <a:gd name="adj2" fmla="val 30918"/>
+              <a:gd name="adj3" fmla="val 36773"/>
+            </a:avLst>
+          </a:prstGeom>
+        </p:spPr>
+        <p:style>
+          <a:lnRef idx="1">
+            <a:schemeClr val="accent4"/>
+          </a:lnRef>
+          <a:fillRef idx="3">
+            <a:schemeClr val="accent4"/>
+          </a:fillRef>
+          <a:effectRef idx="2">
+            <a:schemeClr val="accent4"/>
+          </a:effectRef>
+          <a:fontRef idx="minor">
+            <a:schemeClr val="lt1"/>
+          </a:fontRef>
+        </p:style>
+        <p:txBody>
+          <a:bodyPr rtlCol="0" anchor="ctr"/>
+          <a:lstStyle/>
+          <a:p>
+            <a:pPr algn="r"/>
+            <a:r>
+              <a:rPr lang="en-US" altLang="zh-CN" sz="1200" dirty="0">
+                <a:solidFill>
+                  <a:schemeClr val="tx1"/>
+                </a:solidFill>
+                <a:latin typeface="Arial" panose="020B0604020202020204" pitchFamily="34" charset="0"/>
+                <a:cs typeface="Arial" panose="020B0604020202020204" pitchFamily="34" charset="0"/>
+              </a:rPr>
+              <a:t>ID Registration</a:t>
+            </a:r>
+          </a:p>
+        </p:txBody>
+      </p:sp>
+      <p:sp>
+        <p:nvSpPr>
+          <p:cNvPr id="94" name="箭头: 直角上 93">
+            <a:extLst>
+              <a:ext uri="{FF2B5EF4-FFF2-40B4-BE49-F238E27FC236}">
+                <a16:creationId xmlns:a16="http://schemas.microsoft.com/office/drawing/2014/main" id="{BD83ABAC-ECEF-5C69-AE80-153D0BDE1CB4}"/>
+              </a:ext>
+            </a:extLst>
+          </p:cNvPr>
+          <p:cNvSpPr/>
+          <p:nvPr/>
+        </p:nvSpPr>
+        <p:spPr>
+          <a:xfrm>
+            <a:off x="1949574" y="1990511"/>
+            <a:ext cx="5873062" cy="699978"/>
+          </a:xfrm>
+          <a:prstGeom prst="bentUpArrow">
+            <a:avLst>
+              <a:gd name="adj1" fmla="val 15820"/>
+              <a:gd name="adj2" fmla="val 21337"/>
+              <a:gd name="adj3" fmla="val 32089"/>
+            </a:avLst>
+          </a:prstGeom>
+        </p:spPr>
+        <p:style>
+          <a:lnRef idx="1">
+            <a:schemeClr val="accent4"/>
+          </a:lnRef>
+          <a:fillRef idx="3">
+            <a:schemeClr val="accent4"/>
+          </a:fillRef>
+          <a:effectRef idx="2">
+            <a:schemeClr val="accent4"/>
+          </a:effectRef>
+          <a:fontRef idx="minor">
+            <a:schemeClr val="lt1"/>
+          </a:fontRef>
+        </p:style>
+        <p:txBody>
+          <a:bodyPr rtlCol="0" anchor="ctr"/>
+          <a:lstStyle/>
+          <a:p>
+            <a:pPr algn="ctr"/>
+            <a:r>
+              <a:rPr lang="en-US" altLang="zh-CN" sz="1200" dirty="0">
+                <a:solidFill>
+                  <a:schemeClr val="tx1"/>
+                </a:solidFill>
+                <a:latin typeface="Arial" panose="020B0604020202020204" pitchFamily="34" charset="0"/>
+                <a:cs typeface="Arial" panose="020B0604020202020204" pitchFamily="34" charset="0"/>
+              </a:rPr>
+              <a:t>Action Loading</a:t>
+            </a:r>
+          </a:p>
+        </p:txBody>
+      </p:sp>
+      <p:sp>
+        <p:nvSpPr>
+          <p:cNvPr id="54" name="Rectangle: Rounded Corners 169">
+            <a:extLst>
+              <a:ext uri="{FF2B5EF4-FFF2-40B4-BE49-F238E27FC236}">
+                <a16:creationId xmlns:a16="http://schemas.microsoft.com/office/drawing/2014/main" id="{C5CA8CAF-E495-770E-7009-D51FBB66B7C0}"/>
+              </a:ext>
+            </a:extLst>
+          </p:cNvPr>
+          <p:cNvSpPr/>
+          <p:nvPr/>
+        </p:nvSpPr>
+        <p:spPr>
+          <a:xfrm>
+            <a:off x="2291971" y="2325074"/>
+            <a:ext cx="976854" cy="427096"/>
+          </a:xfrm>
+          <a:prstGeom prst="roundRect">
+            <a:avLst>
+              <a:gd name="adj" fmla="val 24229"/>
+            </a:avLst>
+          </a:prstGeom>
+          <a:solidFill>
+            <a:srgbClr val="FFC000"/>
+          </a:solidFill>
+          <a:ln w="22225" cap="rnd" cmpd="sng" algn="ctr">
+            <a:solidFill>
+              <a:srgbClr val="156082">
+                <a:shade val="15000"/>
+              </a:srgbClr>
+            </a:solidFill>
+            <a:prstDash val="solid"/>
+            <a:miter lim="800000"/>
+          </a:ln>
+          <a:effectLst/>
+        </p:spPr>
+        <p:txBody>
+          <a:bodyPr lIns="91440" tIns="45720" rIns="91440" bIns="45720" rtlCol="0" anchor="ctr"/>
+          <a:lstStyle/>
+          <a:p>
+            <a:pPr algn="ctr" defTabSz="326532">
+              <a:lnSpc>
+                <a:spcPts val="1300"/>
+              </a:lnSpc>
+              <a:defRPr/>
+            </a:pPr>
+            <a:r>
+              <a:rPr lang="en-US" altLang="zh-CN" sz="1400" b="1" kern="0" dirty="0">
+                <a:solidFill>
+                  <a:prstClr val="black"/>
+                </a:solidFill>
+                <a:latin typeface="Calibri"/>
+                <a:cs typeface="Calibri"/>
+              </a:rPr>
+              <a:t>Action Manager</a:t>
+            </a:r>
+            <a:endParaRPr lang="en-HK" altLang="zh-CN" sz="1400" b="1" kern="0" dirty="0">
+              <a:solidFill>
+                <a:prstClr val="black"/>
+              </a:solidFill>
+              <a:latin typeface="Calibri"/>
+              <a:ea typeface="等线"/>
+              <a:cs typeface="Calibri"/>
+            </a:endParaRPr>
+          </a:p>
+        </p:txBody>
+      </p:sp>
+      <p:grpSp>
+        <p:nvGrpSpPr>
+          <p:cNvPr id="99" name="组合 98">
+            <a:extLst>
+              <a:ext uri="{FF2B5EF4-FFF2-40B4-BE49-F238E27FC236}">
+                <a16:creationId xmlns:a16="http://schemas.microsoft.com/office/drawing/2014/main" id="{810B0CF5-B1B1-B8BB-C394-32D372ECCF32}"/>
+              </a:ext>
+            </a:extLst>
+          </p:cNvPr>
+          <p:cNvGrpSpPr/>
+          <p:nvPr/>
+        </p:nvGrpSpPr>
+        <p:grpSpPr>
+          <a:xfrm>
+            <a:off x="4828615" y="1998394"/>
+            <a:ext cx="2697761" cy="545128"/>
+            <a:chOff x="4351210" y="4175737"/>
+            <a:chExt cx="4025020" cy="583570"/>
+          </a:xfrm>
+        </p:grpSpPr>
+        <p:sp>
+          <p:nvSpPr>
+            <p:cNvPr id="98" name="箭头: 直角上 97">
+              <a:extLst>
+                <a:ext uri="{FF2B5EF4-FFF2-40B4-BE49-F238E27FC236}">
+                  <a16:creationId xmlns:a16="http://schemas.microsoft.com/office/drawing/2014/main" id="{298F7437-65A7-C1DB-0710-6C03A6B15F18}"/>
+                </a:ext>
+              </a:extLst>
+            </p:cNvPr>
+            <p:cNvSpPr/>
+            <p:nvPr/>
+          </p:nvSpPr>
+          <p:spPr>
+            <a:xfrm>
+              <a:off x="5172720" y="4175737"/>
+              <a:ext cx="3203510" cy="583570"/>
+            </a:xfrm>
+            <a:prstGeom prst="bentUpArrow">
+              <a:avLst>
+                <a:gd name="adj1" fmla="val 18326"/>
+                <a:gd name="adj2" fmla="val 23204"/>
+                <a:gd name="adj3" fmla="val 40079"/>
+              </a:avLst>
+            </a:prstGeom>
+          </p:spPr>
+          <p:style>
+            <a:lnRef idx="1">
+              <a:schemeClr val="accent4"/>
+            </a:lnRef>
+            <a:fillRef idx="3">
+              <a:schemeClr val="accent4"/>
+            </a:fillRef>
+            <a:effectRef idx="2">
+              <a:schemeClr val="accent4"/>
+            </a:effectRef>
+            <a:fontRef idx="minor">
+              <a:schemeClr val="lt1"/>
+            </a:fontRef>
+          </p:style>
+          <p:txBody>
+            <a:bodyPr rtlCol="0" anchor="ctr"/>
+            <a:lstStyle/>
+            <a:p>
+              <a:endParaRPr lang="zh-CN" altLang="en-US" sz="1200" b="1" dirty="0">
+                <a:solidFill>
+                  <a:schemeClr val="tx1"/>
+                </a:solidFill>
+                <a:latin typeface="Arial" panose="020B0604020202020204" pitchFamily="34" charset="0"/>
+                <a:cs typeface="Arial" panose="020B0604020202020204" pitchFamily="34" charset="0"/>
+              </a:endParaRPr>
+            </a:p>
+          </p:txBody>
+        </p:sp>
+        <p:sp>
+          <p:nvSpPr>
+            <p:cNvPr id="96" name="箭头: 直角上 95">
+              <a:extLst>
+                <a:ext uri="{FF2B5EF4-FFF2-40B4-BE49-F238E27FC236}">
+                  <a16:creationId xmlns:a16="http://schemas.microsoft.com/office/drawing/2014/main" id="{535D9ADB-E6C6-0789-90F1-6B2B862F8D39}"/>
+                </a:ext>
+              </a:extLst>
+            </p:cNvPr>
+            <p:cNvSpPr/>
+            <p:nvPr/>
+          </p:nvSpPr>
+          <p:spPr>
+            <a:xfrm flipH="1">
+              <a:off x="4351210" y="4348371"/>
+              <a:ext cx="3608660" cy="410936"/>
+            </a:xfrm>
+            <a:prstGeom prst="bentUpArrow">
+              <a:avLst>
+                <a:gd name="adj1" fmla="val 26040"/>
+                <a:gd name="adj2" fmla="val 30918"/>
+                <a:gd name="adj3" fmla="val 36773"/>
+              </a:avLst>
+            </a:prstGeom>
+          </p:spPr>
+          <p:style>
+            <a:lnRef idx="1">
+              <a:schemeClr val="accent4"/>
+            </a:lnRef>
+            <a:fillRef idx="3">
+              <a:schemeClr val="accent4"/>
+            </a:fillRef>
+            <a:effectRef idx="2">
+              <a:schemeClr val="accent4"/>
+            </a:effectRef>
+            <a:fontRef idx="minor">
+              <a:schemeClr val="lt1"/>
+            </a:fontRef>
+          </p:style>
+          <p:txBody>
+            <a:bodyPr rtlCol="0" anchor="ctr"/>
+            <a:lstStyle/>
+            <a:p>
+              <a:r>
+                <a:rPr lang="en-US" altLang="zh-CN" sz="1200" dirty="0">
+                  <a:solidFill>
+                    <a:schemeClr val="tx1"/>
+                  </a:solidFill>
+                  <a:latin typeface="Arial" panose="020B0604020202020204" pitchFamily="34" charset="0"/>
+                  <a:cs typeface="Arial" panose="020B0604020202020204" pitchFamily="34" charset="0"/>
+                </a:rPr>
+                <a:t>ID Searching</a:t>
+              </a:r>
+              <a:endParaRPr lang="zh-CN" altLang="en-US" sz="1200" dirty="0">
+                <a:solidFill>
+                  <a:schemeClr val="tx1"/>
+                </a:solidFill>
+                <a:latin typeface="Arial" panose="020B0604020202020204" pitchFamily="34" charset="0"/>
+                <a:cs typeface="Arial" panose="020B0604020202020204" pitchFamily="34" charset="0"/>
+              </a:endParaRPr>
+            </a:p>
+          </p:txBody>
+        </p:sp>
+      </p:grpSp>
+      <p:grpSp>
+        <p:nvGrpSpPr>
+          <p:cNvPr id="19" name="组合 18">
+            <a:extLst>
+              <a:ext uri="{FF2B5EF4-FFF2-40B4-BE49-F238E27FC236}">
+                <a16:creationId xmlns:a16="http://schemas.microsoft.com/office/drawing/2014/main" id="{DE0603A2-DF65-08D3-C2D2-C3FB7AFB33C2}"/>
+              </a:ext>
+            </a:extLst>
+          </p:cNvPr>
+          <p:cNvGrpSpPr/>
+          <p:nvPr/>
+        </p:nvGrpSpPr>
+        <p:grpSpPr>
+          <a:xfrm>
+            <a:off x="732181" y="2385148"/>
+            <a:ext cx="1216473" cy="334666"/>
+            <a:chOff x="732181" y="2385148"/>
+            <a:chExt cx="1216473" cy="334666"/>
+          </a:xfrm>
+        </p:grpSpPr>
+        <p:sp>
+          <p:nvSpPr>
+            <p:cNvPr id="335" name="矩形: 圆角 334">
+              <a:extLst>
+                <a:ext uri="{FF2B5EF4-FFF2-40B4-BE49-F238E27FC236}">
+                  <a16:creationId xmlns:a16="http://schemas.microsoft.com/office/drawing/2014/main" id="{98A65052-1764-D2FD-C0D0-B0DD64DD2002}"/>
+                </a:ext>
+              </a:extLst>
+            </p:cNvPr>
+            <p:cNvSpPr/>
+            <p:nvPr/>
+          </p:nvSpPr>
+          <p:spPr>
+            <a:xfrm flipH="1">
+              <a:off x="732181" y="2385148"/>
+              <a:ext cx="130009" cy="334666"/>
+            </a:xfrm>
+            <a:prstGeom prst="roundRect">
+              <a:avLst/>
+            </a:prstGeom>
+            <a:solidFill>
+              <a:srgbClr val="47C4FC">
+                <a:alpha val="80000"/>
+              </a:srgbClr>
+            </a:solidFill>
+            <a:ln w="12700" cap="flat" cmpd="sng" algn="ctr">
+              <a:solidFill>
+                <a:srgbClr val="15B4FB"/>
+              </a:solidFill>
+              <a:prstDash val="solid"/>
+              <a:miter lim="800000"/>
+            </a:ln>
+            <a:effectLst/>
+          </p:spPr>
+          <p:txBody>
+            <a:bodyPr vert="horz" rtlCol="0" anchor="t"/>
+            <a:lstStyle/>
+            <a:p>
+              <a:pPr algn="ctr" defTabSz="914400">
+                <a:lnSpc>
+                  <a:spcPts val="2000"/>
+                </a:lnSpc>
+                <a:defRPr/>
+              </a:pPr>
+              <a:endParaRPr lang="zh-CN" altLang="en-US" sz="1600" b="1" kern="0" dirty="0">
+                <a:solidFill>
+                  <a:prstClr val="white"/>
+                </a:solidFill>
+                <a:latin typeface="Consolas" panose="020B0609020204030204" pitchFamily="49" charset="0"/>
+                <a:ea typeface="等线" panose="02010600030101010101" pitchFamily="2" charset="-122"/>
+                <a:cs typeface="Times New Roman" panose="02020603050405020304" pitchFamily="18" charset="0"/>
+              </a:endParaRPr>
+            </a:p>
+          </p:txBody>
+        </p:sp>
+        <p:sp>
+          <p:nvSpPr>
+            <p:cNvPr id="336" name="矩形: 圆角 335">
+              <a:extLst>
+                <a:ext uri="{FF2B5EF4-FFF2-40B4-BE49-F238E27FC236}">
+                  <a16:creationId xmlns:a16="http://schemas.microsoft.com/office/drawing/2014/main" id="{3A6C251F-102D-21E8-B7F7-AF274228D95C}"/>
+                </a:ext>
+              </a:extLst>
+            </p:cNvPr>
+            <p:cNvSpPr/>
+            <p:nvPr/>
+          </p:nvSpPr>
+          <p:spPr>
+            <a:xfrm flipH="1">
+              <a:off x="887390" y="2385148"/>
+              <a:ext cx="130009" cy="334666"/>
+            </a:xfrm>
+            <a:prstGeom prst="roundRect">
+              <a:avLst/>
+            </a:prstGeom>
+            <a:solidFill>
+              <a:srgbClr val="47C4FC">
+                <a:alpha val="80000"/>
+              </a:srgbClr>
+            </a:solidFill>
+            <a:ln w="12700" cap="flat" cmpd="sng" algn="ctr">
+              <a:solidFill>
+                <a:srgbClr val="15B4FB"/>
+              </a:solidFill>
+              <a:prstDash val="solid"/>
+              <a:miter lim="800000"/>
+            </a:ln>
+            <a:effectLst/>
+          </p:spPr>
+          <p:txBody>
+            <a:bodyPr vert="horz" rtlCol="0" anchor="t"/>
+            <a:lstStyle/>
+            <a:p>
+              <a:pPr algn="ctr" defTabSz="914400">
+                <a:lnSpc>
+                  <a:spcPts val="2000"/>
+                </a:lnSpc>
+                <a:defRPr/>
+              </a:pPr>
+              <a:endParaRPr lang="zh-CN" altLang="en-US" sz="1600" b="1" kern="0" dirty="0">
+                <a:solidFill>
+                  <a:prstClr val="white"/>
+                </a:solidFill>
+                <a:latin typeface="Consolas" panose="020B0609020204030204" pitchFamily="49" charset="0"/>
+                <a:ea typeface="等线" panose="02010600030101010101" pitchFamily="2" charset="-122"/>
+                <a:cs typeface="Times New Roman" panose="02020603050405020304" pitchFamily="18" charset="0"/>
+              </a:endParaRPr>
+            </a:p>
+          </p:txBody>
+        </p:sp>
+        <p:sp>
+          <p:nvSpPr>
+            <p:cNvPr id="337" name="矩形: 圆角 336">
+              <a:extLst>
+                <a:ext uri="{FF2B5EF4-FFF2-40B4-BE49-F238E27FC236}">
+                  <a16:creationId xmlns:a16="http://schemas.microsoft.com/office/drawing/2014/main" id="{3943820D-5DC5-117C-16C5-8392F9BECB0A}"/>
+                </a:ext>
+              </a:extLst>
+            </p:cNvPr>
+            <p:cNvSpPr/>
+            <p:nvPr/>
+          </p:nvSpPr>
+          <p:spPr>
+            <a:xfrm flipH="1">
+              <a:off x="1042599" y="2385148"/>
+              <a:ext cx="130009" cy="334666"/>
+            </a:xfrm>
+            <a:prstGeom prst="roundRect">
+              <a:avLst/>
+            </a:prstGeom>
+            <a:solidFill>
+              <a:srgbClr val="47C4FC">
+                <a:alpha val="80000"/>
+              </a:srgbClr>
+            </a:solidFill>
+            <a:ln w="12700" cap="flat" cmpd="sng" algn="ctr">
+              <a:solidFill>
+                <a:srgbClr val="15B4FB"/>
+              </a:solidFill>
+              <a:prstDash val="solid"/>
+              <a:miter lim="800000"/>
+            </a:ln>
+            <a:effectLst/>
+          </p:spPr>
+          <p:txBody>
+            <a:bodyPr vert="horz" rtlCol="0" anchor="t"/>
+            <a:lstStyle/>
+            <a:p>
+              <a:pPr algn="ctr" defTabSz="914400">
+                <a:lnSpc>
+                  <a:spcPts val="2000"/>
+                </a:lnSpc>
+                <a:defRPr/>
+              </a:pPr>
+              <a:endParaRPr lang="zh-CN" altLang="en-US" sz="1600" b="1" kern="0" dirty="0">
+                <a:solidFill>
+                  <a:prstClr val="white"/>
+                </a:solidFill>
+                <a:latin typeface="Consolas" panose="020B0609020204030204" pitchFamily="49" charset="0"/>
+                <a:ea typeface="等线" panose="02010600030101010101" pitchFamily="2" charset="-122"/>
+                <a:cs typeface="Times New Roman" panose="02020603050405020304" pitchFamily="18" charset="0"/>
+              </a:endParaRPr>
+            </a:p>
+          </p:txBody>
+        </p:sp>
+        <p:sp>
+          <p:nvSpPr>
+            <p:cNvPr id="338" name="矩形: 圆角 337">
+              <a:extLst>
+                <a:ext uri="{FF2B5EF4-FFF2-40B4-BE49-F238E27FC236}">
+                  <a16:creationId xmlns:a16="http://schemas.microsoft.com/office/drawing/2014/main" id="{4F6D6188-0AE8-302D-E515-134351189208}"/>
+                </a:ext>
+              </a:extLst>
+            </p:cNvPr>
+            <p:cNvSpPr/>
+            <p:nvPr/>
+          </p:nvSpPr>
+          <p:spPr>
+            <a:xfrm flipH="1">
+              <a:off x="1197808" y="2385148"/>
+              <a:ext cx="130009" cy="334666"/>
+            </a:xfrm>
+            <a:prstGeom prst="roundRect">
+              <a:avLst/>
+            </a:prstGeom>
+            <a:solidFill>
+              <a:srgbClr val="47C4FC">
+                <a:alpha val="80000"/>
+              </a:srgbClr>
+            </a:solidFill>
+            <a:ln w="12700" cap="flat" cmpd="sng" algn="ctr">
+              <a:solidFill>
+                <a:srgbClr val="15B4FB"/>
+              </a:solidFill>
+              <a:prstDash val="solid"/>
+              <a:miter lim="800000"/>
+            </a:ln>
+            <a:effectLst/>
+          </p:spPr>
+          <p:txBody>
+            <a:bodyPr vert="horz" rtlCol="0" anchor="t"/>
+            <a:lstStyle/>
+            <a:p>
+              <a:pPr algn="ctr" defTabSz="914400">
+                <a:lnSpc>
+                  <a:spcPts val="2000"/>
+                </a:lnSpc>
+                <a:defRPr/>
+              </a:pPr>
+              <a:endParaRPr lang="zh-CN" altLang="en-US" sz="1600" b="1" kern="0" dirty="0">
+                <a:solidFill>
+                  <a:prstClr val="white"/>
+                </a:solidFill>
+                <a:latin typeface="Consolas" panose="020B0609020204030204" pitchFamily="49" charset="0"/>
+                <a:ea typeface="等线" panose="02010600030101010101" pitchFamily="2" charset="-122"/>
+                <a:cs typeface="Times New Roman" panose="02020603050405020304" pitchFamily="18" charset="0"/>
+              </a:endParaRPr>
+            </a:p>
+          </p:txBody>
+        </p:sp>
+        <p:sp>
+          <p:nvSpPr>
+            <p:cNvPr id="339" name="矩形: 圆角 338">
+              <a:extLst>
+                <a:ext uri="{FF2B5EF4-FFF2-40B4-BE49-F238E27FC236}">
+                  <a16:creationId xmlns:a16="http://schemas.microsoft.com/office/drawing/2014/main" id="{EF68241B-5B39-16C7-33BA-33063BB495ED}"/>
+                </a:ext>
+              </a:extLst>
+            </p:cNvPr>
+            <p:cNvSpPr/>
+            <p:nvPr/>
+          </p:nvSpPr>
+          <p:spPr>
+            <a:xfrm flipH="1">
+              <a:off x="1353018" y="2385148"/>
+              <a:ext cx="130009" cy="334666"/>
+            </a:xfrm>
+            <a:prstGeom prst="roundRect">
+              <a:avLst/>
+            </a:prstGeom>
+            <a:solidFill>
+              <a:srgbClr val="47C4FC">
+                <a:alpha val="80000"/>
+              </a:srgbClr>
+            </a:solidFill>
+            <a:ln w="12700" cap="flat" cmpd="sng" algn="ctr">
+              <a:solidFill>
+                <a:srgbClr val="15B4FB"/>
+              </a:solidFill>
+              <a:prstDash val="solid"/>
+              <a:miter lim="800000"/>
+            </a:ln>
+            <a:effectLst/>
+          </p:spPr>
+          <p:txBody>
+            <a:bodyPr vert="horz" rtlCol="0" anchor="t"/>
+            <a:lstStyle/>
+            <a:p>
+              <a:pPr algn="ctr" defTabSz="914400">
+                <a:lnSpc>
+                  <a:spcPts val="2000"/>
+                </a:lnSpc>
+                <a:defRPr/>
+              </a:pPr>
+              <a:endParaRPr lang="zh-CN" altLang="en-US" sz="1600" b="1" kern="0" dirty="0">
+                <a:solidFill>
+                  <a:prstClr val="white"/>
+                </a:solidFill>
+                <a:latin typeface="Consolas" panose="020B0609020204030204" pitchFamily="49" charset="0"/>
+                <a:ea typeface="等线" panose="02010600030101010101" pitchFamily="2" charset="-122"/>
+                <a:cs typeface="Times New Roman" panose="02020603050405020304" pitchFamily="18" charset="0"/>
+              </a:endParaRPr>
+            </a:p>
+          </p:txBody>
+        </p:sp>
+        <p:sp>
+          <p:nvSpPr>
+            <p:cNvPr id="340" name="矩形: 圆角 339">
+              <a:extLst>
+                <a:ext uri="{FF2B5EF4-FFF2-40B4-BE49-F238E27FC236}">
+                  <a16:creationId xmlns:a16="http://schemas.microsoft.com/office/drawing/2014/main" id="{DB9E10EE-A884-6B1A-D964-1DCC6F01E64E}"/>
+                </a:ext>
+              </a:extLst>
+            </p:cNvPr>
+            <p:cNvSpPr/>
+            <p:nvPr/>
+          </p:nvSpPr>
+          <p:spPr>
+            <a:xfrm flipH="1">
+              <a:off x="1508227" y="2385148"/>
+              <a:ext cx="130009" cy="334666"/>
+            </a:xfrm>
+            <a:prstGeom prst="roundRect">
+              <a:avLst/>
+            </a:prstGeom>
+            <a:solidFill>
+              <a:srgbClr val="47C4FC">
+                <a:alpha val="80000"/>
+              </a:srgbClr>
+            </a:solidFill>
+            <a:ln w="12700" cap="flat" cmpd="sng" algn="ctr">
+              <a:solidFill>
+                <a:srgbClr val="15B4FB"/>
+              </a:solidFill>
+              <a:prstDash val="solid"/>
+              <a:miter lim="800000"/>
+            </a:ln>
+            <a:effectLst/>
+          </p:spPr>
+          <p:txBody>
+            <a:bodyPr vert="horz" rtlCol="0" anchor="t"/>
+            <a:lstStyle/>
+            <a:p>
+              <a:pPr algn="ctr" defTabSz="914400">
+                <a:lnSpc>
+                  <a:spcPts val="2000"/>
+                </a:lnSpc>
+                <a:defRPr/>
+              </a:pPr>
+              <a:endParaRPr lang="zh-CN" altLang="en-US" sz="1600" b="1" kern="0" dirty="0">
+                <a:solidFill>
+                  <a:prstClr val="white"/>
+                </a:solidFill>
+                <a:latin typeface="Consolas" panose="020B0609020204030204" pitchFamily="49" charset="0"/>
+                <a:ea typeface="等线" panose="02010600030101010101" pitchFamily="2" charset="-122"/>
+                <a:cs typeface="Times New Roman" panose="02020603050405020304" pitchFamily="18" charset="0"/>
+              </a:endParaRPr>
+            </a:p>
+          </p:txBody>
+        </p:sp>
+        <p:sp>
+          <p:nvSpPr>
+            <p:cNvPr id="341" name="矩形: 圆角 340">
+              <a:extLst>
+                <a:ext uri="{FF2B5EF4-FFF2-40B4-BE49-F238E27FC236}">
+                  <a16:creationId xmlns:a16="http://schemas.microsoft.com/office/drawing/2014/main" id="{977DECC2-CFE8-22CC-7033-510C564CE170}"/>
+                </a:ext>
+              </a:extLst>
+            </p:cNvPr>
+            <p:cNvSpPr/>
+            <p:nvPr/>
+          </p:nvSpPr>
+          <p:spPr>
+            <a:xfrm flipH="1">
+              <a:off x="1663436" y="2385148"/>
+              <a:ext cx="130009" cy="334666"/>
+            </a:xfrm>
+            <a:prstGeom prst="roundRect">
+              <a:avLst/>
+            </a:prstGeom>
+            <a:solidFill>
+              <a:srgbClr val="47C4FC">
+                <a:alpha val="80000"/>
+              </a:srgbClr>
+            </a:solidFill>
+            <a:ln w="12700" cap="flat" cmpd="sng" algn="ctr">
+              <a:solidFill>
+                <a:srgbClr val="15B4FB"/>
+              </a:solidFill>
+              <a:prstDash val="solid"/>
+              <a:miter lim="800000"/>
+            </a:ln>
+            <a:effectLst/>
+          </p:spPr>
+          <p:txBody>
+            <a:bodyPr vert="horz" rtlCol="0" anchor="t"/>
+            <a:lstStyle/>
+            <a:p>
+              <a:pPr algn="ctr" defTabSz="914400">
+                <a:lnSpc>
+                  <a:spcPts val="2000"/>
+                </a:lnSpc>
+                <a:defRPr/>
+              </a:pPr>
+              <a:endParaRPr lang="zh-CN" altLang="en-US" sz="1600" b="1" kern="0" dirty="0">
+                <a:solidFill>
+                  <a:prstClr val="white"/>
+                </a:solidFill>
+                <a:latin typeface="Consolas" panose="020B0609020204030204" pitchFamily="49" charset="0"/>
+                <a:ea typeface="等线" panose="02010600030101010101" pitchFamily="2" charset="-122"/>
+                <a:cs typeface="Times New Roman" panose="02020603050405020304" pitchFamily="18" charset="0"/>
+              </a:endParaRPr>
+            </a:p>
+          </p:txBody>
+        </p:sp>
+        <p:sp>
+          <p:nvSpPr>
+            <p:cNvPr id="342" name="矩形: 圆角 341">
+              <a:extLst>
+                <a:ext uri="{FF2B5EF4-FFF2-40B4-BE49-F238E27FC236}">
+                  <a16:creationId xmlns:a16="http://schemas.microsoft.com/office/drawing/2014/main" id="{84C5641B-CD25-3B64-449E-2EB45A902D8F}"/>
+                </a:ext>
+              </a:extLst>
+            </p:cNvPr>
+            <p:cNvSpPr/>
+            <p:nvPr/>
+          </p:nvSpPr>
+          <p:spPr>
+            <a:xfrm flipH="1">
+              <a:off x="1818645" y="2385148"/>
+              <a:ext cx="130009" cy="334666"/>
+            </a:xfrm>
+            <a:prstGeom prst="roundRect">
+              <a:avLst/>
+            </a:prstGeom>
+            <a:solidFill>
+              <a:srgbClr val="47C4FC">
+                <a:alpha val="80000"/>
+              </a:srgbClr>
+            </a:solidFill>
+            <a:ln w="12700" cap="flat" cmpd="sng" algn="ctr">
+              <a:solidFill>
+                <a:srgbClr val="15B4FB"/>
+              </a:solidFill>
+              <a:prstDash val="solid"/>
+              <a:miter lim="800000"/>
+            </a:ln>
+            <a:effectLst/>
+          </p:spPr>
+          <p:txBody>
+            <a:bodyPr vert="horz" rtlCol="0" anchor="t"/>
+            <a:lstStyle/>
+            <a:p>
+              <a:pPr algn="ctr" defTabSz="914400">
+                <a:lnSpc>
+                  <a:spcPts val="2000"/>
+                </a:lnSpc>
+                <a:defRPr/>
+              </a:pPr>
+              <a:endParaRPr lang="zh-CN" altLang="en-US" sz="1600" b="1" kern="0" dirty="0">
+                <a:solidFill>
+                  <a:prstClr val="white"/>
+                </a:solidFill>
+                <a:latin typeface="Consolas" panose="020B0609020204030204" pitchFamily="49" charset="0"/>
+                <a:ea typeface="等线" panose="02010600030101010101" pitchFamily="2" charset="-122"/>
+                <a:cs typeface="Times New Roman" panose="02020603050405020304" pitchFamily="18" charset="0"/>
+              </a:endParaRPr>
+            </a:p>
+          </p:txBody>
+        </p:sp>
+      </p:grpSp>
+      <p:sp>
+        <p:nvSpPr>
+          <p:cNvPr id="343" name="箭头: 左右 342">
+            <a:extLst>
+              <a:ext uri="{FF2B5EF4-FFF2-40B4-BE49-F238E27FC236}">
+                <a16:creationId xmlns:a16="http://schemas.microsoft.com/office/drawing/2014/main" id="{B0E83C40-0913-79B1-8C0F-E9672FD748CB}"/>
+              </a:ext>
+            </a:extLst>
+          </p:cNvPr>
+          <p:cNvSpPr/>
+          <p:nvPr/>
+        </p:nvSpPr>
+        <p:spPr>
+          <a:xfrm>
+            <a:off x="6222058" y="822172"/>
+            <a:ext cx="1124986" cy="316995"/>
+          </a:xfrm>
+          <a:prstGeom prst="leftRightArrow">
+            <a:avLst>
+              <a:gd name="adj1" fmla="val 39317"/>
+              <a:gd name="adj2" fmla="val 50000"/>
+            </a:avLst>
+          </a:prstGeom>
+        </p:spPr>
+        <p:style>
+          <a:lnRef idx="1">
+            <a:schemeClr val="accent6"/>
+          </a:lnRef>
+          <a:fillRef idx="3">
+            <a:schemeClr val="accent6"/>
+          </a:fillRef>
+          <a:effectRef idx="2">
+            <a:schemeClr val="accent6"/>
+          </a:effectRef>
+          <a:fontRef idx="minor">
+            <a:schemeClr val="lt1"/>
+          </a:fontRef>
+        </p:style>
+        <p:txBody>
+          <a:bodyPr rtlCol="0" anchor="ctr"/>
+          <a:lstStyle/>
+          <a:p>
+            <a:pPr algn="ctr"/>
+            <a:r>
+              <a:rPr lang="en-US" altLang="zh-CN" sz="1100" dirty="0">
+                <a:solidFill>
+                  <a:schemeClr val="tx1"/>
+                </a:solidFill>
+                <a:latin typeface="Arial" panose="020B0604020202020204" pitchFamily="34" charset="0"/>
+                <a:cs typeface="Arial" panose="020B0604020202020204" pitchFamily="34" charset="0"/>
+              </a:rPr>
+              <a:t>Interacting</a:t>
+            </a:r>
+            <a:endParaRPr lang="zh-CN" altLang="en-US" sz="1100" dirty="0">
+              <a:solidFill>
+                <a:schemeClr val="tx1"/>
+              </a:solidFill>
+              <a:latin typeface="Arial" panose="020B0604020202020204" pitchFamily="34" charset="0"/>
+              <a:cs typeface="Arial" panose="020B0604020202020204" pitchFamily="34" charset="0"/>
+            </a:endParaRPr>
+          </a:p>
+        </p:txBody>
+      </p:sp>
+      <p:sp>
+        <p:nvSpPr>
+          <p:cNvPr id="350" name="任意多边形: 形状 349">
+            <a:extLst>
+              <a:ext uri="{FF2B5EF4-FFF2-40B4-BE49-F238E27FC236}">
+                <a16:creationId xmlns:a16="http://schemas.microsoft.com/office/drawing/2014/main" id="{B1D9263E-4C6D-D920-90FC-1672AC5337C2}"/>
+              </a:ext>
+            </a:extLst>
+          </p:cNvPr>
+          <p:cNvSpPr/>
+          <p:nvPr/>
+        </p:nvSpPr>
+        <p:spPr>
+          <a:xfrm>
+            <a:off x="5056765" y="847010"/>
+            <a:ext cx="1535009" cy="1231414"/>
+          </a:xfrm>
+          <a:custGeom>
+            <a:avLst/>
+            <a:gdLst>
+              <a:gd name="connsiteX0" fmla="*/ 887283 w 1535009"/>
+              <a:gd name="connsiteY0" fmla="*/ 121083 h 1231414"/>
+              <a:gd name="connsiteX1" fmla="*/ 463950 w 1535009"/>
+              <a:gd name="connsiteY1" fmla="*/ 2550 h 1231414"/>
+              <a:gd name="connsiteX2" fmla="*/ 27916 w 1535009"/>
+              <a:gd name="connsiteY2" fmla="*/ 235383 h 1231414"/>
+              <a:gd name="connsiteX3" fmla="*/ 74483 w 1535009"/>
+              <a:gd name="connsiteY3" fmla="*/ 675650 h 1231414"/>
+              <a:gd name="connsiteX4" fmla="*/ 324250 w 1535009"/>
+              <a:gd name="connsiteY4" fmla="*/ 878850 h 1231414"/>
+              <a:gd name="connsiteX5" fmla="*/ 468183 w 1535009"/>
+              <a:gd name="connsiteY5" fmla="*/ 1179417 h 1231414"/>
+              <a:gd name="connsiteX6" fmla="*/ 633283 w 1535009"/>
+              <a:gd name="connsiteY6" fmla="*/ 1230217 h 1231414"/>
+              <a:gd name="connsiteX7" fmla="*/ 938083 w 1535009"/>
+              <a:gd name="connsiteY7" fmla="*/ 1166717 h 1231414"/>
+              <a:gd name="connsiteX8" fmla="*/ 1120116 w 1535009"/>
+              <a:gd name="connsiteY8" fmla="*/ 971983 h 1231414"/>
+              <a:gd name="connsiteX9" fmla="*/ 1391050 w 1535009"/>
+              <a:gd name="connsiteY9" fmla="*/ 874617 h 1231414"/>
+              <a:gd name="connsiteX10" fmla="*/ 1534983 w 1535009"/>
+              <a:gd name="connsiteY10" fmla="*/ 641783 h 1231414"/>
+              <a:gd name="connsiteX11" fmla="*/ 1399516 w 1535009"/>
+              <a:gd name="connsiteY11" fmla="*/ 328517 h 1231414"/>
+              <a:gd name="connsiteX12" fmla="*/ 1043916 w 1535009"/>
+              <a:gd name="connsiteY12" fmla="*/ 273483 h 1231414"/>
+              <a:gd name="connsiteX13" fmla="*/ 887283 w 1535009"/>
+              <a:gd name="connsiteY13" fmla="*/ 121083 h 1231414"/>
+            </a:gdLst>
+            <a:ahLst/>
+            <a:cxnLst>
+              <a:cxn ang="0">
+                <a:pos x="connsiteX0" y="connsiteY0"/>
+              </a:cxn>
+              <a:cxn ang="0">
+                <a:pos x="connsiteX1" y="connsiteY1"/>
+              </a:cxn>
+              <a:cxn ang="0">
+                <a:pos x="connsiteX2" y="connsiteY2"/>
+              </a:cxn>
+              <a:cxn ang="0">
+                <a:pos x="connsiteX3" y="connsiteY3"/>
+              </a:cxn>
+              <a:cxn ang="0">
+                <a:pos x="connsiteX4" y="connsiteY4"/>
+              </a:cxn>
+              <a:cxn ang="0">
+                <a:pos x="connsiteX5" y="connsiteY5"/>
+              </a:cxn>
+              <a:cxn ang="0">
+                <a:pos x="connsiteX6" y="connsiteY6"/>
+              </a:cxn>
+              <a:cxn ang="0">
+                <a:pos x="connsiteX7" y="connsiteY7"/>
+              </a:cxn>
+              <a:cxn ang="0">
+                <a:pos x="connsiteX8" y="connsiteY8"/>
+              </a:cxn>
+              <a:cxn ang="0">
+                <a:pos x="connsiteX9" y="connsiteY9"/>
+              </a:cxn>
+              <a:cxn ang="0">
+                <a:pos x="connsiteX10" y="connsiteY10"/>
+              </a:cxn>
+              <a:cxn ang="0">
+                <a:pos x="connsiteX11" y="connsiteY11"/>
+              </a:cxn>
+              <a:cxn ang="0">
+                <a:pos x="connsiteX12" y="connsiteY12"/>
+              </a:cxn>
+              <a:cxn ang="0">
+                <a:pos x="connsiteX13" y="connsiteY13"/>
+              </a:cxn>
+            </a:cxnLst>
+            <a:rect l="l" t="t" r="r" b="b"/>
+            <a:pathLst>
+              <a:path w="1535009" h="1231414">
+                <a:moveTo>
+                  <a:pt x="887283" y="121083"/>
+                </a:moveTo>
+                <a:cubicBezTo>
+                  <a:pt x="790622" y="75927"/>
+                  <a:pt x="607178" y="-16500"/>
+                  <a:pt x="463950" y="2550"/>
+                </a:cubicBezTo>
+                <a:cubicBezTo>
+                  <a:pt x="320722" y="21600"/>
+                  <a:pt x="92827" y="123200"/>
+                  <a:pt x="27916" y="235383"/>
+                </a:cubicBezTo>
+                <a:cubicBezTo>
+                  <a:pt x="-36995" y="347566"/>
+                  <a:pt x="25094" y="568406"/>
+                  <a:pt x="74483" y="675650"/>
+                </a:cubicBezTo>
+                <a:cubicBezTo>
+                  <a:pt x="123872" y="782894"/>
+                  <a:pt x="258633" y="794889"/>
+                  <a:pt x="324250" y="878850"/>
+                </a:cubicBezTo>
+                <a:cubicBezTo>
+                  <a:pt x="389867" y="962811"/>
+                  <a:pt x="416677" y="1120856"/>
+                  <a:pt x="468183" y="1179417"/>
+                </a:cubicBezTo>
+                <a:cubicBezTo>
+                  <a:pt x="519688" y="1237978"/>
+                  <a:pt x="554966" y="1232334"/>
+                  <a:pt x="633283" y="1230217"/>
+                </a:cubicBezTo>
+                <a:cubicBezTo>
+                  <a:pt x="711600" y="1228100"/>
+                  <a:pt x="856944" y="1209756"/>
+                  <a:pt x="938083" y="1166717"/>
+                </a:cubicBezTo>
+                <a:cubicBezTo>
+                  <a:pt x="1019222" y="1123678"/>
+                  <a:pt x="1044622" y="1020666"/>
+                  <a:pt x="1120116" y="971983"/>
+                </a:cubicBezTo>
+                <a:cubicBezTo>
+                  <a:pt x="1195610" y="923300"/>
+                  <a:pt x="1321906" y="929650"/>
+                  <a:pt x="1391050" y="874617"/>
+                </a:cubicBezTo>
+                <a:cubicBezTo>
+                  <a:pt x="1460194" y="819584"/>
+                  <a:pt x="1533572" y="732800"/>
+                  <a:pt x="1534983" y="641783"/>
+                </a:cubicBezTo>
+                <a:cubicBezTo>
+                  <a:pt x="1536394" y="550766"/>
+                  <a:pt x="1481360" y="389900"/>
+                  <a:pt x="1399516" y="328517"/>
+                </a:cubicBezTo>
+                <a:cubicBezTo>
+                  <a:pt x="1317672" y="267134"/>
+                  <a:pt x="1134227" y="310172"/>
+                  <a:pt x="1043916" y="273483"/>
+                </a:cubicBezTo>
+                <a:cubicBezTo>
+                  <a:pt x="953605" y="236794"/>
+                  <a:pt x="983944" y="166239"/>
+                  <a:pt x="887283" y="121083"/>
+                </a:cubicBezTo>
+                <a:close/>
+              </a:path>
+            </a:pathLst>
+          </a:custGeom>
+          <a:noFill/>
+          <a:ln w="22225">
+            <a:solidFill>
+              <a:schemeClr val="bg1">
+                <a:lumMod val="50000"/>
+              </a:schemeClr>
+            </a:solidFill>
+            <a:prstDash val="dash"/>
+          </a:ln>
+        </p:spPr>
+        <p:style>
+          <a:lnRef idx="2">
+            <a:schemeClr val="accent1">
+              <a:shade val="15000"/>
+            </a:schemeClr>
+          </a:lnRef>
+          <a:fillRef idx="1">
+            <a:schemeClr val="accent1"/>
+          </a:fillRef>
+          <a:effectRef idx="0">
+            <a:schemeClr val="accent1"/>
+          </a:effectRef>
+          <a:fontRef idx="minor">
+            <a:schemeClr val="lt1"/>
+          </a:fontRef>
+        </p:style>
+        <p:txBody>
+          <a:bodyPr rtlCol="0" anchor="ctr"/>
+          <a:lstStyle/>
+          <a:p>
+            <a:pPr algn="ctr"/>
+            <a:endParaRPr lang="zh-CN" altLang="en-US"/>
+          </a:p>
+        </p:txBody>
+      </p:sp>
+      <p:sp>
+        <p:nvSpPr>
+          <p:cNvPr id="73" name="箭头: 右 72">
+            <a:extLst>
+              <a:ext uri="{FF2B5EF4-FFF2-40B4-BE49-F238E27FC236}">
+                <a16:creationId xmlns:a16="http://schemas.microsoft.com/office/drawing/2014/main" id="{1ACDA91F-30B7-8D12-1FFF-472EA29A0BA4}"/>
+              </a:ext>
+            </a:extLst>
+          </p:cNvPr>
+          <p:cNvSpPr/>
+          <p:nvPr/>
+        </p:nvSpPr>
+        <p:spPr>
+          <a:xfrm>
+            <a:off x="3588484" y="988732"/>
+            <a:ext cx="1703392" cy="377731"/>
+          </a:xfrm>
+          <a:prstGeom prst="rightArrow">
+            <a:avLst/>
+          </a:prstGeom>
+        </p:spPr>
+        <p:style>
+          <a:lnRef idx="1">
+            <a:schemeClr val="accent2"/>
+          </a:lnRef>
+          <a:fillRef idx="3">
+            <a:schemeClr val="accent2"/>
+          </a:fillRef>
+          <a:effectRef idx="2">
+            <a:schemeClr val="accent2"/>
+          </a:effectRef>
+          <a:fontRef idx="minor">
+            <a:schemeClr val="lt1"/>
+          </a:fontRef>
+        </p:style>
+        <p:txBody>
+          <a:bodyPr rtlCol="0" anchor="ctr"/>
+          <a:lstStyle/>
+          <a:p>
+            <a:pPr algn="ctr"/>
+            <a:r>
+              <a:rPr lang="en-US" altLang="zh-CN" sz="1000" b="1" dirty="0">
+                <a:solidFill>
+                  <a:schemeClr val="tx1"/>
+                </a:solidFill>
+                <a:latin typeface="Arial" panose="020B0604020202020204" pitchFamily="34" charset="0"/>
+                <a:cs typeface="Arial" panose="020B0604020202020204" pitchFamily="34" charset="0"/>
+              </a:rPr>
+              <a:t>Prefab Instantiation</a:t>
+            </a:r>
+          </a:p>
+        </p:txBody>
+      </p:sp>
+      <p:sp>
+        <p:nvSpPr>
+          <p:cNvPr id="12" name="箭头: 左右 11">
+            <a:extLst>
+              <a:ext uri="{FF2B5EF4-FFF2-40B4-BE49-F238E27FC236}">
+                <a16:creationId xmlns:a16="http://schemas.microsoft.com/office/drawing/2014/main" id="{2894C175-61B1-5194-E6F1-0305FF425A57}"/>
+              </a:ext>
+            </a:extLst>
+          </p:cNvPr>
+          <p:cNvSpPr/>
+          <p:nvPr/>
+        </p:nvSpPr>
+        <p:spPr>
+          <a:xfrm>
+            <a:off x="4390555" y="1531728"/>
+            <a:ext cx="1044472" cy="316995"/>
+          </a:xfrm>
+          <a:prstGeom prst="leftRightArrow">
+            <a:avLst/>
+          </a:prstGeom>
+        </p:spPr>
+        <p:style>
+          <a:lnRef idx="1">
+            <a:schemeClr val="accent4"/>
+          </a:lnRef>
+          <a:fillRef idx="3">
+            <a:schemeClr val="accent4"/>
+          </a:fillRef>
+          <a:effectRef idx="2">
+            <a:schemeClr val="accent4"/>
+          </a:effectRef>
+          <a:fontRef idx="minor">
+            <a:schemeClr val="lt1"/>
+          </a:fontRef>
+        </p:style>
+        <p:txBody>
+          <a:bodyPr rtlCol="0" anchor="ctr"/>
+          <a:lstStyle/>
+          <a:p>
+            <a:pPr algn="ctr"/>
+            <a:r>
+              <a:rPr lang="en-US" altLang="zh-CN" sz="1200" dirty="0">
+                <a:solidFill>
+                  <a:schemeClr val="tx1"/>
+                </a:solidFill>
+                <a:latin typeface="Arial" panose="020B0604020202020204" pitchFamily="34" charset="0"/>
+                <a:cs typeface="Arial" panose="020B0604020202020204" pitchFamily="34" charset="0"/>
+              </a:rPr>
+              <a:t>Bridging</a:t>
+            </a:r>
+            <a:endParaRPr lang="zh-CN" altLang="en-US" sz="1200" dirty="0">
+              <a:solidFill>
+                <a:schemeClr val="tx1"/>
+              </a:solidFill>
+              <a:latin typeface="Arial" panose="020B0604020202020204" pitchFamily="34" charset="0"/>
+              <a:cs typeface="Arial" panose="020B0604020202020204" pitchFamily="34" charset="0"/>
+            </a:endParaRPr>
+          </a:p>
+        </p:txBody>
+      </p:sp>
+      <p:sp>
+        <p:nvSpPr>
+          <p:cNvPr id="352" name="矩形: 圆角 351">
+            <a:extLst>
+              <a:ext uri="{FF2B5EF4-FFF2-40B4-BE49-F238E27FC236}">
+                <a16:creationId xmlns:a16="http://schemas.microsoft.com/office/drawing/2014/main" id="{0CE53E94-221F-8B06-1AAB-317E38D57A7E}"/>
+              </a:ext>
+            </a:extLst>
+          </p:cNvPr>
+          <p:cNvSpPr/>
+          <p:nvPr/>
+        </p:nvSpPr>
+        <p:spPr>
+          <a:xfrm rot="5400000" flipH="1">
+            <a:off x="5700748" y="1235293"/>
+            <a:ext cx="104584" cy="249196"/>
+          </a:xfrm>
+          <a:prstGeom prst="roundRect">
+            <a:avLst/>
+          </a:prstGeom>
+          <a:solidFill>
+            <a:srgbClr val="47C4FC">
+              <a:alpha val="80000"/>
+            </a:srgbClr>
+          </a:solidFill>
+          <a:ln w="12700" cap="flat" cmpd="sng" algn="ctr">
+            <a:solidFill>
+              <a:srgbClr val="15B4FB"/>
+            </a:solidFill>
+            <a:prstDash val="solid"/>
+            <a:miter lim="800000"/>
+          </a:ln>
+          <a:effectLst/>
+        </p:spPr>
+        <p:txBody>
+          <a:bodyPr vert="horz" rtlCol="0" anchor="t"/>
+          <a:lstStyle/>
+          <a:p>
+            <a:pPr algn="ctr" defTabSz="914400">
+              <a:lnSpc>
+                <a:spcPts val="2000"/>
+              </a:lnSpc>
+              <a:defRPr/>
+            </a:pPr>
+            <a:endParaRPr lang="zh-CN" altLang="en-US" sz="1600" b="1" kern="0" dirty="0">
+              <a:solidFill>
+                <a:prstClr val="white"/>
+              </a:solidFill>
+              <a:latin typeface="Consolas" panose="020B0609020204030204" pitchFamily="49" charset="0"/>
+              <a:ea typeface="等线" panose="02010600030101010101" pitchFamily="2" charset="-122"/>
+              <a:cs typeface="Times New Roman" panose="02020603050405020304" pitchFamily="18" charset="0"/>
+            </a:endParaRPr>
+          </a:p>
+        </p:txBody>
+      </p:sp>
+      <p:sp>
+        <p:nvSpPr>
+          <p:cNvPr id="357" name="箭头: 下 356">
+            <a:extLst>
+              <a:ext uri="{FF2B5EF4-FFF2-40B4-BE49-F238E27FC236}">
+                <a16:creationId xmlns:a16="http://schemas.microsoft.com/office/drawing/2014/main" id="{C83B3C0D-5575-B452-7ED4-7012AF0782E9}"/>
+              </a:ext>
+            </a:extLst>
+          </p:cNvPr>
+          <p:cNvSpPr/>
+          <p:nvPr/>
+        </p:nvSpPr>
+        <p:spPr>
+          <a:xfrm rot="5400000">
+            <a:off x="6543686" y="1263691"/>
+            <a:ext cx="275898" cy="1183451"/>
+          </a:xfrm>
+          <a:prstGeom prst="downArrow">
+            <a:avLst>
+              <a:gd name="adj1" fmla="val 38782"/>
+              <a:gd name="adj2" fmla="val 48837"/>
+            </a:avLst>
+          </a:prstGeom>
+        </p:spPr>
+        <p:style>
+          <a:lnRef idx="1">
+            <a:schemeClr val="accent6"/>
+          </a:lnRef>
+          <a:fillRef idx="3">
+            <a:schemeClr val="accent6"/>
+          </a:fillRef>
+          <a:effectRef idx="2">
+            <a:schemeClr val="accent6"/>
+          </a:effectRef>
+          <a:fontRef idx="minor">
+            <a:schemeClr val="lt1"/>
+          </a:fontRef>
+        </p:style>
+        <p:txBody>
+          <a:bodyPr vert="vert270" wrap="none" lIns="0" tIns="0" rIns="0" bIns="0" rtlCol="0" anchor="ctr"/>
+          <a:lstStyle/>
+          <a:p>
+            <a:pPr algn="ctr">
+              <a:lnSpc>
+                <a:spcPts val="700"/>
+              </a:lnSpc>
+            </a:pPr>
+            <a:r>
+              <a:rPr lang="en-US" altLang="zh-CN" sz="900" dirty="0">
+                <a:solidFill>
+                  <a:schemeClr val="tx1"/>
+                </a:solidFill>
+                <a:latin typeface="Arial" panose="020B0604020202020204" pitchFamily="34" charset="0"/>
+                <a:cs typeface="Arial" panose="020B0604020202020204" pitchFamily="34" charset="0"/>
+              </a:rPr>
+              <a:t>Action Binding</a:t>
+            </a:r>
+            <a:endParaRPr lang="zh-CN" altLang="en-US" sz="900" dirty="0">
+              <a:solidFill>
+                <a:schemeClr val="tx1"/>
+              </a:solidFill>
+              <a:latin typeface="Arial" panose="020B0604020202020204" pitchFamily="34" charset="0"/>
+              <a:cs typeface="Arial" panose="020B0604020202020204" pitchFamily="34" charset="0"/>
+            </a:endParaRPr>
+          </a:p>
+        </p:txBody>
+      </p:sp>
+      <p:sp>
+        <p:nvSpPr>
+          <p:cNvPr id="360" name="箭头: 右 359">
+            <a:extLst>
+              <a:ext uri="{FF2B5EF4-FFF2-40B4-BE49-F238E27FC236}">
+                <a16:creationId xmlns:a16="http://schemas.microsoft.com/office/drawing/2014/main" id="{78B15D54-6002-9B90-B0AD-60610E82B2D5}"/>
+              </a:ext>
+            </a:extLst>
+          </p:cNvPr>
+          <p:cNvSpPr/>
+          <p:nvPr/>
+        </p:nvSpPr>
+        <p:spPr>
+          <a:xfrm>
+            <a:off x="6604649" y="1265964"/>
+            <a:ext cx="827465" cy="275899"/>
+          </a:xfrm>
+          <a:prstGeom prst="rightArrow">
+            <a:avLst>
+              <a:gd name="adj1" fmla="val 58373"/>
+              <a:gd name="adj2" fmla="val 61532"/>
+            </a:avLst>
+          </a:prstGeom>
+        </p:spPr>
+        <p:style>
+          <a:lnRef idx="1">
+            <a:schemeClr val="accent6"/>
+          </a:lnRef>
+          <a:fillRef idx="3">
+            <a:schemeClr val="accent6"/>
+          </a:fillRef>
+          <a:effectRef idx="2">
+            <a:schemeClr val="accent6"/>
+          </a:effectRef>
+          <a:fontRef idx="minor">
+            <a:schemeClr val="lt1"/>
+          </a:fontRef>
+        </p:style>
+        <p:txBody>
+          <a:bodyPr rtlCol="0" anchor="ctr"/>
+          <a:lstStyle/>
+          <a:p>
+            <a:pPr algn="ctr">
+              <a:lnSpc>
+                <a:spcPts val="700"/>
+              </a:lnSpc>
+            </a:pPr>
+            <a:r>
+              <a:rPr lang="en-US" altLang="zh-CN" sz="900" dirty="0">
+                <a:solidFill>
+                  <a:schemeClr val="tx1"/>
+                </a:solidFill>
+                <a:latin typeface="Arial" panose="020B0604020202020204" pitchFamily="34" charset="0"/>
+                <a:cs typeface="Arial" panose="020B0604020202020204" pitchFamily="34" charset="0"/>
+              </a:rPr>
+              <a:t>Action Execution</a:t>
+            </a:r>
+            <a:endParaRPr lang="zh-CN" altLang="en-US" sz="900" dirty="0">
+              <a:solidFill>
+                <a:schemeClr val="tx1"/>
+              </a:solidFill>
+              <a:latin typeface="Arial" panose="020B0604020202020204" pitchFamily="34" charset="0"/>
+              <a:cs typeface="Arial" panose="020B0604020202020204" pitchFamily="34" charset="0"/>
+            </a:endParaRPr>
+          </a:p>
+        </p:txBody>
+      </p:sp>
+      <p:sp>
+        <p:nvSpPr>
+          <p:cNvPr id="354" name="Rectangle: Rounded Corners 169">
+            <a:extLst>
+              <a:ext uri="{FF2B5EF4-FFF2-40B4-BE49-F238E27FC236}">
+                <a16:creationId xmlns:a16="http://schemas.microsoft.com/office/drawing/2014/main" id="{82495CB8-3A4A-C50B-88CF-E5177D369B31}"/>
+              </a:ext>
+            </a:extLst>
+          </p:cNvPr>
+          <p:cNvSpPr/>
+          <p:nvPr/>
+        </p:nvSpPr>
+        <p:spPr>
+          <a:xfrm>
+            <a:off x="7145733" y="1666761"/>
+            <a:ext cx="987941" cy="340181"/>
+          </a:xfrm>
+          <a:prstGeom prst="roundRect">
+            <a:avLst>
+              <a:gd name="adj" fmla="val 28845"/>
+            </a:avLst>
+          </a:prstGeom>
+          <a:solidFill>
+            <a:srgbClr val="69AB3C"/>
+          </a:solidFill>
+          <a:ln w="22225" cap="rnd" cmpd="sng" algn="ctr">
+            <a:solidFill>
+              <a:srgbClr val="156082">
+                <a:shade val="15000"/>
+              </a:srgbClr>
+            </a:solidFill>
+            <a:prstDash val="solid"/>
+            <a:miter lim="800000"/>
+          </a:ln>
+          <a:effectLst/>
+        </p:spPr>
+        <p:txBody>
+          <a:bodyPr lIns="91440" tIns="45720" rIns="91440" bIns="45720" rtlCol="0" anchor="ctr"/>
+          <a:lstStyle/>
+          <a:p>
+            <a:pPr algn="ctr" defTabSz="326532">
+              <a:lnSpc>
+                <a:spcPts val="1000"/>
+              </a:lnSpc>
+              <a:defRPr/>
+            </a:pPr>
+            <a:r>
+              <a:rPr lang="en-US" altLang="zh-CN" sz="1400" b="1" kern="0" dirty="0">
+                <a:solidFill>
+                  <a:prstClr val="black"/>
+                </a:solidFill>
+                <a:latin typeface="Calibri"/>
+                <a:cs typeface="Calibri"/>
+              </a:rPr>
+              <a:t>Action Executor</a:t>
+            </a:r>
+            <a:endParaRPr lang="en-HK" altLang="zh-CN" sz="1400" b="1" kern="0" dirty="0">
+              <a:solidFill>
+                <a:prstClr val="black"/>
+              </a:solidFill>
+              <a:latin typeface="Calibri"/>
+              <a:ea typeface="等线"/>
+              <a:cs typeface="Calibri"/>
+            </a:endParaRPr>
+          </a:p>
+        </p:txBody>
+      </p:sp>
+      <p:grpSp>
+        <p:nvGrpSpPr>
+          <p:cNvPr id="347" name="组合 346">
+            <a:extLst>
+              <a:ext uri="{FF2B5EF4-FFF2-40B4-BE49-F238E27FC236}">
+                <a16:creationId xmlns:a16="http://schemas.microsoft.com/office/drawing/2014/main" id="{2ED4148E-903D-3606-48C7-A5A393A81608}"/>
+              </a:ext>
+            </a:extLst>
+          </p:cNvPr>
+          <p:cNvGrpSpPr/>
+          <p:nvPr/>
+        </p:nvGrpSpPr>
+        <p:grpSpPr>
+          <a:xfrm>
+            <a:off x="7406132" y="795376"/>
+            <a:ext cx="599688" cy="633921"/>
+            <a:chOff x="7088031" y="6351077"/>
+            <a:chExt cx="599688" cy="633921"/>
+          </a:xfrm>
+        </p:grpSpPr>
+        <p:sp>
+          <p:nvSpPr>
+            <p:cNvPr id="346" name="Rectangle: Rounded Corners 169">
+              <a:extLst>
+                <a:ext uri="{FF2B5EF4-FFF2-40B4-BE49-F238E27FC236}">
+                  <a16:creationId xmlns:a16="http://schemas.microsoft.com/office/drawing/2014/main" id="{8F23F1D0-1ED5-C0E6-8889-0CDB8548F9B6}"/>
+                </a:ext>
+              </a:extLst>
+            </p:cNvPr>
+            <p:cNvSpPr/>
+            <p:nvPr/>
+          </p:nvSpPr>
+          <p:spPr>
+            <a:xfrm>
+              <a:off x="7088031" y="6351077"/>
+              <a:ext cx="599688" cy="633921"/>
+            </a:xfrm>
+            <a:prstGeom prst="roundRect">
+              <a:avLst>
+                <a:gd name="adj" fmla="val 50000"/>
+              </a:avLst>
+            </a:prstGeom>
+            <a:solidFill>
+              <a:schemeClr val="accent6"/>
+            </a:solidFill>
+            <a:ln w="25400" cap="rnd" cmpd="sng" algn="ctr">
+              <a:solidFill>
+                <a:srgbClr val="156082">
+                  <a:shade val="15000"/>
+                </a:srgbClr>
+              </a:solidFill>
+              <a:prstDash val="solid"/>
+              <a:miter lim="800000"/>
+            </a:ln>
+            <a:effectLst/>
+          </p:spPr>
+          <p:txBody>
+            <a:bodyPr lIns="0" tIns="0" rIns="0" bIns="0" rtlCol="0" anchor="b"/>
+            <a:lstStyle/>
+            <a:p>
+              <a:pPr algn="ctr"/>
+              <a:r>
+                <a:rPr lang="en-US" altLang="zh-CN" sz="1050" dirty="0">
+                  <a:latin typeface="Arial" panose="020B0604020202020204" pitchFamily="34" charset="0"/>
+                  <a:cs typeface="Arial" panose="020B0604020202020204" pitchFamily="34" charset="0"/>
+                </a:rPr>
+                <a:t>Agent</a:t>
+              </a:r>
+              <a:endParaRPr lang="zh-CN" altLang="zh-CN" sz="800" dirty="0">
+                <a:latin typeface="Arial" panose="020B0604020202020204" pitchFamily="34" charset="0"/>
+                <a:cs typeface="Arial" panose="020B0604020202020204" pitchFamily="34" charset="0"/>
+              </a:endParaRPr>
+            </a:p>
+          </p:txBody>
+        </p:sp>
+        <p:pic>
+          <p:nvPicPr>
+            <p:cNvPr id="103" name="图片 102">
+              <a:extLst>
+                <a:ext uri="{FF2B5EF4-FFF2-40B4-BE49-F238E27FC236}">
+                  <a16:creationId xmlns:a16="http://schemas.microsoft.com/office/drawing/2014/main" id="{29987ED0-B29C-28A3-E94F-84157C9573F7}"/>
+                </a:ext>
+              </a:extLst>
+            </p:cNvPr>
+            <p:cNvPicPr>
+              <a:picLocks noChangeAspect="1"/>
+            </p:cNvPicPr>
+            <p:nvPr/>
+          </p:nvPicPr>
+          <p:blipFill>
+            <a:blip r:embed="rId7">
+              <a:extLst>
+                <a:ext uri="{BEBA8EAE-BF5A-486C-A8C5-ECC9F3942E4B}">
+                  <a14:imgProps xmlns:a14="http://schemas.microsoft.com/office/drawing/2010/main">
+                    <a14:imgLayer r:embed="rId8">
+                      <a14:imgEffect>
+                        <a14:sharpenSoften amount="25000"/>
+                      </a14:imgEffect>
+                    </a14:imgLayer>
+                  </a14:imgProps>
+                </a:ext>
+                <a:ext uri="{28A0092B-C50C-407E-A947-70E740481C1C}">
+                  <a14:useLocalDpi xmlns:a14="http://schemas.microsoft.com/office/drawing/2010/main" val="0"/>
+                </a:ext>
+              </a:extLst>
+            </a:blip>
+            <a:stretch>
+              <a:fillRect/>
+            </a:stretch>
+          </p:blipFill>
+          <p:spPr>
+            <a:xfrm>
+              <a:off x="7180842" y="6384795"/>
+              <a:ext cx="396565" cy="396565"/>
+            </a:xfrm>
+            <a:prstGeom prst="rect">
+              <a:avLst/>
+            </a:prstGeom>
+          </p:spPr>
+        </p:pic>
+      </p:grpSp>
+      <p:sp>
+        <p:nvSpPr>
+          <p:cNvPr id="361" name="矩形: 圆角 360">
+            <a:extLst>
+              <a:ext uri="{FF2B5EF4-FFF2-40B4-BE49-F238E27FC236}">
+                <a16:creationId xmlns:a16="http://schemas.microsoft.com/office/drawing/2014/main" id="{ED5E9162-CA2E-B88C-EA02-B94A77BBFD5C}"/>
+              </a:ext>
+            </a:extLst>
+          </p:cNvPr>
+          <p:cNvSpPr/>
+          <p:nvPr/>
+        </p:nvSpPr>
+        <p:spPr>
+          <a:xfrm rot="5400000" flipH="1">
+            <a:off x="5930303" y="1657359"/>
+            <a:ext cx="104584" cy="249196"/>
+          </a:xfrm>
+          <a:prstGeom prst="roundRect">
+            <a:avLst/>
+          </a:prstGeom>
+          <a:solidFill>
+            <a:srgbClr val="47C4FC">
+              <a:alpha val="80000"/>
+            </a:srgbClr>
+          </a:solidFill>
+          <a:ln w="12700" cap="flat" cmpd="sng" algn="ctr">
+            <a:solidFill>
+              <a:srgbClr val="15B4FB"/>
+            </a:solidFill>
+            <a:prstDash val="solid"/>
+            <a:miter lim="800000"/>
+          </a:ln>
+          <a:effectLst/>
+        </p:spPr>
+        <p:txBody>
+          <a:bodyPr vert="horz" rtlCol="0" anchor="t"/>
+          <a:lstStyle/>
+          <a:p>
+            <a:pPr algn="ctr" defTabSz="914400">
+              <a:lnSpc>
+                <a:spcPts val="2000"/>
+              </a:lnSpc>
+              <a:defRPr/>
+            </a:pPr>
+            <a:endParaRPr lang="zh-CN" altLang="en-US" sz="1600" b="1" kern="0" dirty="0">
+              <a:solidFill>
+                <a:prstClr val="white"/>
+              </a:solidFill>
+              <a:latin typeface="Consolas" panose="020B0609020204030204" pitchFamily="49" charset="0"/>
+              <a:ea typeface="等线" panose="02010600030101010101" pitchFamily="2" charset="-122"/>
+              <a:cs typeface="Times New Roman" panose="02020603050405020304" pitchFamily="18" charset="0"/>
+            </a:endParaRPr>
+          </a:p>
+        </p:txBody>
+      </p:sp>
+      <p:sp>
+        <p:nvSpPr>
+          <p:cNvPr id="362" name="矩形: 圆角 361">
+            <a:extLst>
+              <a:ext uri="{FF2B5EF4-FFF2-40B4-BE49-F238E27FC236}">
+                <a16:creationId xmlns:a16="http://schemas.microsoft.com/office/drawing/2014/main" id="{49FD0AFA-05AE-EC9D-5A2B-0F2D0E5A0831}"/>
+              </a:ext>
+            </a:extLst>
+          </p:cNvPr>
+          <p:cNvSpPr/>
+          <p:nvPr/>
+        </p:nvSpPr>
+        <p:spPr>
+          <a:xfrm rot="5400000" flipH="1">
+            <a:off x="6351626" y="1277387"/>
+            <a:ext cx="104584" cy="249196"/>
+          </a:xfrm>
+          <a:prstGeom prst="roundRect">
+            <a:avLst/>
+          </a:prstGeom>
+          <a:solidFill>
+            <a:srgbClr val="47C4FC">
+              <a:alpha val="80000"/>
+            </a:srgbClr>
+          </a:solidFill>
+          <a:ln w="12700" cap="flat" cmpd="sng" algn="ctr">
+            <a:solidFill>
+              <a:srgbClr val="15B4FB"/>
+            </a:solidFill>
+            <a:prstDash val="solid"/>
+            <a:miter lim="800000"/>
+          </a:ln>
+          <a:effectLst/>
+        </p:spPr>
+        <p:txBody>
+          <a:bodyPr vert="horz" rtlCol="0" anchor="t"/>
+          <a:lstStyle/>
+          <a:p>
+            <a:pPr algn="ctr" defTabSz="914400">
+              <a:lnSpc>
+                <a:spcPts val="2000"/>
+              </a:lnSpc>
+              <a:defRPr/>
+            </a:pPr>
+            <a:endParaRPr lang="zh-CN" altLang="en-US" sz="1600" b="1" kern="0" dirty="0">
+              <a:solidFill>
+                <a:prstClr val="white"/>
+              </a:solidFill>
+              <a:latin typeface="Consolas" panose="020B0609020204030204" pitchFamily="49" charset="0"/>
+              <a:ea typeface="等线" panose="02010600030101010101" pitchFamily="2" charset="-122"/>
+              <a:cs typeface="Times New Roman" panose="02020603050405020304" pitchFamily="18" charset="0"/>
+            </a:endParaRPr>
+          </a:p>
+        </p:txBody>
+      </p:sp>
+      <p:pic>
+        <p:nvPicPr>
+          <p:cNvPr id="364" name="图片 363">
+            <a:extLst>
+              <a:ext uri="{FF2B5EF4-FFF2-40B4-BE49-F238E27FC236}">
+                <a16:creationId xmlns:a16="http://schemas.microsoft.com/office/drawing/2014/main" id="{44AA873B-D991-6598-D26B-07B1D71E7E51}"/>
+              </a:ext>
+            </a:extLst>
+          </p:cNvPr>
+          <p:cNvPicPr>
+            <a:picLocks noChangeAspect="1"/>
+          </p:cNvPicPr>
+          <p:nvPr/>
+        </p:nvPicPr>
+        <p:blipFill>
+          <a:blip r:embed="rId6">
+            <a:extLst>
+              <a:ext uri="{28A0092B-C50C-407E-A947-70E740481C1C}">
+                <a14:useLocalDpi xmlns:a14="http://schemas.microsoft.com/office/drawing/2010/main" val="0"/>
+              </a:ext>
+            </a:extLst>
+          </a:blip>
+          <a:stretch>
+            <a:fillRect/>
+          </a:stretch>
+        </p:blipFill>
+        <p:spPr>
+          <a:xfrm>
+            <a:off x="3028278" y="485023"/>
+            <a:ext cx="263054" cy="263054"/>
+          </a:xfrm>
+          <a:prstGeom prst="rect">
+            <a:avLst/>
+          </a:prstGeom>
+        </p:spPr>
+      </p:pic>
+      <p:sp>
+        <p:nvSpPr>
+          <p:cNvPr id="17" name="矩形: 圆角 16">
+            <a:extLst>
+              <a:ext uri="{FF2B5EF4-FFF2-40B4-BE49-F238E27FC236}">
+                <a16:creationId xmlns:a16="http://schemas.microsoft.com/office/drawing/2014/main" id="{33B12FA6-9337-C0FE-E707-B0367EA5EFED}"/>
+              </a:ext>
+            </a:extLst>
+          </p:cNvPr>
+          <p:cNvSpPr/>
+          <p:nvPr/>
+        </p:nvSpPr>
+        <p:spPr>
+          <a:xfrm>
+            <a:off x="5929392" y="165404"/>
+            <a:ext cx="272329" cy="177901"/>
+          </a:xfrm>
+          <a:prstGeom prst="roundRect">
+            <a:avLst>
+              <a:gd name="adj" fmla="val 0"/>
+            </a:avLst>
+          </a:prstGeom>
+          <a:solidFill>
+            <a:srgbClr val="F8C100"/>
+          </a:solidFill>
+          <a:ln w="12700" cap="flat" cmpd="sng" algn="ctr">
+            <a:noFill/>
+            <a:prstDash val="solid"/>
+            <a:miter lim="800000"/>
+          </a:ln>
+          <a:effectLst/>
+        </p:spPr>
+        <p:style>
+          <a:lnRef idx="2">
+            <a:schemeClr val="accent1">
+              <a:shade val="15000"/>
+            </a:schemeClr>
+          </a:lnRef>
+          <a:fillRef idx="1">
+            <a:schemeClr val="accent1"/>
+          </a:fillRef>
+          <a:effectRef idx="0">
+            <a:schemeClr val="accent1"/>
+          </a:effectRef>
+          <a:fontRef idx="minor">
+            <a:schemeClr val="lt1"/>
+          </a:fontRef>
+        </p:style>
+        <p:txBody>
+          <a:bodyPr rtlCol="0" anchor="ctr"/>
+          <a:lstStyle/>
+          <a:p>
+            <a:endParaRPr lang="en-US" altLang="zh-CN" sz="800" dirty="0"/>
+          </a:p>
+        </p:txBody>
+      </p:sp>
+      <p:sp>
+        <p:nvSpPr>
+          <p:cNvPr id="20" name="文本框 19">
+            <a:extLst>
+              <a:ext uri="{FF2B5EF4-FFF2-40B4-BE49-F238E27FC236}">
+                <a16:creationId xmlns:a16="http://schemas.microsoft.com/office/drawing/2014/main" id="{056D0915-8C61-0F32-620A-D66F58A753CC}"/>
+              </a:ext>
+            </a:extLst>
+          </p:cNvPr>
+          <p:cNvSpPr txBox="1"/>
+          <p:nvPr/>
+        </p:nvSpPr>
+        <p:spPr>
+          <a:xfrm>
+            <a:off x="6134129" y="90986"/>
+            <a:ext cx="1269369" cy="338554"/>
+          </a:xfrm>
+          <a:prstGeom prst="rect">
+            <a:avLst/>
+          </a:prstGeom>
+          <a:noFill/>
+        </p:spPr>
+        <p:txBody>
+          <a:bodyPr wrap="square" rtlCol="0">
+            <a:spAutoFit/>
+          </a:bodyPr>
+          <a:lstStyle/>
+          <a:p>
+            <a:r>
+              <a:rPr lang="en-US" altLang="zh-CN" sz="800" dirty="0">
+                <a:latin typeface="Arial" panose="020B0604020202020204" pitchFamily="34" charset="0"/>
+                <a:cs typeface="Arial" panose="020B0604020202020204" pitchFamily="34" charset="0"/>
+              </a:rPr>
+              <a:t>LLM-generated Test Plan Transformation</a:t>
+            </a:r>
+            <a:endParaRPr lang="en-US" altLang="zh-CN" sz="800" dirty="0"/>
+          </a:p>
+        </p:txBody>
+      </p:sp>
+      <p:sp>
+        <p:nvSpPr>
+          <p:cNvPr id="21" name="矩形: 圆角 20">
+            <a:extLst>
+              <a:ext uri="{FF2B5EF4-FFF2-40B4-BE49-F238E27FC236}">
+                <a16:creationId xmlns:a16="http://schemas.microsoft.com/office/drawing/2014/main" id="{629FE57B-8610-A9A2-9700-4924CDC47FAF}"/>
+              </a:ext>
+            </a:extLst>
+          </p:cNvPr>
+          <p:cNvSpPr/>
+          <p:nvPr/>
+        </p:nvSpPr>
+        <p:spPr>
+          <a:xfrm>
+            <a:off x="7200548" y="179717"/>
+            <a:ext cx="272329" cy="177901"/>
+          </a:xfrm>
+          <a:prstGeom prst="roundRect">
+            <a:avLst>
+              <a:gd name="adj" fmla="val 0"/>
+            </a:avLst>
+          </a:prstGeom>
+          <a:solidFill>
+            <a:srgbClr val="69AB3C"/>
+          </a:solidFill>
+          <a:ln w="12700" cap="flat" cmpd="sng" algn="ctr">
+            <a:noFill/>
+            <a:prstDash val="solid"/>
+            <a:miter lim="800000"/>
+          </a:ln>
+          <a:effectLst/>
+        </p:spPr>
+        <p:style>
+          <a:lnRef idx="2">
+            <a:schemeClr val="accent1">
+              <a:shade val="15000"/>
+            </a:schemeClr>
+          </a:lnRef>
+          <a:fillRef idx="1">
+            <a:schemeClr val="accent1"/>
+          </a:fillRef>
+          <a:effectRef idx="0">
+            <a:schemeClr val="accent1"/>
+          </a:effectRef>
+          <a:fontRef idx="minor">
+            <a:schemeClr val="lt1"/>
+          </a:fontRef>
+        </p:style>
+        <p:txBody>
+          <a:bodyPr rtlCol="0" anchor="ctr"/>
+          <a:lstStyle/>
+          <a:p>
+            <a:endParaRPr lang="en-US" altLang="zh-CN" sz="800" dirty="0"/>
+          </a:p>
+        </p:txBody>
+      </p:sp>
+      <p:sp>
+        <p:nvSpPr>
+          <p:cNvPr id="22" name="文本框 21">
+            <a:extLst>
+              <a:ext uri="{FF2B5EF4-FFF2-40B4-BE49-F238E27FC236}">
+                <a16:creationId xmlns:a16="http://schemas.microsoft.com/office/drawing/2014/main" id="{437DFFF3-65EA-D1E5-BF69-DF66EE85BBA8}"/>
+              </a:ext>
+            </a:extLst>
+          </p:cNvPr>
+          <p:cNvSpPr txBox="1"/>
+          <p:nvPr/>
+        </p:nvSpPr>
+        <p:spPr>
+          <a:xfrm>
+            <a:off x="7406132" y="116204"/>
+            <a:ext cx="913960" cy="324769"/>
+          </a:xfrm>
+          <a:prstGeom prst="rect">
+            <a:avLst/>
+          </a:prstGeom>
+          <a:noFill/>
+        </p:spPr>
+        <p:txBody>
+          <a:bodyPr wrap="square" rtlCol="0">
+            <a:spAutoFit/>
+          </a:bodyPr>
+          <a:lstStyle/>
+          <a:p>
+            <a:pPr>
+              <a:lnSpc>
+                <a:spcPts val="900"/>
+              </a:lnSpc>
+            </a:pPr>
+            <a:r>
+              <a:rPr lang="en-US" altLang="zh-CN" sz="900" dirty="0"/>
+              <a:t>VRAgent: Test Plan Execution</a:t>
+            </a:r>
+          </a:p>
+        </p:txBody>
+      </p:sp>
+    </p:spTree>
+    <p:extLst>
+      <p:ext uri="{BB962C8B-B14F-4D97-AF65-F5344CB8AC3E}">
+        <p14:creationId xmlns:p14="http://schemas.microsoft.com/office/powerpoint/2010/main" val="803210817"/>
+      </p:ext>
+    </p:extLst>
+  </p:cSld>
+  <p:clrMapOvr>
+    <a:masterClrMapping/>
+  </p:clrMapOvr>
+</p:sld>
+</file>
+
 <file path=ppt/theme/theme1.xml><?xml version="1.0" encoding="utf-8"?>
 <a:theme xmlns:a="http://schemas.openxmlformats.org/drawingml/2006/main" name="Office 主题​​">
   <a:themeElements>
